--- a/Docker_Kubeneste.pptx
+++ b/Docker_Kubeneste.pptx
@@ -20,17 +20,17 @@
     <p:sldId id="2437" r:id="rId11"/>
     <p:sldId id="2438" r:id="rId12"/>
     <p:sldId id="2440" r:id="rId13"/>
-    <p:sldId id="2446" r:id="rId14"/>
-    <p:sldId id="2444" r:id="rId15"/>
-    <p:sldId id="2448" r:id="rId16"/>
-    <p:sldId id="2445" r:id="rId17"/>
-    <p:sldId id="2447" r:id="rId18"/>
-    <p:sldId id="2451" r:id="rId19"/>
-    <p:sldId id="2449" r:id="rId20"/>
-    <p:sldId id="2450" r:id="rId21"/>
-    <p:sldId id="2453" r:id="rId22"/>
-    <p:sldId id="2455" r:id="rId23"/>
-    <p:sldId id="2454" r:id="rId24"/>
+    <p:sldId id="2458" r:id="rId14"/>
+    <p:sldId id="2446" r:id="rId15"/>
+    <p:sldId id="2444" r:id="rId16"/>
+    <p:sldId id="2448" r:id="rId17"/>
+    <p:sldId id="2445" r:id="rId18"/>
+    <p:sldId id="2447" r:id="rId19"/>
+    <p:sldId id="2453" r:id="rId20"/>
+    <p:sldId id="2455" r:id="rId21"/>
+    <p:sldId id="2451" r:id="rId22"/>
+    <p:sldId id="2449" r:id="rId23"/>
+    <p:sldId id="2450" r:id="rId24"/>
     <p:sldId id="2456" r:id="rId25"/>
     <p:sldId id="2442" r:id="rId26"/>
     <p:sldId id="2441" r:id="rId27"/>
@@ -235,7 +235,7 @@
           <a:p>
             <a:fld id="{B394031F-8358-46EC-8E26-D2DE3CE8F7AF}" type="datetimeFigureOut">
               <a:rPr lang="en-US" smtClean="0"/>
-              <a:t>4/5/2022</a:t>
+              <a:t>4/6/2022</a:t>
             </a:fld>
             <a:endParaRPr lang="en-US"/>
           </a:p>
@@ -915,6 +915,51 @@
               <a:t>+ lightweight: </a:t>
             </a:r>
           </a:p>
+          <a:p>
+            <a:pPr marL="0" indent="0">
+              <a:buFontTx/>
+              <a:buNone/>
+            </a:pPr>
+            <a:endParaRPr lang="en-US" dirty="0"/>
+          </a:p>
+          <a:p>
+            <a:pPr marL="0" marR="0" lvl="0" indent="0" algn="l" defTabSz="914400" rtl="0" eaLnBrk="1" fontAlgn="auto" latinLnBrk="0" hangingPunct="1">
+              <a:lnSpc>
+                <a:spcPct val="100000"/>
+              </a:lnSpc>
+              <a:spcBef>
+                <a:spcPts val="0"/>
+              </a:spcBef>
+              <a:spcAft>
+                <a:spcPts val="0"/>
+              </a:spcAft>
+              <a:buClrTx/>
+              <a:buSzTx/>
+              <a:buFontTx/>
+              <a:buNone/>
+              <a:tabLst/>
+              <a:defRPr/>
+            </a:pPr>
+            <a:r>
+              <a:rPr lang="en-US" sz="1200" dirty="0">
+                <a:solidFill>
+                  <a:srgbClr val="FF0000"/>
+                </a:solidFill>
+              </a:rPr>
+              <a:t>Ref</a:t>
+            </a:r>
+            <a:r>
+              <a:rPr lang="en-US" sz="1200" dirty="0"/>
+              <a:t>: https://www.whitesourcesoftware.com/free-developer-tools/blog/docker-images-vs-docker-containers/</a:t>
+            </a:r>
+          </a:p>
+          <a:p>
+            <a:pPr marL="0" indent="0">
+              <a:buFontTx/>
+              <a:buNone/>
+            </a:pPr>
+            <a:endParaRPr lang="en-US" dirty="0"/>
+          </a:p>
         </p:txBody>
       </p:sp>
       <p:sp>
@@ -999,8 +1044,171 @@
           <a:p>
             <a:r>
               <a:rPr lang="en-US" dirty="0"/>
-              <a:t>+</a:t>
-            </a:r>
+              <a:t>+ Docker image:</a:t>
+            </a:r>
+          </a:p>
+          <a:p>
+            <a:r>
+              <a:rPr lang="en-US" dirty="0"/>
+              <a:t>- 1 file dung de </a:t>
+            </a:r>
+            <a:r>
+              <a:rPr lang="en-US" dirty="0" err="1"/>
+              <a:t>thuc</a:t>
+            </a:r>
+            <a:r>
+              <a:rPr lang="en-US" dirty="0"/>
+              <a:t> </a:t>
+            </a:r>
+            <a:r>
+              <a:rPr lang="en-US" dirty="0" err="1"/>
+              <a:t>hien</a:t>
+            </a:r>
+            <a:r>
+              <a:rPr lang="en-US" dirty="0"/>
+              <a:t> code trong docker container ~ 1 </a:t>
+            </a:r>
+            <a:r>
+              <a:rPr lang="en-US" dirty="0" err="1"/>
+              <a:t>tập</a:t>
+            </a:r>
+            <a:r>
+              <a:rPr lang="en-US" dirty="0"/>
+              <a:t> </a:t>
+            </a:r>
+            <a:r>
+              <a:rPr lang="en-US" dirty="0" err="1"/>
+              <a:t>các</a:t>
+            </a:r>
+            <a:r>
+              <a:rPr lang="en-US" dirty="0"/>
+              <a:t> </a:t>
+            </a:r>
+            <a:r>
+              <a:rPr lang="en-US" dirty="0" err="1"/>
+              <a:t>bước</a:t>
+            </a:r>
+            <a:r>
+              <a:rPr lang="en-US" dirty="0"/>
+              <a:t> </a:t>
+            </a:r>
+            <a:r>
+              <a:rPr lang="en-US" dirty="0" err="1"/>
+              <a:t>để</a:t>
+            </a:r>
+            <a:r>
+              <a:rPr lang="en-US" dirty="0"/>
+              <a:t> </a:t>
+            </a:r>
+            <a:r>
+              <a:rPr lang="en-US" dirty="0" err="1"/>
+              <a:t>x.dựng</a:t>
+            </a:r>
+            <a:r>
+              <a:rPr lang="en-US" dirty="0"/>
+              <a:t> container. </a:t>
+            </a:r>
+          </a:p>
+          <a:p>
+            <a:pPr marL="171450" indent="-171450">
+              <a:buFontTx/>
+              <a:buChar char="-"/>
+            </a:pPr>
+            <a:r>
+              <a:rPr lang="en-US" dirty="0"/>
+              <a:t>(</a:t>
+            </a:r>
+            <a:r>
+              <a:rPr lang="en-US" dirty="0" err="1"/>
+              <a:t>bản</a:t>
+            </a:r>
+            <a:r>
+              <a:rPr lang="en-US" dirty="0"/>
+              <a:t> </a:t>
+            </a:r>
+            <a:r>
+              <a:rPr lang="en-US" dirty="0" err="1"/>
+              <a:t>chất</a:t>
+            </a:r>
+            <a:r>
+              <a:rPr lang="en-US" dirty="0"/>
+              <a:t>) docker image ~ </a:t>
+            </a:r>
+          </a:p>
+          <a:p>
+            <a:pPr marL="0" indent="0">
+              <a:buFontTx/>
+              <a:buNone/>
+            </a:pPr>
+            <a:r>
+              <a:rPr lang="en-US" dirty="0"/>
+              <a:t>+ portable: </a:t>
+            </a:r>
+          </a:p>
+          <a:p>
+            <a:pPr marL="0" indent="0">
+              <a:buFontTx/>
+              <a:buNone/>
+            </a:pPr>
+            <a:r>
+              <a:rPr lang="en-US" dirty="0"/>
+              <a:t>+ lightweight: </a:t>
+            </a:r>
+          </a:p>
+          <a:p>
+            <a:pPr marL="0" indent="0">
+              <a:buFontTx/>
+              <a:buNone/>
+            </a:pPr>
+            <a:r>
+              <a:rPr lang="en-US" dirty="0"/>
+              <a:t>Python3.6 (lite) </a:t>
+            </a:r>
+          </a:p>
+          <a:p>
+            <a:pPr marL="0" indent="0">
+              <a:buFontTx/>
+              <a:buNone/>
+            </a:pPr>
+            <a:endParaRPr lang="en-US" dirty="0"/>
+          </a:p>
+          <a:p>
+            <a:pPr marL="0" marR="0" lvl="0" indent="0" algn="l" defTabSz="914400" rtl="0" eaLnBrk="1" fontAlgn="auto" latinLnBrk="0" hangingPunct="1">
+              <a:lnSpc>
+                <a:spcPct val="100000"/>
+              </a:lnSpc>
+              <a:spcBef>
+                <a:spcPts val="0"/>
+              </a:spcBef>
+              <a:spcAft>
+                <a:spcPts val="0"/>
+              </a:spcAft>
+              <a:buClrTx/>
+              <a:buSzTx/>
+              <a:buFontTx/>
+              <a:buNone/>
+              <a:tabLst/>
+              <a:defRPr/>
+            </a:pPr>
+            <a:r>
+              <a:rPr lang="en-US" sz="1200" dirty="0">
+                <a:solidFill>
+                  <a:srgbClr val="FF0000"/>
+                </a:solidFill>
+              </a:rPr>
+              <a:t>Ref</a:t>
+            </a:r>
+            <a:r>
+              <a:rPr lang="en-US" sz="1200" dirty="0"/>
+              <a:t>: https://www.whitesourcesoftware.com/free-developer-tools/blog/docker-images-vs-docker-containers/</a:t>
+            </a:r>
+          </a:p>
+          <a:p>
+            <a:pPr marL="0" indent="0">
+              <a:buFontTx/>
+              <a:buNone/>
+            </a:pPr>
+            <a:endParaRPr lang="en-US" dirty="0"/>
           </a:p>
         </p:txBody>
       </p:sp>
@@ -1030,7 +1238,7 @@
     </p:spTree>
     <p:extLst>
       <p:ext uri="{BB962C8B-B14F-4D97-AF65-F5344CB8AC3E}">
-        <p14:creationId xmlns:p14="http://schemas.microsoft.com/office/powerpoint/2010/main" val="826693816"/>
+        <p14:creationId xmlns:p14="http://schemas.microsoft.com/office/powerpoint/2010/main" val="2525163327"/>
       </p:ext>
     </p:extLst>
   </p:cSld>
@@ -1117,7 +1325,7 @@
     </p:spTree>
     <p:extLst>
       <p:ext uri="{BB962C8B-B14F-4D97-AF65-F5344CB8AC3E}">
-        <p14:creationId xmlns:p14="http://schemas.microsoft.com/office/powerpoint/2010/main" val="1490061455"/>
+        <p14:creationId xmlns:p14="http://schemas.microsoft.com/office/powerpoint/2010/main" val="826693816"/>
       </p:ext>
     </p:extLst>
   </p:cSld>
@@ -1204,7 +1412,7 @@
     </p:spTree>
     <p:extLst>
       <p:ext uri="{BB962C8B-B14F-4D97-AF65-F5344CB8AC3E}">
-        <p14:creationId xmlns:p14="http://schemas.microsoft.com/office/powerpoint/2010/main" val="3510988164"/>
+        <p14:creationId xmlns:p14="http://schemas.microsoft.com/office/powerpoint/2010/main" val="1490061455"/>
       </p:ext>
     </p:extLst>
   </p:cSld>
@@ -1291,7 +1499,7 @@
     </p:spTree>
     <p:extLst>
       <p:ext uri="{BB962C8B-B14F-4D97-AF65-F5344CB8AC3E}">
-        <p14:creationId xmlns:p14="http://schemas.microsoft.com/office/powerpoint/2010/main" val="548242837"/>
+        <p14:creationId xmlns:p14="http://schemas.microsoft.com/office/powerpoint/2010/main" val="3510988164"/>
       </p:ext>
     </p:extLst>
   </p:cSld>
@@ -1347,129 +1555,8 @@
           <a:p>
             <a:r>
               <a:rPr lang="en-US" dirty="0"/>
-              <a:t>+ Anh </a:t>
-            </a:r>
-            <a:r>
-              <a:rPr lang="en-US" dirty="0" err="1"/>
-              <a:t>xa</a:t>
-            </a:r>
-            <a:r>
-              <a:rPr lang="en-US" dirty="0"/>
-              <a:t> thu </a:t>
-            </a:r>
-            <a:r>
-              <a:rPr lang="en-US" dirty="0" err="1"/>
-              <a:t>muc</a:t>
-            </a:r>
-            <a:r>
-              <a:rPr lang="en-US" dirty="0"/>
-              <a:t> may host </a:t>
-            </a:r>
-            <a:r>
-              <a:rPr lang="en-US" dirty="0" err="1"/>
-              <a:t>vao</a:t>
-            </a:r>
-            <a:r>
-              <a:rPr lang="en-US" dirty="0"/>
-              <a:t> container</a:t>
-            </a:r>
-          </a:p>
-          <a:p>
-            <a:r>
-              <a:rPr lang="en-US" dirty="0"/>
-              <a:t>+ Chia se du lieu </a:t>
-            </a:r>
-            <a:r>
-              <a:rPr lang="en-US" dirty="0" err="1"/>
-              <a:t>giua</a:t>
-            </a:r>
-            <a:r>
-              <a:rPr lang="en-US" dirty="0"/>
-              <a:t> </a:t>
-            </a:r>
-            <a:r>
-              <a:rPr lang="en-US" dirty="0" err="1"/>
-              <a:t>cac</a:t>
-            </a:r>
-            <a:r>
-              <a:rPr lang="en-US" dirty="0"/>
-              <a:t> container</a:t>
-            </a:r>
-          </a:p>
-          <a:p>
-            <a:r>
-              <a:rPr lang="en-US" dirty="0"/>
-              <a:t>+ Chia se du </a:t>
-            </a:r>
-            <a:r>
-              <a:rPr lang="en-US" dirty="0" err="1"/>
-              <a:t>lieuj</a:t>
-            </a:r>
-            <a:r>
-              <a:rPr lang="en-US" dirty="0"/>
-              <a:t> qua volume</a:t>
-            </a:r>
-          </a:p>
-          <a:p>
-            <a:r>
-              <a:rPr lang="en-US" dirty="0"/>
-              <a:t>+ Tao volume, docker volume create</a:t>
-            </a:r>
-          </a:p>
-          <a:p>
-            <a:r>
-              <a:rPr lang="en-US" dirty="0"/>
-              <a:t>+ Gan o </a:t>
-            </a:r>
-            <a:r>
-              <a:rPr lang="en-US" dirty="0" err="1"/>
-              <a:t>dia</a:t>
-            </a:r>
-            <a:r>
-              <a:rPr lang="en-US" dirty="0"/>
-              <a:t> volume </a:t>
-            </a:r>
-            <a:r>
-              <a:rPr lang="en-US" dirty="0" err="1"/>
-              <a:t>vao</a:t>
-            </a:r>
-            <a:r>
-              <a:rPr lang="en-US" dirty="0"/>
-              <a:t> container</a:t>
-            </a:r>
-          </a:p>
-          <a:p>
-            <a:r>
-              <a:rPr lang="en-US" dirty="0"/>
-              <a:t>+ Tao o </a:t>
-            </a:r>
-            <a:r>
-              <a:rPr lang="en-US" dirty="0" err="1"/>
-              <a:t>dia</a:t>
-            </a:r>
-            <a:r>
-              <a:rPr lang="en-US" dirty="0"/>
-              <a:t> anh </a:t>
-            </a:r>
-            <a:r>
-              <a:rPr lang="en-US" dirty="0" err="1"/>
-              <a:t>xa</a:t>
-            </a:r>
-            <a:r>
-              <a:rPr lang="en-US" dirty="0"/>
-              <a:t> den thu </a:t>
-            </a:r>
-            <a:r>
-              <a:rPr lang="en-US" dirty="0" err="1"/>
-              <a:t>muc</a:t>
-            </a:r>
-            <a:r>
-              <a:rPr lang="en-US" dirty="0"/>
-              <a:t> host</a:t>
-            </a:r>
-          </a:p>
-          <a:p>
-            <a:endParaRPr lang="en-US" dirty="0"/>
+              <a:t>+</a:t>
+            </a:r>
           </a:p>
         </p:txBody>
       </p:sp>
@@ -1499,7 +1586,7 @@
     </p:spTree>
     <p:extLst>
       <p:ext uri="{BB962C8B-B14F-4D97-AF65-F5344CB8AC3E}">
-        <p14:creationId xmlns:p14="http://schemas.microsoft.com/office/powerpoint/2010/main" val="1889270375"/>
+        <p14:creationId xmlns:p14="http://schemas.microsoft.com/office/powerpoint/2010/main" val="548242837"/>
       </p:ext>
     </p:extLst>
   </p:cSld>
@@ -1555,129 +1642,45 @@
           <a:p>
             <a:r>
               <a:rPr lang="en-US" dirty="0"/>
-              <a:t>+ Trong </a:t>
+              <a:t>+ Anh </a:t>
             </a:r>
             <a:r>
               <a:rPr lang="en-US" dirty="0" err="1"/>
-              <a:t>thuc</a:t>
+              <a:t>xa</a:t>
+            </a:r>
+            <a:r>
+              <a:rPr lang="en-US" dirty="0"/>
+              <a:t> thu </a:t>
+            </a:r>
+            <a:r>
+              <a:rPr lang="en-US" dirty="0" err="1"/>
+              <a:t>muc</a:t>
+            </a:r>
+            <a:r>
+              <a:rPr lang="en-US" dirty="0"/>
+              <a:t> may host </a:t>
+            </a:r>
+            <a:r>
+              <a:rPr lang="en-US" dirty="0" err="1"/>
+              <a:t>vao</a:t>
+            </a:r>
+            <a:r>
+              <a:rPr lang="en-US" dirty="0"/>
+              <a:t> container</a:t>
+            </a:r>
+          </a:p>
+          <a:p>
+            <a:r>
+              <a:rPr lang="en-US" dirty="0"/>
+              <a:t>+ Chia se du lieu </a:t>
+            </a:r>
+            <a:r>
+              <a:rPr lang="en-US" dirty="0" err="1"/>
+              <a:t>giua</a:t>
             </a:r>
             <a:r>
               <a:rPr lang="en-US" dirty="0"/>
               <a:t> </a:t>
-            </a:r>
-            <a:r>
-              <a:rPr lang="en-US" dirty="0" err="1"/>
-              <a:t>te</a:t>
-            </a:r>
-            <a:r>
-              <a:rPr lang="en-US" dirty="0"/>
-              <a:t>, </a:t>
-            </a:r>
-            <a:r>
-              <a:rPr lang="en-US" dirty="0" err="1"/>
-              <a:t>khi</a:t>
-            </a:r>
-            <a:r>
-              <a:rPr lang="en-US" dirty="0"/>
-              <a:t> </a:t>
-            </a:r>
-            <a:r>
-              <a:rPr lang="en-US" dirty="0" err="1"/>
-              <a:t>trien</a:t>
-            </a:r>
-            <a:r>
-              <a:rPr lang="en-US" dirty="0"/>
-              <a:t> </a:t>
-            </a:r>
-            <a:r>
-              <a:rPr lang="en-US" dirty="0" err="1"/>
-              <a:t>khai</a:t>
-            </a:r>
-            <a:r>
-              <a:rPr lang="en-US" dirty="0"/>
-              <a:t> 1 du an, project can </a:t>
-            </a:r>
-            <a:r>
-              <a:rPr lang="en-US" dirty="0" err="1"/>
-              <a:t>chay</a:t>
-            </a:r>
-            <a:r>
-              <a:rPr lang="en-US" dirty="0"/>
-              <a:t> </a:t>
-            </a:r>
-            <a:r>
-              <a:rPr lang="en-US" dirty="0" err="1"/>
-              <a:t>tren</a:t>
-            </a:r>
-            <a:r>
-              <a:rPr lang="en-US" dirty="0"/>
-              <a:t> </a:t>
-            </a:r>
-            <a:r>
-              <a:rPr lang="en-US" dirty="0" err="1"/>
-              <a:t>nhieu</a:t>
-            </a:r>
-            <a:r>
-              <a:rPr lang="en-US" dirty="0"/>
-              <a:t> host (virtual private server – may chu </a:t>
-            </a:r>
-            <a:r>
-              <a:rPr lang="en-US" dirty="0" err="1"/>
-              <a:t>ao</a:t>
-            </a:r>
-            <a:r>
-              <a:rPr lang="en-US" dirty="0"/>
-              <a:t> </a:t>
-            </a:r>
-            <a:r>
-              <a:rPr lang="en-US" dirty="0" err="1"/>
-              <a:t>rieng</a:t>
-            </a:r>
-            <a:r>
-              <a:rPr lang="en-US" dirty="0"/>
-              <a:t>) ~&gt; </a:t>
-            </a:r>
-            <a:r>
-              <a:rPr lang="en-US" dirty="0" err="1"/>
-              <a:t>kho</a:t>
-            </a:r>
-            <a:r>
-              <a:rPr lang="en-US" dirty="0"/>
-              <a:t> </a:t>
-            </a:r>
-            <a:r>
-              <a:rPr lang="en-US" dirty="0" err="1"/>
-              <a:t>quan</a:t>
-            </a:r>
-            <a:r>
-              <a:rPr lang="en-US" dirty="0"/>
-              <a:t> </a:t>
-            </a:r>
-            <a:r>
-              <a:rPr lang="en-US" dirty="0" err="1"/>
-              <a:t>ly</a:t>
-            </a:r>
-            <a:r>
-              <a:rPr lang="en-US" dirty="0"/>
-              <a:t>, k the config, deploy </a:t>
-            </a:r>
-            <a:r>
-              <a:rPr lang="en-US" dirty="0" err="1"/>
-              <a:t>cho</a:t>
-            </a:r>
-            <a:r>
-              <a:rPr lang="en-US" dirty="0"/>
-              <a:t> tung con host =&gt; docker swarm</a:t>
-            </a:r>
-          </a:p>
-          <a:p>
-            <a:pPr marL="171450" indent="-171450">
-              <a:buFontTx/>
-              <a:buChar char="-"/>
-            </a:pPr>
-            <a:r>
-              <a:rPr lang="en-US" dirty="0"/>
-              <a:t>Cong cu: </a:t>
             </a:r>
             <a:r>
               <a:rPr lang="en-US" dirty="0" err="1"/>
@@ -1685,156 +1688,82 @@
             </a:r>
             <a:r>
               <a:rPr lang="en-US" dirty="0"/>
-              <a:t> tinh </a:t>
+              <a:t> container</a:t>
+            </a:r>
+          </a:p>
+          <a:p>
+            <a:r>
+              <a:rPr lang="en-US" dirty="0"/>
+              <a:t>+ Chia se du </a:t>
             </a:r>
             <a:r>
               <a:rPr lang="en-US" dirty="0" err="1"/>
-              <a:t>nang</a:t>
-            </a:r>
-            <a:r>
-              <a:rPr lang="en-US" dirty="0"/>
-              <a:t> </a:t>
+              <a:t>lieuj</a:t>
+            </a:r>
+            <a:r>
+              <a:rPr lang="en-US" dirty="0"/>
+              <a:t> qua volume</a:t>
+            </a:r>
+          </a:p>
+          <a:p>
+            <a:r>
+              <a:rPr lang="en-US" dirty="0"/>
+              <a:t>+ Tao volume, docker volume create</a:t>
+            </a:r>
+          </a:p>
+          <a:p>
+            <a:r>
+              <a:rPr lang="en-US" dirty="0"/>
+              <a:t>+ Gan o </a:t>
             </a:r>
             <a:r>
               <a:rPr lang="en-US" dirty="0" err="1"/>
-              <a:t>dieu</a:t>
-            </a:r>
-            <a:r>
-              <a:rPr lang="en-US" dirty="0"/>
-              <a:t> </a:t>
+              <a:t>dia</a:t>
+            </a:r>
+            <a:r>
+              <a:rPr lang="en-US" dirty="0"/>
+              <a:t> volume </a:t>
             </a:r>
             <a:r>
               <a:rPr lang="en-US" dirty="0" err="1"/>
-              <a:t>phoi</a:t>
-            </a:r>
-            <a:r>
-              <a:rPr lang="en-US" dirty="0"/>
-              <a:t> &amp; </a:t>
+              <a:t>vao</a:t>
+            </a:r>
+            <a:r>
+              <a:rPr lang="en-US" dirty="0"/>
+              <a:t> container</a:t>
+            </a:r>
+          </a:p>
+          <a:p>
+            <a:r>
+              <a:rPr lang="en-US" dirty="0"/>
+              <a:t>+ Tao o </a:t>
             </a:r>
             <a:r>
               <a:rPr lang="en-US" dirty="0" err="1"/>
-              <a:t>quan</a:t>
-            </a:r>
-            <a:r>
-              <a:rPr lang="en-US" dirty="0"/>
-              <a:t> </a:t>
+              <a:t>dia</a:t>
+            </a:r>
+            <a:r>
+              <a:rPr lang="en-US" dirty="0"/>
+              <a:t> anh </a:t>
             </a:r>
             <a:r>
               <a:rPr lang="en-US" dirty="0" err="1"/>
-              <a:t>ly</a:t>
-            </a:r>
-            <a:r>
-              <a:rPr lang="en-US" dirty="0"/>
-              <a:t> cum docker host (~ containers)</a:t>
-            </a:r>
-          </a:p>
-          <a:p>
-            <a:pPr marL="0" indent="0">
-              <a:buFontTx/>
-              <a:buNone/>
-            </a:pPr>
-            <a:r>
-              <a:rPr lang="en-US" dirty="0"/>
-              <a:t>+ Key concepts:</a:t>
-            </a:r>
-          </a:p>
-          <a:p>
-            <a:pPr marL="171450" indent="-171450">
-              <a:buFontTx/>
-              <a:buChar char="-"/>
-            </a:pPr>
-            <a:r>
-              <a:rPr lang="en-US" dirty="0"/>
-              <a:t>Node ~ 1 instance </a:t>
+              <a:t>xa</a:t>
+            </a:r>
+            <a:r>
+              <a:rPr lang="en-US" dirty="0"/>
+              <a:t> den thu </a:t>
             </a:r>
             <a:r>
               <a:rPr lang="en-US" dirty="0" err="1"/>
-              <a:t>cua</a:t>
-            </a:r>
-            <a:r>
-              <a:rPr lang="en-US" dirty="0"/>
-              <a:t> Docker </a:t>
-            </a:r>
-            <a:r>
-              <a:rPr lang="en-US" dirty="0" err="1"/>
-              <a:t>enginer</a:t>
-            </a:r>
-            <a:r>
-              <a:rPr lang="en-US" dirty="0"/>
-              <a:t> cu the =&gt; {Docker Engine ~ a client-server application}. </a:t>
-            </a:r>
-            <a:r>
-              <a:rPr lang="en-US" dirty="0" err="1"/>
-              <a:t>Một</a:t>
-            </a:r>
-            <a:r>
-              <a:rPr lang="en-US" dirty="0"/>
-              <a:t> </a:t>
-            </a:r>
-            <a:r>
-              <a:rPr lang="en-US" dirty="0" err="1"/>
-              <a:t>máy</a:t>
-            </a:r>
-            <a:r>
-              <a:rPr lang="en-US" dirty="0"/>
-              <a:t> </a:t>
-            </a:r>
-            <a:r>
-              <a:rPr lang="en-US" dirty="0" err="1"/>
-              <a:t>vật</a:t>
-            </a:r>
-            <a:r>
-              <a:rPr lang="en-US" dirty="0"/>
-              <a:t> </a:t>
-            </a:r>
-            <a:r>
-              <a:rPr lang="en-US" dirty="0" err="1"/>
-              <a:t>lý</a:t>
-            </a:r>
-            <a:r>
-              <a:rPr lang="en-US" dirty="0"/>
-              <a:t> or </a:t>
-            </a:r>
-            <a:r>
-              <a:rPr lang="en-US" dirty="0" err="1"/>
-              <a:t>máy</a:t>
-            </a:r>
-            <a:r>
-              <a:rPr lang="en-US" dirty="0"/>
-              <a:t> </a:t>
-            </a:r>
-            <a:r>
-              <a:rPr lang="en-US" dirty="0" err="1"/>
-              <a:t>ảo</a:t>
-            </a:r>
-            <a:r>
-              <a:rPr lang="en-US" dirty="0"/>
-              <a:t> </a:t>
-            </a:r>
-            <a:r>
-              <a:rPr lang="en-US" dirty="0" err="1"/>
-              <a:t>chạy</a:t>
-            </a:r>
-            <a:r>
-              <a:rPr lang="en-US" dirty="0"/>
-              <a:t> docker.</a:t>
-            </a:r>
-          </a:p>
-          <a:p>
-            <a:pPr marL="171450" indent="-171450">
-              <a:buFontTx/>
-              <a:buChar char="-"/>
-            </a:pPr>
-            <a:r>
-              <a:rPr lang="en-US" dirty="0"/>
-              <a:t>Load balancing: (confirm ki) </a:t>
-            </a:r>
-          </a:p>
-          <a:p>
-            <a:pPr marL="0" indent="0">
-              <a:buFontTx/>
-              <a:buNone/>
-            </a:pPr>
+              <a:t>muc</a:t>
+            </a:r>
+            <a:r>
+              <a:rPr lang="en-US" dirty="0"/>
+              <a:t> host</a:t>
+            </a:r>
+          </a:p>
+          <a:p>
             <a:endParaRPr lang="en-US" dirty="0"/>
           </a:p>
         </p:txBody>
@@ -1865,7 +1794,7 @@
     </p:spTree>
     <p:extLst>
       <p:ext uri="{BB962C8B-B14F-4D97-AF65-F5344CB8AC3E}">
-        <p14:creationId xmlns:p14="http://schemas.microsoft.com/office/powerpoint/2010/main" val="2681222812"/>
+        <p14:creationId xmlns:p14="http://schemas.microsoft.com/office/powerpoint/2010/main" val="1889270375"/>
       </p:ext>
     </p:extLst>
   </p:cSld>
@@ -1921,11 +1850,11 @@
           <a:p>
             <a:r>
               <a:rPr lang="en-US" dirty="0"/>
-              <a:t>+ Trong </a:t>
+              <a:t>+ Docker network: </a:t>
             </a:r>
             <a:r>
               <a:rPr lang="en-US" dirty="0" err="1"/>
-              <a:t>thuc</a:t>
+              <a:t>ket</a:t>
             </a:r>
             <a:r>
               <a:rPr lang="en-US" dirty="0"/>
@@ -1933,15 +1862,15 @@
             </a:r>
             <a:r>
               <a:rPr lang="en-US" dirty="0" err="1"/>
-              <a:t>te</a:t>
-            </a:r>
-            <a:r>
-              <a:rPr lang="en-US" dirty="0"/>
-              <a:t>, </a:t>
+              <a:t>noi</a:t>
+            </a:r>
+            <a:r>
+              <a:rPr lang="en-US" dirty="0"/>
+              <a:t> </a:t>
             </a:r>
             <a:r>
               <a:rPr lang="en-US" dirty="0" err="1"/>
-              <a:t>khi</a:t>
+              <a:t>giua</a:t>
             </a:r>
             <a:r>
               <a:rPr lang="en-US" dirty="0"/>
@@ -1949,7 +1878,15 @@
             </a:r>
             <a:r>
               <a:rPr lang="en-US" dirty="0" err="1"/>
-              <a:t>trien</a:t>
+              <a:t>cac</a:t>
+            </a:r>
+            <a:r>
+              <a:rPr lang="en-US" dirty="0"/>
+              <a:t> containers </a:t>
+            </a:r>
+            <a:r>
+              <a:rPr lang="en-US" dirty="0" err="1"/>
+              <a:t>voi</a:t>
             </a:r>
             <a:r>
               <a:rPr lang="en-US" dirty="0"/>
@@ -1957,11 +1894,79 @@
             </a:r>
             <a:r>
               <a:rPr lang="en-US" dirty="0" err="1"/>
-              <a:t>khai</a:t>
-            </a:r>
-            <a:r>
-              <a:rPr lang="en-US" dirty="0"/>
-              <a:t> 1 du an, project can </a:t>
+              <a:t>nhau</a:t>
+            </a:r>
+            <a:r>
+              <a:rPr lang="en-US" dirty="0"/>
+              <a:t>, container </a:t>
+            </a:r>
+            <a:r>
+              <a:rPr lang="en-US" dirty="0" err="1"/>
+              <a:t>voi</a:t>
+            </a:r>
+            <a:r>
+              <a:rPr lang="en-US" dirty="0"/>
+              <a:t> ben </a:t>
+            </a:r>
+            <a:r>
+              <a:rPr lang="en-US" dirty="0" err="1"/>
+              <a:t>ngoai</a:t>
+            </a:r>
+            <a:r>
+              <a:rPr lang="en-US" dirty="0"/>
+              <a:t> </a:t>
+            </a:r>
+            <a:r>
+              <a:rPr lang="en-US" dirty="0" err="1"/>
+              <a:t>hoac</a:t>
+            </a:r>
+            <a:r>
+              <a:rPr lang="en-US" dirty="0"/>
+              <a:t> </a:t>
+            </a:r>
+            <a:r>
+              <a:rPr lang="en-US" dirty="0" err="1"/>
+              <a:t>ket</a:t>
+            </a:r>
+            <a:r>
+              <a:rPr lang="en-US" dirty="0"/>
+              <a:t> </a:t>
+            </a:r>
+            <a:r>
+              <a:rPr lang="en-US" dirty="0" err="1"/>
+              <a:t>noi</a:t>
+            </a:r>
+            <a:r>
+              <a:rPr lang="en-US" dirty="0"/>
+              <a:t> </a:t>
+            </a:r>
+            <a:r>
+              <a:rPr lang="en-US" dirty="0" err="1"/>
+              <a:t>giua</a:t>
+            </a:r>
+            <a:r>
+              <a:rPr lang="en-US" dirty="0"/>
+              <a:t> </a:t>
+            </a:r>
+            <a:r>
+              <a:rPr lang="en-US" dirty="0" err="1"/>
+              <a:t>cac</a:t>
+            </a:r>
+            <a:r>
+              <a:rPr lang="en-US" dirty="0"/>
+              <a:t> cum (swarm) docker containers</a:t>
+            </a:r>
+          </a:p>
+          <a:p>
+            <a:r>
+              <a:rPr lang="en-US" dirty="0"/>
+              <a:t>+ Bridge:</a:t>
+            </a:r>
+          </a:p>
+          <a:p>
+            <a:r>
+              <a:rPr lang="en-US" dirty="0"/>
+              <a:t>- Use: </a:t>
             </a:r>
             <a:r>
               <a:rPr lang="en-US" dirty="0" err="1"/>
@@ -1973,7 +1978,7 @@
             </a:r>
             <a:r>
               <a:rPr lang="en-US" dirty="0" err="1"/>
-              <a:t>tren</a:t>
+              <a:t>cac</a:t>
             </a:r>
             <a:r>
               <a:rPr lang="en-US" dirty="0"/>
@@ -1981,69 +1986,19 @@
             </a:r>
             <a:r>
               <a:rPr lang="en-US" dirty="0" err="1"/>
-              <a:t>nhieu</a:t>
-            </a:r>
-            <a:r>
-              <a:rPr lang="en-US" dirty="0"/>
-              <a:t> host (virtual private server – may chu </a:t>
+              <a:t>ung</a:t>
+            </a:r>
+            <a:r>
+              <a:rPr lang="en-US" dirty="0"/>
+              <a:t> dung </a:t>
             </a:r>
             <a:r>
               <a:rPr lang="en-US" dirty="0" err="1"/>
-              <a:t>ao</a:t>
-            </a:r>
-            <a:r>
-              <a:rPr lang="en-US" dirty="0"/>
-              <a:t> </a:t>
-            </a:r>
-            <a:r>
-              <a:rPr lang="en-US" dirty="0" err="1"/>
-              <a:t>rieng</a:t>
-            </a:r>
-            <a:r>
-              <a:rPr lang="en-US" dirty="0"/>
-              <a:t>) ~&gt; </a:t>
-            </a:r>
-            <a:r>
-              <a:rPr lang="en-US" dirty="0" err="1"/>
-              <a:t>kho</a:t>
-            </a:r>
-            <a:r>
-              <a:rPr lang="en-US" dirty="0"/>
-              <a:t> </a:t>
-            </a:r>
-            <a:r>
-              <a:rPr lang="en-US" dirty="0" err="1"/>
-              <a:t>quan</a:t>
-            </a:r>
-            <a:r>
-              <a:rPr lang="en-US" dirty="0"/>
-              <a:t> </a:t>
-            </a:r>
-            <a:r>
-              <a:rPr lang="en-US" dirty="0" err="1"/>
-              <a:t>ly</a:t>
-            </a:r>
-            <a:r>
-              <a:rPr lang="en-US" dirty="0"/>
-              <a:t>, k the config, deploy </a:t>
-            </a:r>
-            <a:r>
-              <a:rPr lang="en-US" dirty="0" err="1"/>
-              <a:t>cho</a:t>
-            </a:r>
-            <a:r>
-              <a:rPr lang="en-US" dirty="0"/>
-              <a:t> tung con host =&gt; docker swarm</a:t>
-            </a:r>
-          </a:p>
-          <a:p>
-            <a:pPr marL="171450" indent="-171450">
-              <a:buFontTx/>
-              <a:buChar char="-"/>
-            </a:pPr>
-            <a:r>
-              <a:rPr lang="en-US" dirty="0"/>
-              <a:t>Cong cu: </a:t>
+              <a:t>duoi</a:t>
+            </a:r>
+            <a:r>
+              <a:rPr lang="en-US" dirty="0"/>
+              <a:t> dang </a:t>
             </a:r>
             <a:r>
               <a:rPr lang="en-US" dirty="0" err="1"/>
@@ -2051,11 +2006,11 @@
             </a:r>
             <a:r>
               <a:rPr lang="en-US" dirty="0"/>
-              <a:t> tinh </a:t>
+              <a:t> container doc la can </a:t>
             </a:r>
             <a:r>
               <a:rPr lang="en-US" dirty="0" err="1"/>
-              <a:t>nang</a:t>
+              <a:t>giao</a:t>
             </a:r>
             <a:r>
               <a:rPr lang="en-US" dirty="0"/>
@@ -2063,7 +2018,7 @@
             </a:r>
             <a:r>
               <a:rPr lang="en-US" dirty="0" err="1"/>
-              <a:t>dieu</a:t>
+              <a:t>tiep</a:t>
             </a:r>
             <a:r>
               <a:rPr lang="en-US" dirty="0"/>
@@ -2071,15 +2026,83 @@
             </a:r>
             <a:r>
               <a:rPr lang="en-US" dirty="0" err="1"/>
-              <a:t>phoi</a:t>
-            </a:r>
-            <a:r>
-              <a:rPr lang="en-US" dirty="0"/>
-              <a:t> &amp; </a:t>
+              <a:t>voi</a:t>
+            </a:r>
+            <a:r>
+              <a:rPr lang="en-US" dirty="0"/>
+              <a:t> </a:t>
             </a:r>
             <a:r>
               <a:rPr lang="en-US" dirty="0" err="1"/>
-              <a:t>quan</a:t>
+              <a:t>nhau</a:t>
+            </a:r>
+            <a:r>
+              <a:rPr lang="en-US" dirty="0"/>
+              <a:t> (</a:t>
+            </a:r>
+            <a:r>
+              <a:rPr lang="en-US" dirty="0" err="1"/>
+              <a:t>ip</a:t>
+            </a:r>
+            <a:r>
+              <a:rPr lang="en-US" dirty="0"/>
+              <a:t> address) =&gt; </a:t>
+            </a:r>
+            <a:r>
+              <a:rPr lang="en-US" dirty="0" err="1"/>
+              <a:t>tranh</a:t>
+            </a:r>
+            <a:r>
+              <a:rPr lang="en-US" dirty="0"/>
+              <a:t> conflict port problem</a:t>
+            </a:r>
+          </a:p>
+          <a:p>
+            <a:r>
+              <a:rPr lang="en-US" dirty="0"/>
+              <a:t>+ Host: </a:t>
+            </a:r>
+            <a:r>
+              <a:rPr lang="en-US" dirty="0" err="1"/>
+              <a:t>duoc</a:t>
+            </a:r>
+            <a:r>
+              <a:rPr lang="en-US" dirty="0"/>
+              <a:t> cap </a:t>
+            </a:r>
+            <a:r>
+              <a:rPr lang="en-US" dirty="0" err="1"/>
+              <a:t>boi</a:t>
+            </a:r>
+            <a:r>
+              <a:rPr lang="en-US" dirty="0"/>
+              <a:t> host. ~&gt; limit: need a </a:t>
+            </a:r>
+            <a:r>
+              <a:rPr lang="en-US" dirty="0" err="1"/>
+              <a:t>linux</a:t>
+            </a:r>
+            <a:r>
+              <a:rPr lang="en-US" dirty="0"/>
+              <a:t> host to use it. Can not run multiple containers on the same host having same port.</a:t>
+            </a:r>
+          </a:p>
+          <a:p>
+            <a:r>
+              <a:rPr lang="en-US" dirty="0"/>
+              <a:t>+ None: </a:t>
+            </a:r>
+            <a:r>
+              <a:rPr lang="en-US" dirty="0" err="1"/>
+              <a:t>ngat</a:t>
+            </a:r>
+            <a:r>
+              <a:rPr lang="en-US" dirty="0"/>
+              <a:t> tat ca </a:t>
+            </a:r>
+            <a:r>
+              <a:rPr lang="en-US" dirty="0" err="1"/>
+              <a:t>ket</a:t>
             </a:r>
             <a:r>
               <a:rPr lang="en-US" dirty="0"/>
@@ -2087,32 +2110,167 @@
             </a:r>
             <a:r>
               <a:rPr lang="en-US" dirty="0" err="1"/>
-              <a:t>ly</a:t>
-            </a:r>
-            <a:r>
-              <a:rPr lang="en-US" dirty="0"/>
-              <a:t> cum docker host)</a:t>
-            </a:r>
-          </a:p>
-          <a:p>
-            <a:pPr marL="0" indent="0">
-              <a:buFontTx/>
-              <a:buNone/>
-            </a:pPr>
-            <a:r>
-              <a:rPr lang="en-US" dirty="0"/>
-              <a:t>+ Feature highlights </a:t>
-            </a:r>
-          </a:p>
-          <a:p>
-            <a:pPr marL="0" indent="0">
-              <a:buFontTx/>
-              <a:buNone/>
-            </a:pPr>
-            <a:r>
-              <a:rPr lang="en-US" dirty="0"/>
-              <a:t>- </a:t>
-            </a:r>
+              <a:t>noi</a:t>
+            </a:r>
+            <a:r>
+              <a:rPr lang="en-US" dirty="0"/>
+              <a:t> ~&gt; containers k the </a:t>
+            </a:r>
+            <a:r>
+              <a:rPr lang="en-US" dirty="0" err="1"/>
+              <a:t>truy</a:t>
+            </a:r>
+            <a:r>
+              <a:rPr lang="en-US" dirty="0"/>
+              <a:t> cap </a:t>
+            </a:r>
+            <a:r>
+              <a:rPr lang="en-US" dirty="0" err="1"/>
+              <a:t>cac</a:t>
+            </a:r>
+            <a:r>
+              <a:rPr lang="en-US" dirty="0"/>
+              <a:t> </a:t>
+            </a:r>
+            <a:r>
+              <a:rPr lang="en-US" dirty="0" err="1"/>
+              <a:t>mang</a:t>
+            </a:r>
+            <a:r>
+              <a:rPr lang="en-US" dirty="0"/>
+              <a:t> </a:t>
+            </a:r>
+            <a:r>
+              <a:rPr lang="en-US" dirty="0" err="1"/>
+              <a:t>b.ngoai</a:t>
+            </a:r>
+            <a:r>
+              <a:rPr lang="en-US" dirty="0"/>
+              <a:t> or </a:t>
+            </a:r>
+            <a:r>
+              <a:rPr lang="en-US" dirty="0" err="1"/>
+              <a:t>voi</a:t>
+            </a:r>
+            <a:r>
+              <a:rPr lang="en-US" dirty="0"/>
+              <a:t> </a:t>
+            </a:r>
+            <a:r>
+              <a:rPr lang="en-US" dirty="0" err="1"/>
+              <a:t>cac</a:t>
+            </a:r>
+            <a:r>
+              <a:rPr lang="en-US" dirty="0"/>
+              <a:t> containers </a:t>
+            </a:r>
+            <a:r>
+              <a:rPr lang="en-US" dirty="0" err="1"/>
+              <a:t>khac</a:t>
+            </a:r>
+            <a:endParaRPr lang="en-US" dirty="0"/>
+          </a:p>
+          <a:p>
+            <a:endParaRPr lang="en-US" dirty="0"/>
+          </a:p>
+          <a:p>
+            <a:r>
+              <a:rPr lang="en-US" dirty="0"/>
+              <a:t>+ </a:t>
+            </a:r>
+            <a:r>
+              <a:rPr lang="en-US" sz="1200" dirty="0">
+                <a:solidFill>
+                  <a:srgbClr val="FF0000"/>
+                </a:solidFill>
+              </a:rPr>
+              <a:t>Ref</a:t>
+            </a:r>
+            <a:r>
+              <a:rPr lang="en-US" sz="1200" dirty="0"/>
+              <a:t>: </a:t>
+            </a:r>
+          </a:p>
+          <a:p>
+            <a:r>
+              <a:rPr lang="en-US" sz="1200" dirty="0">
+                <a:solidFill>
+                  <a:schemeClr val="accent1"/>
+                </a:solidFill>
+                <a:hlinkClick r:id="rId3"/>
+              </a:rPr>
+              <a:t>https://earthly.dev/blog/docker-networking/</a:t>
+            </a:r>
+            <a:endParaRPr lang="en-US" sz="1200" dirty="0">
+              <a:solidFill>
+                <a:schemeClr val="accent1"/>
+              </a:solidFill>
+            </a:endParaRPr>
+          </a:p>
+          <a:p>
+            <a:r>
+              <a:rPr lang="en-US" sz="1200" dirty="0">
+                <a:solidFill>
+                  <a:schemeClr val="accent1"/>
+                </a:solidFill>
+                <a:hlinkClick r:id="rId4"/>
+              </a:rPr>
+              <a:t>https://www.youtube.com/watch?v=fqMOX6JJhGo</a:t>
+            </a:r>
+            <a:endParaRPr lang="en-US" sz="1200" dirty="0">
+              <a:solidFill>
+                <a:schemeClr val="accent1"/>
+              </a:solidFill>
+            </a:endParaRPr>
+          </a:p>
+          <a:p>
+            <a:r>
+              <a:rPr lang="en-US" sz="1200" dirty="0">
+                <a:solidFill>
+                  <a:schemeClr val="accent1"/>
+                </a:solidFill>
+                <a:hlinkClick r:id="rId5"/>
+              </a:rPr>
+              <a:t>https://docs.docker.com/network/</a:t>
+            </a:r>
+            <a:endParaRPr lang="en-US" sz="1200" dirty="0">
+              <a:solidFill>
+                <a:schemeClr val="accent1"/>
+              </a:solidFill>
+            </a:endParaRPr>
+          </a:p>
+          <a:p>
+            <a:r>
+              <a:rPr lang="en-US" sz="1200" dirty="0">
+                <a:solidFill>
+                  <a:schemeClr val="accent1"/>
+                </a:solidFill>
+              </a:rPr>
+              <a:t>https://stackoverflow.com/questions/41083328/what-is-the-use-of-docker-host-and-none-networks</a:t>
+            </a:r>
+          </a:p>
+          <a:p>
+            <a:r>
+              <a:rPr lang="en-US" sz="1200" dirty="0">
+                <a:solidFill>
+                  <a:schemeClr val="accent1"/>
+                </a:solidFill>
+              </a:rPr>
+              <a:t>https://www.bogotobogo.com/DevOps/Docker/Docker-Bridge-Driver-Networks.php</a:t>
+            </a:r>
+          </a:p>
+          <a:p>
+            <a:r>
+              <a:rPr lang="en-US" sz="1200" dirty="0">
+                <a:solidFill>
+                  <a:schemeClr val="accent1"/>
+                </a:solidFill>
+              </a:rPr>
+              <a:t>https://www.aquasec.com/cloud-native-academy/docker-container/docker-networking/</a:t>
+            </a:r>
+          </a:p>
+          <a:p>
+            <a:endParaRPr lang="en-US" dirty="0"/>
           </a:p>
         </p:txBody>
       </p:sp>
@@ -2142,7 +2300,7 @@
     </p:spTree>
     <p:extLst>
       <p:ext uri="{BB962C8B-B14F-4D97-AF65-F5344CB8AC3E}">
-        <p14:creationId xmlns:p14="http://schemas.microsoft.com/office/powerpoint/2010/main" val="655043220"/>
+        <p14:creationId xmlns:p14="http://schemas.microsoft.com/office/powerpoint/2010/main" val="1571000161"/>
       </p:ext>
     </p:extLst>
   </p:cSld>
@@ -2330,37 +2488,23 @@
           <a:p>
             <a:r>
               <a:rPr lang="en-US" dirty="0"/>
-              <a:t>+ Anh </a:t>
+              <a:t>+ Docker network: </a:t>
             </a:r>
             <a:r>
               <a:rPr lang="en-US" dirty="0" err="1"/>
-              <a:t>xa</a:t>
-            </a:r>
-            <a:r>
-              <a:rPr lang="en-US" dirty="0"/>
-              <a:t> thu </a:t>
+              <a:t>ket</a:t>
+            </a:r>
+            <a:r>
+              <a:rPr lang="en-US" dirty="0"/>
+              <a:t> </a:t>
             </a:r>
             <a:r>
               <a:rPr lang="en-US" dirty="0" err="1"/>
-              <a:t>muc</a:t>
-            </a:r>
-            <a:r>
-              <a:rPr lang="en-US" dirty="0"/>
-              <a:t> may host </a:t>
-            </a:r>
-            <a:r>
-              <a:rPr lang="en-US" dirty="0" err="1"/>
-              <a:t>vao</a:t>
-            </a:r>
-            <a:r>
-              <a:rPr lang="en-US" dirty="0"/>
-              <a:t> container</a:t>
-            </a:r>
-          </a:p>
-          <a:p>
-            <a:r>
-              <a:rPr lang="en-US" dirty="0"/>
-              <a:t>+ Chia se du lieu </a:t>
+              <a:t>noi</a:t>
+            </a:r>
+            <a:r>
+              <a:rPr lang="en-US" dirty="0"/>
+              <a:t> </a:t>
             </a:r>
             <a:r>
               <a:rPr lang="en-US" dirty="0" err="1"/>
@@ -2376,79 +2520,309 @@
             </a:r>
             <a:r>
               <a:rPr lang="en-US" dirty="0"/>
-              <a:t> container</a:t>
-            </a:r>
-          </a:p>
-          <a:p>
-            <a:r>
-              <a:rPr lang="en-US" dirty="0"/>
-              <a:t>+ Chia se du </a:t>
+              <a:t> containers </a:t>
             </a:r>
             <a:r>
               <a:rPr lang="en-US" dirty="0" err="1"/>
-              <a:t>lieuj</a:t>
-            </a:r>
-            <a:r>
-              <a:rPr lang="en-US" dirty="0"/>
-              <a:t> qua volume</a:t>
-            </a:r>
-          </a:p>
-          <a:p>
-            <a:r>
-              <a:rPr lang="en-US" dirty="0"/>
-              <a:t>+ Tao volume, docker volume create</a:t>
-            </a:r>
-          </a:p>
-          <a:p>
-            <a:r>
-              <a:rPr lang="en-US" dirty="0"/>
-              <a:t>+ Gan o </a:t>
+              <a:t>voi</a:t>
+            </a:r>
+            <a:r>
+              <a:rPr lang="en-US" dirty="0"/>
+              <a:t> </a:t>
             </a:r>
             <a:r>
               <a:rPr lang="en-US" dirty="0" err="1"/>
-              <a:t>dia</a:t>
-            </a:r>
-            <a:r>
-              <a:rPr lang="en-US" dirty="0"/>
-              <a:t> volume </a:t>
+              <a:t>nhau</a:t>
+            </a:r>
+            <a:r>
+              <a:rPr lang="en-US" dirty="0"/>
+              <a:t>, container </a:t>
             </a:r>
             <a:r>
               <a:rPr lang="en-US" dirty="0" err="1"/>
-              <a:t>vao</a:t>
-            </a:r>
-            <a:r>
-              <a:rPr lang="en-US" dirty="0"/>
-              <a:t> container</a:t>
-            </a:r>
-          </a:p>
-          <a:p>
-            <a:r>
-              <a:rPr lang="en-US" dirty="0"/>
-              <a:t>+ Tao o </a:t>
+              <a:t>voi</a:t>
+            </a:r>
+            <a:r>
+              <a:rPr lang="en-US" dirty="0"/>
+              <a:t> ben </a:t>
             </a:r>
             <a:r>
               <a:rPr lang="en-US" dirty="0" err="1"/>
-              <a:t>dia</a:t>
-            </a:r>
-            <a:r>
-              <a:rPr lang="en-US" dirty="0"/>
-              <a:t> anh </a:t>
+              <a:t>ngoai</a:t>
+            </a:r>
+            <a:r>
+              <a:rPr lang="en-US" dirty="0"/>
+              <a:t> </a:t>
             </a:r>
             <a:r>
               <a:rPr lang="en-US" dirty="0" err="1"/>
-              <a:t>xa</a:t>
-            </a:r>
-            <a:r>
-              <a:rPr lang="en-US" dirty="0"/>
-              <a:t> den thu </a:t>
+              <a:t>hoac</a:t>
+            </a:r>
+            <a:r>
+              <a:rPr lang="en-US" dirty="0"/>
+              <a:t> </a:t>
             </a:r>
             <a:r>
               <a:rPr lang="en-US" dirty="0" err="1"/>
-              <a:t>muc</a:t>
-            </a:r>
-            <a:r>
-              <a:rPr lang="en-US" dirty="0"/>
-              <a:t> host</a:t>
+              <a:t>ket</a:t>
+            </a:r>
+            <a:r>
+              <a:rPr lang="en-US" dirty="0"/>
+              <a:t> </a:t>
+            </a:r>
+            <a:r>
+              <a:rPr lang="en-US" dirty="0" err="1"/>
+              <a:t>noi</a:t>
+            </a:r>
+            <a:r>
+              <a:rPr lang="en-US" dirty="0"/>
+              <a:t> </a:t>
+            </a:r>
+            <a:r>
+              <a:rPr lang="en-US" dirty="0" err="1"/>
+              <a:t>giua</a:t>
+            </a:r>
+            <a:r>
+              <a:rPr lang="en-US" dirty="0"/>
+              <a:t> </a:t>
+            </a:r>
+            <a:r>
+              <a:rPr lang="en-US" dirty="0" err="1"/>
+              <a:t>cac</a:t>
+            </a:r>
+            <a:r>
+              <a:rPr lang="en-US" dirty="0"/>
+              <a:t> cum (swarm) docker containers</a:t>
+            </a:r>
+          </a:p>
+          <a:p>
+            <a:r>
+              <a:rPr lang="en-US" dirty="0"/>
+              <a:t>+ Bridge:</a:t>
+            </a:r>
+          </a:p>
+          <a:p>
+            <a:r>
+              <a:rPr lang="en-US" dirty="0"/>
+              <a:t>- Use: </a:t>
+            </a:r>
+            <a:r>
+              <a:rPr lang="en-US" dirty="0" err="1"/>
+              <a:t>chay</a:t>
+            </a:r>
+            <a:r>
+              <a:rPr lang="en-US" dirty="0"/>
+              <a:t> </a:t>
+            </a:r>
+            <a:r>
+              <a:rPr lang="en-US" dirty="0" err="1"/>
+              <a:t>cac</a:t>
+            </a:r>
+            <a:r>
+              <a:rPr lang="en-US" dirty="0"/>
+              <a:t> </a:t>
+            </a:r>
+            <a:r>
+              <a:rPr lang="en-US" dirty="0" err="1"/>
+              <a:t>ung</a:t>
+            </a:r>
+            <a:r>
+              <a:rPr lang="en-US" dirty="0"/>
+              <a:t> dung </a:t>
+            </a:r>
+            <a:r>
+              <a:rPr lang="en-US" dirty="0" err="1"/>
+              <a:t>duoi</a:t>
+            </a:r>
+            <a:r>
+              <a:rPr lang="en-US" dirty="0"/>
+              <a:t> dang </a:t>
+            </a:r>
+            <a:r>
+              <a:rPr lang="en-US" dirty="0" err="1"/>
+              <a:t>cac</a:t>
+            </a:r>
+            <a:r>
+              <a:rPr lang="en-US" dirty="0"/>
+              <a:t> container doc la can </a:t>
+            </a:r>
+            <a:r>
+              <a:rPr lang="en-US" dirty="0" err="1"/>
+              <a:t>giao</a:t>
+            </a:r>
+            <a:r>
+              <a:rPr lang="en-US" dirty="0"/>
+              <a:t> </a:t>
+            </a:r>
+            <a:r>
+              <a:rPr lang="en-US" dirty="0" err="1"/>
+              <a:t>tiep</a:t>
+            </a:r>
+            <a:r>
+              <a:rPr lang="en-US" dirty="0"/>
+              <a:t> </a:t>
+            </a:r>
+            <a:r>
+              <a:rPr lang="en-US" dirty="0" err="1"/>
+              <a:t>voi</a:t>
+            </a:r>
+            <a:r>
+              <a:rPr lang="en-US" dirty="0"/>
+              <a:t> </a:t>
+            </a:r>
+            <a:r>
+              <a:rPr lang="en-US" dirty="0" err="1"/>
+              <a:t>nhau</a:t>
+            </a:r>
+            <a:r>
+              <a:rPr lang="en-US" dirty="0"/>
+              <a:t> (</a:t>
+            </a:r>
+            <a:r>
+              <a:rPr lang="en-US" dirty="0" err="1"/>
+              <a:t>ip</a:t>
+            </a:r>
+            <a:r>
+              <a:rPr lang="en-US" dirty="0"/>
+              <a:t> address) =&gt; </a:t>
+            </a:r>
+          </a:p>
+          <a:p>
+            <a:r>
+              <a:rPr lang="en-US" dirty="0"/>
+              <a:t>+ Host: public network, </a:t>
+            </a:r>
+          </a:p>
+          <a:p>
+            <a:r>
+              <a:rPr lang="en-US" dirty="0"/>
+              <a:t>+ None: </a:t>
+            </a:r>
+            <a:r>
+              <a:rPr lang="en-US" dirty="0" err="1"/>
+              <a:t>ngat</a:t>
+            </a:r>
+            <a:r>
+              <a:rPr lang="en-US" dirty="0"/>
+              <a:t> tat ca </a:t>
+            </a:r>
+            <a:r>
+              <a:rPr lang="en-US" dirty="0" err="1"/>
+              <a:t>ket</a:t>
+            </a:r>
+            <a:r>
+              <a:rPr lang="en-US" dirty="0"/>
+              <a:t> </a:t>
+            </a:r>
+            <a:r>
+              <a:rPr lang="en-US" dirty="0" err="1"/>
+              <a:t>noi</a:t>
+            </a:r>
+            <a:endParaRPr lang="en-US" dirty="0"/>
+          </a:p>
+          <a:p>
+            <a:endParaRPr lang="en-US" dirty="0"/>
+          </a:p>
+          <a:p>
+            <a:r>
+              <a:rPr lang="en-US" dirty="0"/>
+              <a:t>+ </a:t>
+            </a:r>
+            <a:r>
+              <a:rPr lang="en-US" sz="1200" dirty="0">
+                <a:solidFill>
+                  <a:srgbClr val="FF0000"/>
+                </a:solidFill>
+              </a:rPr>
+              <a:t>Ref</a:t>
+            </a:r>
+            <a:r>
+              <a:rPr lang="en-US" sz="1200" dirty="0"/>
+              <a:t>: </a:t>
+            </a:r>
+          </a:p>
+          <a:p>
+            <a:r>
+              <a:rPr lang="en-US" sz="1200" dirty="0"/>
+              <a:t>https://www.simplilearn.com/tutorials/docker-tutorial/docker-networking?source=sl_frs_nav_playlist_video_clicked</a:t>
+            </a:r>
+          </a:p>
+          <a:p>
+            <a:r>
+              <a:rPr lang="en-US" sz="1200" dirty="0">
+                <a:solidFill>
+                  <a:schemeClr val="accent1"/>
+                </a:solidFill>
+                <a:hlinkClick r:id="rId3"/>
+              </a:rPr>
+              <a:t>https://earthly.dev/blog/docker-networking/</a:t>
+            </a:r>
+            <a:endParaRPr lang="en-US" sz="1200" dirty="0">
+              <a:solidFill>
+                <a:schemeClr val="accent1"/>
+              </a:solidFill>
+            </a:endParaRPr>
+          </a:p>
+          <a:p>
+            <a:r>
+              <a:rPr lang="en-US" sz="1200" dirty="0">
+                <a:solidFill>
+                  <a:schemeClr val="accent1"/>
+                </a:solidFill>
+                <a:hlinkClick r:id="rId4"/>
+              </a:rPr>
+              <a:t>https://www.youtube.com/watch?v=fqMOX6JJhGo</a:t>
+            </a:r>
+            <a:endParaRPr lang="en-US" sz="1200" dirty="0">
+              <a:solidFill>
+                <a:schemeClr val="accent1"/>
+              </a:solidFill>
+            </a:endParaRPr>
+          </a:p>
+          <a:p>
+            <a:r>
+              <a:rPr lang="en-US" sz="1200" dirty="0">
+                <a:solidFill>
+                  <a:schemeClr val="accent1"/>
+                </a:solidFill>
+                <a:hlinkClick r:id="rId5"/>
+              </a:rPr>
+              <a:t>https://docs.docker.com/network/</a:t>
+            </a:r>
+            <a:endParaRPr lang="en-US" sz="1200" dirty="0">
+              <a:solidFill>
+                <a:schemeClr val="accent1"/>
+              </a:solidFill>
+            </a:endParaRPr>
+          </a:p>
+          <a:p>
+            <a:r>
+              <a:rPr lang="en-US" sz="1200" dirty="0">
+                <a:solidFill>
+                  <a:schemeClr val="accent1"/>
+                </a:solidFill>
+              </a:rPr>
+              <a:t>https://stackoverflow.com/questions/41083328/what-is-the-use-of-docker-host-and-none-networks</a:t>
+            </a:r>
+          </a:p>
+          <a:p>
+            <a:r>
+              <a:rPr lang="en-US" sz="1200" dirty="0">
+                <a:solidFill>
+                  <a:schemeClr val="accent1"/>
+                </a:solidFill>
+              </a:rPr>
+              <a:t>https://www.bogotobogo.com/DevOps/Docker/Docker-Bridge-Driver-Networks.php</a:t>
+            </a:r>
+          </a:p>
+          <a:p>
+            <a:r>
+              <a:rPr lang="en-US" sz="1200" dirty="0">
+                <a:solidFill>
+                  <a:schemeClr val="accent1"/>
+                </a:solidFill>
+              </a:rPr>
+              <a:t>https://www.aquasec.com/cloud-native-academy/docker-container/docker-networking/</a:t>
             </a:r>
           </a:p>
           <a:p>
@@ -2482,7 +2856,7 @@
     </p:spTree>
     <p:extLst>
       <p:ext uri="{BB962C8B-B14F-4D97-AF65-F5344CB8AC3E}">
-        <p14:creationId xmlns:p14="http://schemas.microsoft.com/office/powerpoint/2010/main" val="3448055436"/>
+        <p14:creationId xmlns:p14="http://schemas.microsoft.com/office/powerpoint/2010/main" val="1743407215"/>
       </p:ext>
     </p:extLst>
   </p:cSld>
@@ -2538,11 +2912,11 @@
           <a:p>
             <a:r>
               <a:rPr lang="en-US" dirty="0"/>
-              <a:t>+ Docker network: </a:t>
+              <a:t>+ Trong </a:t>
             </a:r>
             <a:r>
               <a:rPr lang="en-US" dirty="0" err="1"/>
-              <a:t>ket</a:t>
+              <a:t>thuc</a:t>
             </a:r>
             <a:r>
               <a:rPr lang="en-US" dirty="0"/>
@@ -2550,7 +2924,15 @@
             </a:r>
             <a:r>
               <a:rPr lang="en-US" dirty="0" err="1"/>
-              <a:t>noi</a:t>
+              <a:t>te</a:t>
+            </a:r>
+            <a:r>
+              <a:rPr lang="en-US" dirty="0"/>
+              <a:t>, </a:t>
+            </a:r>
+            <a:r>
+              <a:rPr lang="en-US" dirty="0" err="1"/>
+              <a:t>khi</a:t>
             </a:r>
             <a:r>
               <a:rPr lang="en-US" dirty="0"/>
@@ -2558,11 +2940,101 @@
             </a:r>
             <a:r>
               <a:rPr lang="en-US" dirty="0" err="1"/>
-              <a:t>giua</a:t>
+              <a:t>trien</a:t>
             </a:r>
             <a:r>
               <a:rPr lang="en-US" dirty="0"/>
               <a:t> </a:t>
+            </a:r>
+            <a:r>
+              <a:rPr lang="en-US" dirty="0" err="1"/>
+              <a:t>khai</a:t>
+            </a:r>
+            <a:r>
+              <a:rPr lang="en-US" dirty="0"/>
+              <a:t> 1 du an, project can </a:t>
+            </a:r>
+            <a:r>
+              <a:rPr lang="en-US" dirty="0" err="1"/>
+              <a:t>chay</a:t>
+            </a:r>
+            <a:r>
+              <a:rPr lang="en-US" dirty="0"/>
+              <a:t> </a:t>
+            </a:r>
+            <a:r>
+              <a:rPr lang="en-US" dirty="0" err="1"/>
+              <a:t>tren</a:t>
+            </a:r>
+            <a:r>
+              <a:rPr lang="en-US" dirty="0"/>
+              <a:t> </a:t>
+            </a:r>
+            <a:r>
+              <a:rPr lang="en-US" dirty="0" err="1"/>
+              <a:t>nhieu</a:t>
+            </a:r>
+            <a:r>
+              <a:rPr lang="en-US" dirty="0"/>
+              <a:t> host (virtual private server – may chu </a:t>
+            </a:r>
+            <a:r>
+              <a:rPr lang="en-US" dirty="0" err="1"/>
+              <a:t>ao</a:t>
+            </a:r>
+            <a:r>
+              <a:rPr lang="en-US" dirty="0"/>
+              <a:t> </a:t>
+            </a:r>
+            <a:r>
+              <a:rPr lang="en-US" dirty="0" err="1"/>
+              <a:t>rieng</a:t>
+            </a:r>
+            <a:r>
+              <a:rPr lang="en-US" dirty="0"/>
+              <a:t>) ~&gt; </a:t>
+            </a:r>
+            <a:r>
+              <a:rPr lang="en-US" dirty="0" err="1"/>
+              <a:t>kho</a:t>
+            </a:r>
+            <a:r>
+              <a:rPr lang="en-US" dirty="0"/>
+              <a:t> </a:t>
+            </a:r>
+            <a:r>
+              <a:rPr lang="en-US" dirty="0" err="1"/>
+              <a:t>quan</a:t>
+            </a:r>
+            <a:r>
+              <a:rPr lang="en-US" dirty="0"/>
+              <a:t> </a:t>
+            </a:r>
+            <a:r>
+              <a:rPr lang="en-US" dirty="0" err="1"/>
+              <a:t>ly</a:t>
+            </a:r>
+            <a:r>
+              <a:rPr lang="en-US" dirty="0"/>
+              <a:t>, k the config, deploy </a:t>
+            </a:r>
+            <a:r>
+              <a:rPr lang="en-US" dirty="0" err="1"/>
+              <a:t>cho</a:t>
+            </a:r>
+            <a:r>
+              <a:rPr lang="en-US" dirty="0"/>
+              <a:t> tung con host =&gt; docker swarm</a:t>
+            </a:r>
+          </a:p>
+          <a:p>
+            <a:pPr marL="171450" indent="-171450">
+              <a:buFontTx/>
+              <a:buChar char="-"/>
+            </a:pPr>
+            <a:r>
+              <a:rPr lang="en-US" dirty="0"/>
+              <a:t>Cong cu: </a:t>
             </a:r>
             <a:r>
               <a:rPr lang="en-US" dirty="0" err="1"/>
@@ -2570,11 +3042,11 @@
             </a:r>
             <a:r>
               <a:rPr lang="en-US" dirty="0"/>
-              <a:t> containers </a:t>
+              <a:t> tinh </a:t>
             </a:r>
             <a:r>
               <a:rPr lang="en-US" dirty="0" err="1"/>
-              <a:t>voi</a:t>
+              <a:t>nang</a:t>
             </a:r>
             <a:r>
               <a:rPr lang="en-US" dirty="0"/>
@@ -2582,23 +3054,23 @@
             </a:r>
             <a:r>
               <a:rPr lang="en-US" dirty="0" err="1"/>
-              <a:t>nhau</a:t>
-            </a:r>
-            <a:r>
-              <a:rPr lang="en-US" dirty="0"/>
-              <a:t>, container </a:t>
+              <a:t>dieu</a:t>
+            </a:r>
+            <a:r>
+              <a:rPr lang="en-US" dirty="0"/>
+              <a:t> </a:t>
             </a:r>
             <a:r>
               <a:rPr lang="en-US" dirty="0" err="1"/>
-              <a:t>voi</a:t>
-            </a:r>
-            <a:r>
-              <a:rPr lang="en-US" dirty="0"/>
-              <a:t> ben </a:t>
+              <a:t>phoi</a:t>
+            </a:r>
+            <a:r>
+              <a:rPr lang="en-US" dirty="0"/>
+              <a:t> &amp; </a:t>
             </a:r>
             <a:r>
               <a:rPr lang="en-US" dirty="0" err="1"/>
-              <a:t>ngoai</a:t>
+              <a:t>quan</a:t>
             </a:r>
             <a:r>
               <a:rPr lang="en-US" dirty="0"/>
@@ -2606,7 +3078,51 @@
             </a:r>
             <a:r>
               <a:rPr lang="en-US" dirty="0" err="1"/>
-              <a:t>hoac</a:t>
+              <a:t>ly</a:t>
+            </a:r>
+            <a:r>
+              <a:rPr lang="en-US" dirty="0"/>
+              <a:t> cum docker host (~ containers)</a:t>
+            </a:r>
+          </a:p>
+          <a:p>
+            <a:pPr marL="0" indent="0">
+              <a:buFontTx/>
+              <a:buNone/>
+            </a:pPr>
+            <a:r>
+              <a:rPr lang="en-US" dirty="0"/>
+              <a:t>+ Key concepts:</a:t>
+            </a:r>
+          </a:p>
+          <a:p>
+            <a:pPr marL="171450" indent="-171450">
+              <a:buFontTx/>
+              <a:buChar char="-"/>
+            </a:pPr>
+            <a:r>
+              <a:rPr lang="en-US" dirty="0"/>
+              <a:t>Node ~ 1 instance </a:t>
+            </a:r>
+            <a:r>
+              <a:rPr lang="en-US" dirty="0" err="1"/>
+              <a:t>cua</a:t>
+            </a:r>
+            <a:r>
+              <a:rPr lang="en-US" dirty="0"/>
+              <a:t> Docker </a:t>
+            </a:r>
+            <a:r>
+              <a:rPr lang="en-US" dirty="0" err="1"/>
+              <a:t>enginer</a:t>
+            </a:r>
+            <a:r>
+              <a:rPr lang="en-US" dirty="0"/>
+              <a:t> cu the =&gt; {Docker Engine ~ a client-server application}. </a:t>
+            </a:r>
+            <a:r>
+              <a:rPr lang="en-US" dirty="0" err="1"/>
+              <a:t>Một</a:t>
             </a:r>
             <a:r>
               <a:rPr lang="en-US" dirty="0"/>
@@ -2614,7 +3130,7 @@
             </a:r>
             <a:r>
               <a:rPr lang="en-US" dirty="0" err="1"/>
-              <a:t>ket</a:t>
+              <a:t>máy</a:t>
             </a:r>
             <a:r>
               <a:rPr lang="en-US" dirty="0"/>
@@ -2622,7 +3138,7 @@
             </a:r>
             <a:r>
               <a:rPr lang="en-US" dirty="0" err="1"/>
-              <a:t>noi</a:t>
+              <a:t>vật</a:t>
             </a:r>
             <a:r>
               <a:rPr lang="en-US" dirty="0"/>
@@ -2630,7 +3146,15 @@
             </a:r>
             <a:r>
               <a:rPr lang="en-US" dirty="0" err="1"/>
-              <a:t>giua</a:t>
+              <a:t>lý</a:t>
+            </a:r>
+            <a:r>
+              <a:rPr lang="en-US" dirty="0"/>
+              <a:t> or </a:t>
+            </a:r>
+            <a:r>
+              <a:rPr lang="en-US" dirty="0" err="1"/>
+              <a:t>máy</a:t>
             </a:r>
             <a:r>
               <a:rPr lang="en-US" dirty="0"/>
@@ -2638,326 +3162,36 @@
             </a:r>
             <a:r>
               <a:rPr lang="en-US" dirty="0" err="1"/>
-              <a:t>cac</a:t>
-            </a:r>
-            <a:r>
-              <a:rPr lang="en-US" dirty="0"/>
-              <a:t> cum (swarm) docker containers</a:t>
-            </a:r>
-          </a:p>
-          <a:p>
-            <a:r>
-              <a:rPr lang="en-US" dirty="0"/>
-              <a:t>+ Bridge:</a:t>
-            </a:r>
-          </a:p>
-          <a:p>
-            <a:r>
-              <a:rPr lang="en-US" dirty="0"/>
-              <a:t>- Use: </a:t>
+              <a:t>ảo</a:t>
+            </a:r>
+            <a:r>
+              <a:rPr lang="en-US" dirty="0"/>
+              <a:t> </a:t>
             </a:r>
             <a:r>
               <a:rPr lang="en-US" dirty="0" err="1"/>
-              <a:t>chay</a:t>
-            </a:r>
-            <a:r>
-              <a:rPr lang="en-US" dirty="0"/>
-              <a:t> </a:t>
-            </a:r>
-            <a:r>
-              <a:rPr lang="en-US" dirty="0" err="1"/>
-              <a:t>cac</a:t>
-            </a:r>
-            <a:r>
-              <a:rPr lang="en-US" dirty="0"/>
-              <a:t> </a:t>
-            </a:r>
-            <a:r>
-              <a:rPr lang="en-US" dirty="0" err="1"/>
-              <a:t>ung</a:t>
-            </a:r>
-            <a:r>
-              <a:rPr lang="en-US" dirty="0"/>
-              <a:t> dung </a:t>
-            </a:r>
-            <a:r>
-              <a:rPr lang="en-US" dirty="0" err="1"/>
-              <a:t>duoi</a:t>
-            </a:r>
-            <a:r>
-              <a:rPr lang="en-US" dirty="0"/>
-              <a:t> dang </a:t>
-            </a:r>
-            <a:r>
-              <a:rPr lang="en-US" dirty="0" err="1"/>
-              <a:t>cac</a:t>
-            </a:r>
-            <a:r>
-              <a:rPr lang="en-US" dirty="0"/>
-              <a:t> container doc la can </a:t>
-            </a:r>
-            <a:r>
-              <a:rPr lang="en-US" dirty="0" err="1"/>
-              <a:t>giao</a:t>
-            </a:r>
-            <a:r>
-              <a:rPr lang="en-US" dirty="0"/>
-              <a:t> </a:t>
-            </a:r>
-            <a:r>
-              <a:rPr lang="en-US" dirty="0" err="1"/>
-              <a:t>tiep</a:t>
-            </a:r>
-            <a:r>
-              <a:rPr lang="en-US" dirty="0"/>
-              <a:t> </a:t>
-            </a:r>
-            <a:r>
-              <a:rPr lang="en-US" dirty="0" err="1"/>
-              <a:t>voi</a:t>
-            </a:r>
-            <a:r>
-              <a:rPr lang="en-US" dirty="0"/>
-              <a:t> </a:t>
-            </a:r>
-            <a:r>
-              <a:rPr lang="en-US" dirty="0" err="1"/>
-              <a:t>nhau</a:t>
-            </a:r>
-            <a:r>
-              <a:rPr lang="en-US" dirty="0"/>
-              <a:t> (</a:t>
-            </a:r>
-            <a:r>
-              <a:rPr lang="en-US" dirty="0" err="1"/>
-              <a:t>ip</a:t>
-            </a:r>
-            <a:r>
-              <a:rPr lang="en-US" dirty="0"/>
-              <a:t> address) =&gt; </a:t>
-            </a:r>
-            <a:r>
-              <a:rPr lang="en-US" dirty="0" err="1"/>
-              <a:t>tranh</a:t>
-            </a:r>
-            <a:r>
-              <a:rPr lang="en-US" dirty="0"/>
-              <a:t> conflict port problem</a:t>
-            </a:r>
-          </a:p>
-          <a:p>
-            <a:r>
-              <a:rPr lang="en-US" dirty="0"/>
-              <a:t>+ Host: </a:t>
-            </a:r>
-            <a:r>
-              <a:rPr lang="en-US" dirty="0" err="1"/>
-              <a:t>duoc</a:t>
-            </a:r>
-            <a:r>
-              <a:rPr lang="en-US" dirty="0"/>
-              <a:t> cap </a:t>
-            </a:r>
-            <a:r>
-              <a:rPr lang="en-US" dirty="0" err="1"/>
-              <a:t>boi</a:t>
-            </a:r>
-            <a:r>
-              <a:rPr lang="en-US" dirty="0"/>
-              <a:t> host. ~&gt; limit: need a </a:t>
-            </a:r>
-            <a:r>
-              <a:rPr lang="en-US" dirty="0" err="1"/>
-              <a:t>linux</a:t>
-            </a:r>
-            <a:r>
-              <a:rPr lang="en-US" dirty="0"/>
-              <a:t> host to use it. Can not run multiple containers on the same host having same port.</a:t>
-            </a:r>
-          </a:p>
-          <a:p>
-            <a:r>
-              <a:rPr lang="en-US" dirty="0"/>
-              <a:t>+ None: </a:t>
-            </a:r>
-            <a:r>
-              <a:rPr lang="en-US" dirty="0" err="1"/>
-              <a:t>ngat</a:t>
-            </a:r>
-            <a:r>
-              <a:rPr lang="en-US" dirty="0"/>
-              <a:t> tat ca </a:t>
-            </a:r>
-            <a:r>
-              <a:rPr lang="en-US" dirty="0" err="1"/>
-              <a:t>ket</a:t>
-            </a:r>
-            <a:r>
-              <a:rPr lang="en-US" dirty="0"/>
-              <a:t> </a:t>
-            </a:r>
-            <a:r>
-              <a:rPr lang="en-US" dirty="0" err="1"/>
-              <a:t>noi</a:t>
-            </a:r>
-            <a:r>
-              <a:rPr lang="en-US" dirty="0"/>
-              <a:t> ~&gt; containers k the </a:t>
-            </a:r>
-            <a:r>
-              <a:rPr lang="en-US" dirty="0" err="1"/>
-              <a:t>truy</a:t>
-            </a:r>
-            <a:r>
-              <a:rPr lang="en-US" dirty="0"/>
-              <a:t> cap </a:t>
-            </a:r>
-            <a:r>
-              <a:rPr lang="en-US" dirty="0" err="1"/>
-              <a:t>cac</a:t>
-            </a:r>
-            <a:r>
-              <a:rPr lang="en-US" dirty="0"/>
-              <a:t> </a:t>
-            </a:r>
-            <a:r>
-              <a:rPr lang="en-US" dirty="0" err="1"/>
-              <a:t>mang</a:t>
-            </a:r>
-            <a:r>
-              <a:rPr lang="en-US" dirty="0"/>
-              <a:t> </a:t>
-            </a:r>
-            <a:r>
-              <a:rPr lang="en-US" dirty="0" err="1"/>
-              <a:t>b.ngoai</a:t>
-            </a:r>
-            <a:r>
-              <a:rPr lang="en-US" dirty="0"/>
-              <a:t> or </a:t>
-            </a:r>
-            <a:r>
-              <a:rPr lang="en-US" dirty="0" err="1"/>
-              <a:t>voi</a:t>
-            </a:r>
-            <a:r>
-              <a:rPr lang="en-US" dirty="0"/>
-              <a:t> </a:t>
-            </a:r>
-            <a:r>
-              <a:rPr lang="en-US" dirty="0" err="1"/>
-              <a:t>cac</a:t>
-            </a:r>
-            <a:r>
-              <a:rPr lang="en-US" dirty="0"/>
-              <a:t> containers </a:t>
-            </a:r>
-            <a:r>
-              <a:rPr lang="en-US" dirty="0" err="1"/>
-              <a:t>khac</a:t>
-            </a:r>
-            <a:endParaRPr lang="en-US" dirty="0"/>
-          </a:p>
-          <a:p>
-            <a:endParaRPr lang="en-US" dirty="0"/>
-          </a:p>
-          <a:p>
-            <a:r>
-              <a:rPr lang="en-US" dirty="0"/>
-              <a:t>+ </a:t>
-            </a:r>
-            <a:r>
-              <a:rPr lang="en-US" sz="1200" dirty="0">
-                <a:solidFill>
-                  <a:srgbClr val="FF0000"/>
-                </a:solidFill>
-              </a:rPr>
-              <a:t>Ref</a:t>
-            </a:r>
-            <a:r>
-              <a:rPr lang="en-US" sz="1200" dirty="0"/>
-              <a:t>: </a:t>
-            </a:r>
-          </a:p>
-          <a:p>
-            <a:r>
-              <a:rPr lang="en-US" sz="1200" dirty="0">
-                <a:solidFill>
-                  <a:schemeClr val="accent1"/>
-                </a:solidFill>
-                <a:hlinkClick r:id="rId3"/>
-              </a:rPr>
-              <a:t>https://earthly.dev/blog/docker-networking/</a:t>
-            </a:r>
-            <a:endParaRPr lang="en-US" sz="1200" dirty="0">
-              <a:solidFill>
-                <a:schemeClr val="accent1"/>
-              </a:solidFill>
-            </a:endParaRPr>
-          </a:p>
-          <a:p>
-            <a:r>
-              <a:rPr lang="en-US" sz="1200" dirty="0">
-                <a:solidFill>
-                  <a:schemeClr val="accent1"/>
-                </a:solidFill>
-                <a:hlinkClick r:id="rId4"/>
-              </a:rPr>
-              <a:t>https://www.youtube.com/watch?v=fqMOX6JJhGo</a:t>
-            </a:r>
-            <a:endParaRPr lang="en-US" sz="1200" dirty="0">
-              <a:solidFill>
-                <a:schemeClr val="accent1"/>
-              </a:solidFill>
-            </a:endParaRPr>
-          </a:p>
-          <a:p>
-            <a:r>
-              <a:rPr lang="en-US" sz="1200" dirty="0">
-                <a:solidFill>
-                  <a:schemeClr val="accent1"/>
-                </a:solidFill>
-                <a:hlinkClick r:id="rId5"/>
-              </a:rPr>
-              <a:t>https://docs.docker.com/network/</a:t>
-            </a:r>
-            <a:endParaRPr lang="en-US" sz="1200" dirty="0">
-              <a:solidFill>
-                <a:schemeClr val="accent1"/>
-              </a:solidFill>
-            </a:endParaRPr>
-          </a:p>
-          <a:p>
-            <a:r>
-              <a:rPr lang="en-US" sz="1200" dirty="0">
-                <a:solidFill>
-                  <a:schemeClr val="accent1"/>
-                </a:solidFill>
-              </a:rPr>
-              <a:t>https://stackoverflow.com/questions/41083328/what-is-the-use-of-docker-host-and-none-networks</a:t>
-            </a:r>
-          </a:p>
-          <a:p>
-            <a:r>
-              <a:rPr lang="en-US" sz="1200" dirty="0">
-                <a:solidFill>
-                  <a:schemeClr val="accent1"/>
-                </a:solidFill>
-              </a:rPr>
-              <a:t>https://www.bogotobogo.com/DevOps/Docker/Docker-Bridge-Driver-Networks.php</a:t>
-            </a:r>
-          </a:p>
-          <a:p>
-            <a:r>
-              <a:rPr lang="en-US" sz="1200" dirty="0">
-                <a:solidFill>
-                  <a:schemeClr val="accent1"/>
-                </a:solidFill>
-              </a:rPr>
-              <a:t>https://www.aquasec.com/cloud-native-academy/docker-container/docker-networking/</a:t>
-            </a:r>
-          </a:p>
-          <a:p>
+              <a:t>chạy</a:t>
+            </a:r>
+            <a:r>
+              <a:rPr lang="en-US" dirty="0"/>
+              <a:t> docker.</a:t>
+            </a:r>
+          </a:p>
+          <a:p>
+            <a:pPr marL="171450" indent="-171450">
+              <a:buFontTx/>
+              <a:buChar char="-"/>
+            </a:pPr>
+            <a:r>
+              <a:rPr lang="en-US" dirty="0"/>
+              <a:t>Load balancing: (confirm ki) </a:t>
+            </a:r>
+          </a:p>
+          <a:p>
+            <a:pPr marL="0" indent="0">
+              <a:buFontTx/>
+              <a:buNone/>
+            </a:pPr>
             <a:endParaRPr lang="en-US" dirty="0"/>
           </a:p>
         </p:txBody>
@@ -2988,7 +3222,7 @@
     </p:spTree>
     <p:extLst>
       <p:ext uri="{BB962C8B-B14F-4D97-AF65-F5344CB8AC3E}">
-        <p14:creationId xmlns:p14="http://schemas.microsoft.com/office/powerpoint/2010/main" val="1571000161"/>
+        <p14:creationId xmlns:p14="http://schemas.microsoft.com/office/powerpoint/2010/main" val="2681222812"/>
       </p:ext>
     </p:extLst>
   </p:cSld>
@@ -3044,11 +3278,11 @@
           <a:p>
             <a:r>
               <a:rPr lang="en-US" dirty="0"/>
-              <a:t>+ Docker network: </a:t>
+              <a:t>+ Trong </a:t>
             </a:r>
             <a:r>
               <a:rPr lang="en-US" dirty="0" err="1"/>
-              <a:t>ket</a:t>
+              <a:t>thuc</a:t>
             </a:r>
             <a:r>
               <a:rPr lang="en-US" dirty="0"/>
@@ -3056,7 +3290,15 @@
             </a:r>
             <a:r>
               <a:rPr lang="en-US" dirty="0" err="1"/>
-              <a:t>noi</a:t>
+              <a:t>te</a:t>
+            </a:r>
+            <a:r>
+              <a:rPr lang="en-US" dirty="0"/>
+              <a:t>, </a:t>
+            </a:r>
+            <a:r>
+              <a:rPr lang="en-US" dirty="0" err="1"/>
+              <a:t>khi</a:t>
             </a:r>
             <a:r>
               <a:rPr lang="en-US" dirty="0"/>
@@ -3064,11 +3306,101 @@
             </a:r>
             <a:r>
               <a:rPr lang="en-US" dirty="0" err="1"/>
-              <a:t>giua</a:t>
+              <a:t>trien</a:t>
             </a:r>
             <a:r>
               <a:rPr lang="en-US" dirty="0"/>
               <a:t> </a:t>
+            </a:r>
+            <a:r>
+              <a:rPr lang="en-US" dirty="0" err="1"/>
+              <a:t>khai</a:t>
+            </a:r>
+            <a:r>
+              <a:rPr lang="en-US" dirty="0"/>
+              <a:t> 1 du an, project can </a:t>
+            </a:r>
+            <a:r>
+              <a:rPr lang="en-US" dirty="0" err="1"/>
+              <a:t>chay</a:t>
+            </a:r>
+            <a:r>
+              <a:rPr lang="en-US" dirty="0"/>
+              <a:t> </a:t>
+            </a:r>
+            <a:r>
+              <a:rPr lang="en-US" dirty="0" err="1"/>
+              <a:t>tren</a:t>
+            </a:r>
+            <a:r>
+              <a:rPr lang="en-US" dirty="0"/>
+              <a:t> </a:t>
+            </a:r>
+            <a:r>
+              <a:rPr lang="en-US" dirty="0" err="1"/>
+              <a:t>nhieu</a:t>
+            </a:r>
+            <a:r>
+              <a:rPr lang="en-US" dirty="0"/>
+              <a:t> host (virtual private server – may chu </a:t>
+            </a:r>
+            <a:r>
+              <a:rPr lang="en-US" dirty="0" err="1"/>
+              <a:t>ao</a:t>
+            </a:r>
+            <a:r>
+              <a:rPr lang="en-US" dirty="0"/>
+              <a:t> </a:t>
+            </a:r>
+            <a:r>
+              <a:rPr lang="en-US" dirty="0" err="1"/>
+              <a:t>rieng</a:t>
+            </a:r>
+            <a:r>
+              <a:rPr lang="en-US" dirty="0"/>
+              <a:t>) ~&gt; </a:t>
+            </a:r>
+            <a:r>
+              <a:rPr lang="en-US" dirty="0" err="1"/>
+              <a:t>kho</a:t>
+            </a:r>
+            <a:r>
+              <a:rPr lang="en-US" dirty="0"/>
+              <a:t> </a:t>
+            </a:r>
+            <a:r>
+              <a:rPr lang="en-US" dirty="0" err="1"/>
+              <a:t>quan</a:t>
+            </a:r>
+            <a:r>
+              <a:rPr lang="en-US" dirty="0"/>
+              <a:t> </a:t>
+            </a:r>
+            <a:r>
+              <a:rPr lang="en-US" dirty="0" err="1"/>
+              <a:t>ly</a:t>
+            </a:r>
+            <a:r>
+              <a:rPr lang="en-US" dirty="0"/>
+              <a:t>, k the config, deploy </a:t>
+            </a:r>
+            <a:r>
+              <a:rPr lang="en-US" dirty="0" err="1"/>
+              <a:t>cho</a:t>
+            </a:r>
+            <a:r>
+              <a:rPr lang="en-US" dirty="0"/>
+              <a:t> tung con host =&gt; docker swarm</a:t>
+            </a:r>
+          </a:p>
+          <a:p>
+            <a:pPr marL="171450" indent="-171450">
+              <a:buFontTx/>
+              <a:buChar char="-"/>
+            </a:pPr>
+            <a:r>
+              <a:rPr lang="en-US" dirty="0"/>
+              <a:t>Cong cu: </a:t>
             </a:r>
             <a:r>
               <a:rPr lang="en-US" dirty="0" err="1"/>
@@ -3076,11 +3408,11 @@
             </a:r>
             <a:r>
               <a:rPr lang="en-US" dirty="0"/>
-              <a:t> containers </a:t>
+              <a:t> tinh </a:t>
             </a:r>
             <a:r>
               <a:rPr lang="en-US" dirty="0" err="1"/>
-              <a:t>voi</a:t>
+              <a:t>nang</a:t>
             </a:r>
             <a:r>
               <a:rPr lang="en-US" dirty="0"/>
@@ -3088,23 +3420,23 @@
             </a:r>
             <a:r>
               <a:rPr lang="en-US" dirty="0" err="1"/>
-              <a:t>nhau</a:t>
-            </a:r>
-            <a:r>
-              <a:rPr lang="en-US" dirty="0"/>
-              <a:t>, container </a:t>
+              <a:t>dieu</a:t>
+            </a:r>
+            <a:r>
+              <a:rPr lang="en-US" dirty="0"/>
+              <a:t> </a:t>
             </a:r>
             <a:r>
               <a:rPr lang="en-US" dirty="0" err="1"/>
-              <a:t>voi</a:t>
-            </a:r>
-            <a:r>
-              <a:rPr lang="en-US" dirty="0"/>
-              <a:t> ben </a:t>
+              <a:t>phoi</a:t>
+            </a:r>
+            <a:r>
+              <a:rPr lang="en-US" dirty="0"/>
+              <a:t> &amp; </a:t>
             </a:r>
             <a:r>
               <a:rPr lang="en-US" dirty="0" err="1"/>
-              <a:t>ngoai</a:t>
+              <a:t>quan</a:t>
             </a:r>
             <a:r>
               <a:rPr lang="en-US" dirty="0"/>
@@ -3112,277 +3444,32 @@
             </a:r>
             <a:r>
               <a:rPr lang="en-US" dirty="0" err="1"/>
-              <a:t>hoac</a:t>
-            </a:r>
-            <a:r>
-              <a:rPr lang="en-US" dirty="0"/>
-              <a:t> </a:t>
-            </a:r>
-            <a:r>
-              <a:rPr lang="en-US" dirty="0" err="1"/>
-              <a:t>ket</a:t>
-            </a:r>
-            <a:r>
-              <a:rPr lang="en-US" dirty="0"/>
-              <a:t> </a:t>
-            </a:r>
-            <a:r>
-              <a:rPr lang="en-US" dirty="0" err="1"/>
-              <a:t>noi</a:t>
-            </a:r>
-            <a:r>
-              <a:rPr lang="en-US" dirty="0"/>
-              <a:t> </a:t>
-            </a:r>
-            <a:r>
-              <a:rPr lang="en-US" dirty="0" err="1"/>
-              <a:t>giua</a:t>
-            </a:r>
-            <a:r>
-              <a:rPr lang="en-US" dirty="0"/>
-              <a:t> </a:t>
-            </a:r>
-            <a:r>
-              <a:rPr lang="en-US" dirty="0" err="1"/>
-              <a:t>cac</a:t>
-            </a:r>
-            <a:r>
-              <a:rPr lang="en-US" dirty="0"/>
-              <a:t> cum (swarm) docker containers</a:t>
-            </a:r>
-          </a:p>
-          <a:p>
-            <a:r>
-              <a:rPr lang="en-US" dirty="0"/>
-              <a:t>+ Bridge:</a:t>
-            </a:r>
-          </a:p>
-          <a:p>
-            <a:r>
-              <a:rPr lang="en-US" dirty="0"/>
-              <a:t>- Use: </a:t>
-            </a:r>
-            <a:r>
-              <a:rPr lang="en-US" dirty="0" err="1"/>
-              <a:t>chay</a:t>
-            </a:r>
-            <a:r>
-              <a:rPr lang="en-US" dirty="0"/>
-              <a:t> </a:t>
-            </a:r>
-            <a:r>
-              <a:rPr lang="en-US" dirty="0" err="1"/>
-              <a:t>cac</a:t>
-            </a:r>
-            <a:r>
-              <a:rPr lang="en-US" dirty="0"/>
-              <a:t> </a:t>
-            </a:r>
-            <a:r>
-              <a:rPr lang="en-US" dirty="0" err="1"/>
-              <a:t>ung</a:t>
-            </a:r>
-            <a:r>
-              <a:rPr lang="en-US" dirty="0"/>
-              <a:t> dung </a:t>
-            </a:r>
-            <a:r>
-              <a:rPr lang="en-US" dirty="0" err="1"/>
-              <a:t>duoi</a:t>
-            </a:r>
-            <a:r>
-              <a:rPr lang="en-US" dirty="0"/>
-              <a:t> dang </a:t>
-            </a:r>
-            <a:r>
-              <a:rPr lang="en-US" dirty="0" err="1"/>
-              <a:t>cac</a:t>
-            </a:r>
-            <a:r>
-              <a:rPr lang="en-US" dirty="0"/>
-              <a:t> container doc la can </a:t>
-            </a:r>
-            <a:r>
-              <a:rPr lang="en-US" dirty="0" err="1"/>
-              <a:t>giao</a:t>
-            </a:r>
-            <a:r>
-              <a:rPr lang="en-US" dirty="0"/>
-              <a:t> </a:t>
-            </a:r>
-            <a:r>
-              <a:rPr lang="en-US" dirty="0" err="1"/>
-              <a:t>tiep</a:t>
-            </a:r>
-            <a:r>
-              <a:rPr lang="en-US" dirty="0"/>
-              <a:t> </a:t>
-            </a:r>
-            <a:r>
-              <a:rPr lang="en-US" dirty="0" err="1"/>
-              <a:t>voi</a:t>
-            </a:r>
-            <a:r>
-              <a:rPr lang="en-US" dirty="0"/>
-              <a:t> </a:t>
-            </a:r>
-            <a:r>
-              <a:rPr lang="en-US" dirty="0" err="1"/>
-              <a:t>nhau</a:t>
-            </a:r>
-            <a:r>
-              <a:rPr lang="en-US" dirty="0"/>
-              <a:t> (</a:t>
-            </a:r>
-            <a:r>
-              <a:rPr lang="en-US" dirty="0" err="1"/>
-              <a:t>ip</a:t>
-            </a:r>
-            <a:r>
-              <a:rPr lang="en-US" dirty="0"/>
-              <a:t> address) =&gt; </a:t>
-            </a:r>
-          </a:p>
-          <a:p>
-            <a:r>
-              <a:rPr lang="en-US" dirty="0"/>
-              <a:t>+ Host: public network, </a:t>
-            </a:r>
-          </a:p>
-          <a:p>
-            <a:r>
-              <a:rPr lang="en-US" dirty="0"/>
-              <a:t>+ None: </a:t>
-            </a:r>
-            <a:r>
-              <a:rPr lang="en-US" dirty="0" err="1"/>
-              <a:t>ngat</a:t>
-            </a:r>
-            <a:r>
-              <a:rPr lang="en-US" dirty="0"/>
-              <a:t> tat ca </a:t>
-            </a:r>
-            <a:r>
-              <a:rPr lang="en-US" dirty="0" err="1"/>
-              <a:t>ket</a:t>
-            </a:r>
-            <a:r>
-              <a:rPr lang="en-US" dirty="0"/>
-              <a:t> </a:t>
-            </a:r>
-            <a:r>
-              <a:rPr lang="en-US" dirty="0" err="1"/>
-              <a:t>noi</a:t>
-            </a:r>
-            <a:endParaRPr lang="en-US" dirty="0"/>
-          </a:p>
-          <a:p>
-            <a:endParaRPr lang="en-US" dirty="0"/>
-          </a:p>
-          <a:p>
-            <a:r>
-              <a:rPr lang="en-US" dirty="0"/>
-              <a:t>+ </a:t>
-            </a:r>
-            <a:r>
-              <a:rPr lang="en-US" sz="1200" dirty="0">
-                <a:solidFill>
-                  <a:srgbClr val="FF0000"/>
-                </a:solidFill>
-              </a:rPr>
-              <a:t>Ref</a:t>
-            </a:r>
-            <a:r>
-              <a:rPr lang="en-US" sz="1200" dirty="0"/>
-              <a:t>: </a:t>
-            </a:r>
-          </a:p>
-          <a:p>
-            <a:r>
-              <a:rPr lang="en-US" sz="1200" dirty="0"/>
-              <a:t>https://www.simplilearn.com/tutorials/docker-tutorial/docker-networking?source=sl_frs_nav_playlist_video_clicked</a:t>
-            </a:r>
-          </a:p>
-          <a:p>
-            <a:r>
-              <a:rPr lang="en-US" sz="1200" dirty="0">
-                <a:solidFill>
-                  <a:schemeClr val="accent1"/>
-                </a:solidFill>
-                <a:hlinkClick r:id="rId3"/>
-              </a:rPr>
-              <a:t>https://earthly.dev/blog/docker-networking/</a:t>
-            </a:r>
-            <a:endParaRPr lang="en-US" sz="1200" dirty="0">
-              <a:solidFill>
-                <a:schemeClr val="accent1"/>
-              </a:solidFill>
-            </a:endParaRPr>
-          </a:p>
-          <a:p>
-            <a:r>
-              <a:rPr lang="en-US" sz="1200" dirty="0">
-                <a:solidFill>
-                  <a:schemeClr val="accent1"/>
-                </a:solidFill>
-                <a:hlinkClick r:id="rId4"/>
-              </a:rPr>
-              <a:t>https://www.youtube.com/watch?v=fqMOX6JJhGo</a:t>
-            </a:r>
-            <a:endParaRPr lang="en-US" sz="1200" dirty="0">
-              <a:solidFill>
-                <a:schemeClr val="accent1"/>
-              </a:solidFill>
-            </a:endParaRPr>
-          </a:p>
-          <a:p>
-            <a:r>
-              <a:rPr lang="en-US" sz="1200" dirty="0">
-                <a:solidFill>
-                  <a:schemeClr val="accent1"/>
-                </a:solidFill>
-                <a:hlinkClick r:id="rId5"/>
-              </a:rPr>
-              <a:t>https://docs.docker.com/network/</a:t>
-            </a:r>
-            <a:endParaRPr lang="en-US" sz="1200" dirty="0">
-              <a:solidFill>
-                <a:schemeClr val="accent1"/>
-              </a:solidFill>
-            </a:endParaRPr>
-          </a:p>
-          <a:p>
-            <a:r>
-              <a:rPr lang="en-US" sz="1200" dirty="0">
-                <a:solidFill>
-                  <a:schemeClr val="accent1"/>
-                </a:solidFill>
-              </a:rPr>
-              <a:t>https://stackoverflow.com/questions/41083328/what-is-the-use-of-docker-host-and-none-networks</a:t>
-            </a:r>
-          </a:p>
-          <a:p>
-            <a:r>
-              <a:rPr lang="en-US" sz="1200" dirty="0">
-                <a:solidFill>
-                  <a:schemeClr val="accent1"/>
-                </a:solidFill>
-              </a:rPr>
-              <a:t>https://www.bogotobogo.com/DevOps/Docker/Docker-Bridge-Driver-Networks.php</a:t>
-            </a:r>
-          </a:p>
-          <a:p>
-            <a:r>
-              <a:rPr lang="en-US" sz="1200" dirty="0">
-                <a:solidFill>
-                  <a:schemeClr val="accent1"/>
-                </a:solidFill>
-              </a:rPr>
-              <a:t>https://www.aquasec.com/cloud-native-academy/docker-container/docker-networking/</a:t>
-            </a:r>
-          </a:p>
-          <a:p>
-            <a:endParaRPr lang="en-US" dirty="0"/>
+              <a:t>ly</a:t>
+            </a:r>
+            <a:r>
+              <a:rPr lang="en-US" dirty="0"/>
+              <a:t> cum docker host)</a:t>
+            </a:r>
+          </a:p>
+          <a:p>
+            <a:pPr marL="0" indent="0">
+              <a:buFontTx/>
+              <a:buNone/>
+            </a:pPr>
+            <a:r>
+              <a:rPr lang="en-US" dirty="0"/>
+              <a:t>+ Feature highlights </a:t>
+            </a:r>
+          </a:p>
+          <a:p>
+            <a:pPr marL="0" indent="0">
+              <a:buFontTx/>
+              <a:buNone/>
+            </a:pPr>
+            <a:r>
+              <a:rPr lang="en-US" dirty="0"/>
+              <a:t>- </a:t>
+            </a:r>
           </a:p>
         </p:txBody>
       </p:sp>
@@ -3412,7 +3499,7 @@
     </p:spTree>
     <p:extLst>
       <p:ext uri="{BB962C8B-B14F-4D97-AF65-F5344CB8AC3E}">
-        <p14:creationId xmlns:p14="http://schemas.microsoft.com/office/powerpoint/2010/main" val="1743407215"/>
+        <p14:creationId xmlns:p14="http://schemas.microsoft.com/office/powerpoint/2010/main" val="655043220"/>
       </p:ext>
     </p:extLst>
   </p:cSld>
@@ -3466,6 +3553,130 @@
           <a:bodyPr/>
           <a:lstStyle/>
           <a:p>
+            <a:r>
+              <a:rPr lang="en-US" dirty="0"/>
+              <a:t>+ Anh </a:t>
+            </a:r>
+            <a:r>
+              <a:rPr lang="en-US" dirty="0" err="1"/>
+              <a:t>xa</a:t>
+            </a:r>
+            <a:r>
+              <a:rPr lang="en-US" dirty="0"/>
+              <a:t> thu </a:t>
+            </a:r>
+            <a:r>
+              <a:rPr lang="en-US" dirty="0" err="1"/>
+              <a:t>muc</a:t>
+            </a:r>
+            <a:r>
+              <a:rPr lang="en-US" dirty="0"/>
+              <a:t> may host </a:t>
+            </a:r>
+            <a:r>
+              <a:rPr lang="en-US" dirty="0" err="1"/>
+              <a:t>vao</a:t>
+            </a:r>
+            <a:r>
+              <a:rPr lang="en-US" dirty="0"/>
+              <a:t> container</a:t>
+            </a:r>
+          </a:p>
+          <a:p>
+            <a:r>
+              <a:rPr lang="en-US" dirty="0"/>
+              <a:t>+ Chia se du lieu </a:t>
+            </a:r>
+            <a:r>
+              <a:rPr lang="en-US" dirty="0" err="1"/>
+              <a:t>giua</a:t>
+            </a:r>
+            <a:r>
+              <a:rPr lang="en-US" dirty="0"/>
+              <a:t> </a:t>
+            </a:r>
+            <a:r>
+              <a:rPr lang="en-US" dirty="0" err="1"/>
+              <a:t>cac</a:t>
+            </a:r>
+            <a:r>
+              <a:rPr lang="en-US" dirty="0"/>
+              <a:t> container</a:t>
+            </a:r>
+          </a:p>
+          <a:p>
+            <a:r>
+              <a:rPr lang="en-US" dirty="0"/>
+              <a:t>+ Chia se du </a:t>
+            </a:r>
+            <a:r>
+              <a:rPr lang="en-US" dirty="0" err="1"/>
+              <a:t>lieuj</a:t>
+            </a:r>
+            <a:r>
+              <a:rPr lang="en-US" dirty="0"/>
+              <a:t> qua volume</a:t>
+            </a:r>
+          </a:p>
+          <a:p>
+            <a:r>
+              <a:rPr lang="en-US" dirty="0"/>
+              <a:t>+ Tao volume, docker volume create</a:t>
+            </a:r>
+          </a:p>
+          <a:p>
+            <a:r>
+              <a:rPr lang="en-US" dirty="0"/>
+              <a:t>+ Gan o </a:t>
+            </a:r>
+            <a:r>
+              <a:rPr lang="en-US" dirty="0" err="1"/>
+              <a:t>dia</a:t>
+            </a:r>
+            <a:r>
+              <a:rPr lang="en-US" dirty="0"/>
+              <a:t> volume </a:t>
+            </a:r>
+            <a:r>
+              <a:rPr lang="en-US" dirty="0" err="1"/>
+              <a:t>vao</a:t>
+            </a:r>
+            <a:r>
+              <a:rPr lang="en-US" dirty="0"/>
+              <a:t> container</a:t>
+            </a:r>
+          </a:p>
+          <a:p>
+            <a:r>
+              <a:rPr lang="en-US" dirty="0"/>
+              <a:t>+ Tao o </a:t>
+            </a:r>
+            <a:r>
+              <a:rPr lang="en-US" dirty="0" err="1"/>
+              <a:t>dia</a:t>
+            </a:r>
+            <a:r>
+              <a:rPr lang="en-US" dirty="0"/>
+              <a:t> anh </a:t>
+            </a:r>
+            <a:r>
+              <a:rPr lang="en-US" dirty="0" err="1"/>
+              <a:t>xa</a:t>
+            </a:r>
+            <a:r>
+              <a:rPr lang="en-US" dirty="0"/>
+              <a:t> den thu </a:t>
+            </a:r>
+            <a:r>
+              <a:rPr lang="en-US" dirty="0" err="1"/>
+              <a:t>muc</a:t>
+            </a:r>
+            <a:r>
+              <a:rPr lang="en-US" dirty="0"/>
+              <a:t> host</a:t>
+            </a:r>
+          </a:p>
+          <a:p>
             <a:endParaRPr lang="en-US" dirty="0"/>
           </a:p>
         </p:txBody>
@@ -3496,7 +3707,7 @@
     </p:spTree>
     <p:extLst>
       <p:ext uri="{BB962C8B-B14F-4D97-AF65-F5344CB8AC3E}">
-        <p14:creationId xmlns:p14="http://schemas.microsoft.com/office/powerpoint/2010/main" val="507833484"/>
+        <p14:creationId xmlns:p14="http://schemas.microsoft.com/office/powerpoint/2010/main" val="3448055436"/>
       </p:ext>
     </p:extLst>
   </p:cSld>
@@ -4943,7 +5154,7 @@
           <a:p>
             <a:fld id="{E9E876F8-185E-46E6-8453-3E7FA5905E5C}" type="datetimeFigureOut">
               <a:rPr lang="en-US" smtClean="0"/>
-              <a:t>4/5/2022</a:t>
+              <a:t>4/6/2022</a:t>
             </a:fld>
             <a:endParaRPr lang="en-US"/>
           </a:p>
@@ -5141,7 +5352,7 @@
           <a:p>
             <a:fld id="{E9E876F8-185E-46E6-8453-3E7FA5905E5C}" type="datetimeFigureOut">
               <a:rPr lang="en-US" smtClean="0"/>
-              <a:t>4/5/2022</a:t>
+              <a:t>4/6/2022</a:t>
             </a:fld>
             <a:endParaRPr lang="en-US"/>
           </a:p>
@@ -5349,7 +5560,7 @@
           <a:p>
             <a:fld id="{E9E876F8-185E-46E6-8453-3E7FA5905E5C}" type="datetimeFigureOut">
               <a:rPr lang="en-US" smtClean="0"/>
-              <a:t>4/5/2022</a:t>
+              <a:t>4/6/2022</a:t>
             </a:fld>
             <a:endParaRPr lang="en-US"/>
           </a:p>
@@ -7351,7 +7562,7 @@
           <a:p>
             <a:fld id="{E9E876F8-185E-46E6-8453-3E7FA5905E5C}" type="datetimeFigureOut">
               <a:rPr lang="en-US" smtClean="0"/>
-              <a:t>4/5/2022</a:t>
+              <a:t>4/6/2022</a:t>
             </a:fld>
             <a:endParaRPr lang="en-US"/>
           </a:p>
@@ -7626,7 +7837,7 @@
           <a:p>
             <a:fld id="{E9E876F8-185E-46E6-8453-3E7FA5905E5C}" type="datetimeFigureOut">
               <a:rPr lang="en-US" smtClean="0"/>
-              <a:t>4/5/2022</a:t>
+              <a:t>4/6/2022</a:t>
             </a:fld>
             <a:endParaRPr lang="en-US"/>
           </a:p>
@@ -7891,7 +8102,7 @@
           <a:p>
             <a:fld id="{E9E876F8-185E-46E6-8453-3E7FA5905E5C}" type="datetimeFigureOut">
               <a:rPr lang="en-US" smtClean="0"/>
-              <a:t>4/5/2022</a:t>
+              <a:t>4/6/2022</a:t>
             </a:fld>
             <a:endParaRPr lang="en-US"/>
           </a:p>
@@ -8303,7 +8514,7 @@
           <a:p>
             <a:fld id="{E9E876F8-185E-46E6-8453-3E7FA5905E5C}" type="datetimeFigureOut">
               <a:rPr lang="en-US" smtClean="0"/>
-              <a:t>4/5/2022</a:t>
+              <a:t>4/6/2022</a:t>
             </a:fld>
             <a:endParaRPr lang="en-US"/>
           </a:p>
@@ -8444,7 +8655,7 @@
           <a:p>
             <a:fld id="{E9E876F8-185E-46E6-8453-3E7FA5905E5C}" type="datetimeFigureOut">
               <a:rPr lang="en-US" smtClean="0"/>
-              <a:t>4/5/2022</a:t>
+              <a:t>4/6/2022</a:t>
             </a:fld>
             <a:endParaRPr lang="en-US"/>
           </a:p>
@@ -8557,7 +8768,7 @@
           <a:p>
             <a:fld id="{E9E876F8-185E-46E6-8453-3E7FA5905E5C}" type="datetimeFigureOut">
               <a:rPr lang="en-US" smtClean="0"/>
-              <a:t>4/5/2022</a:t>
+              <a:t>4/6/2022</a:t>
             </a:fld>
             <a:endParaRPr lang="en-US"/>
           </a:p>
@@ -8868,7 +9079,7 @@
           <a:p>
             <a:fld id="{E9E876F8-185E-46E6-8453-3E7FA5905E5C}" type="datetimeFigureOut">
               <a:rPr lang="en-US" smtClean="0"/>
-              <a:t>4/5/2022</a:t>
+              <a:t>4/6/2022</a:t>
             </a:fld>
             <a:endParaRPr lang="en-US"/>
           </a:p>
@@ -9156,7 +9367,7 @@
           <a:p>
             <a:fld id="{E9E876F8-185E-46E6-8453-3E7FA5905E5C}" type="datetimeFigureOut">
               <a:rPr lang="en-US" smtClean="0"/>
-              <a:t>4/5/2022</a:t>
+              <a:t>4/6/2022</a:t>
             </a:fld>
             <a:endParaRPr lang="en-US"/>
           </a:p>
@@ -9397,7 +9608,7 @@
           <a:p>
             <a:fld id="{E9E876F8-185E-46E6-8453-3E7FA5905E5C}" type="datetimeFigureOut">
               <a:rPr lang="en-US" smtClean="0"/>
-              <a:t>4/5/2022</a:t>
+              <a:t>4/6/2022</a:t>
             </a:fld>
             <a:endParaRPr lang="en-US"/>
           </a:p>
@@ -11810,7 +12021,7 @@
           <a:p>
             <a:r>
               <a:rPr lang="en-US" dirty="0"/>
-              <a:t>Docker images &amp; Docker file</a:t>
+              <a:t>Docker images &amp; Docker file: Overview</a:t>
             </a:r>
           </a:p>
         </p:txBody>
@@ -11860,10 +12071,10 @@
       </p:sp>
       <p:sp>
         <p:nvSpPr>
-          <p:cNvPr id="14" name="TextBox 13">
-            <a:extLst>
-              <a:ext uri="{FF2B5EF4-FFF2-40B4-BE49-F238E27FC236}">
-                <a16:creationId xmlns:a16="http://schemas.microsoft.com/office/drawing/2014/main" id="{23967603-8D5C-41C7-BA0D-EB9313F28F30}"/>
+          <p:cNvPr id="5" name="TextBox 4">
+            <a:extLst>
+              <a:ext uri="{FF2B5EF4-FFF2-40B4-BE49-F238E27FC236}">
+                <a16:creationId xmlns:a16="http://schemas.microsoft.com/office/drawing/2014/main" id="{FE2D1CCD-7E08-42C5-BC10-E672D17BC98C}"/>
               </a:ext>
             </a:extLst>
           </p:cNvPr>
@@ -11872,8 +12083,8 @@
         </p:nvSpPr>
         <p:spPr>
           <a:xfrm>
-            <a:off x="163285" y="6581001"/>
-            <a:ext cx="7366228" cy="276999"/>
+            <a:off x="428625" y="892040"/>
+            <a:ext cx="6113057" cy="3354765"/>
           </a:xfrm>
           <a:prstGeom prst="rect">
             <a:avLst/>
@@ -11886,27 +12097,290 @@
           </a:bodyPr>
           <a:lstStyle/>
           <a:p>
-            <a:r>
-              <a:rPr lang="en-US" sz="1200" dirty="0">
-                <a:solidFill>
-                  <a:srgbClr val="FF0000"/>
-                </a:solidFill>
+            <a:pPr marL="285750" indent="-285750">
+              <a:buFont typeface="Wingdings" panose="05000000000000000000" pitchFamily="2" charset="2"/>
+              <a:buChar char="q"/>
+            </a:pPr>
+            <a:r>
+              <a:rPr lang="en-US" dirty="0"/>
+              <a:t>Docker image: a collection of files {source code, dependencies, libraries …} for deploying containers.</a:t>
+            </a:r>
+          </a:p>
+          <a:p>
+            <a:pPr marL="285750" indent="-285750">
+              <a:buFont typeface="Wingdings" panose="05000000000000000000" pitchFamily="2" charset="2"/>
+              <a:buChar char="q"/>
+            </a:pPr>
+            <a:r>
+              <a:rPr lang="en-US" dirty="0"/>
+              <a:t>Docker container:</a:t>
+            </a:r>
+          </a:p>
+          <a:p>
+            <a:pPr marL="742950" lvl="1" indent="-285750">
+              <a:buFont typeface="Wingdings" panose="05000000000000000000" pitchFamily="2" charset="2"/>
+              <a:buChar char="§"/>
+            </a:pPr>
+            <a:r>
+              <a:rPr lang="en-US" dirty="0"/>
+              <a:t>A virtualized run-time environment provides isolation capabilities for the execution of applications.</a:t>
+            </a:r>
+          </a:p>
+          <a:p>
+            <a:pPr marL="742950" lvl="1" indent="-285750">
+              <a:buFont typeface="Wingdings" panose="05000000000000000000" pitchFamily="2" charset="2"/>
+              <a:buChar char="§"/>
+            </a:pPr>
+            <a:r>
+              <a:rPr lang="en-US" dirty="0"/>
+              <a:t>Provide a </a:t>
+            </a:r>
+            <a:r>
+              <a:rPr lang="en-US" i="1" dirty="0"/>
+              <a:t>portable</a:t>
+            </a:r>
+            <a:r>
+              <a:rPr lang="en-US" dirty="0"/>
+              <a:t> &amp; </a:t>
+            </a:r>
+            <a:r>
+              <a:rPr lang="en-US" i="1" dirty="0"/>
+              <a:t>lightweight</a:t>
+            </a:r>
+            <a:r>
+              <a:rPr lang="en-US" dirty="0"/>
+              <a:t> environment for deploying applications. </a:t>
+            </a:r>
+          </a:p>
+          <a:p>
+            <a:pPr marL="285750" indent="-285750">
+              <a:buFont typeface="Wingdings" panose="05000000000000000000" pitchFamily="2" charset="2"/>
+              <a:buChar char="q"/>
+            </a:pPr>
+            <a:r>
+              <a:rPr lang="en-US" dirty="0" err="1"/>
+              <a:t>Dockerfile</a:t>
+            </a:r>
+            <a:r>
+              <a:rPr lang="en-US" dirty="0"/>
+              <a:t>:</a:t>
+            </a:r>
+          </a:p>
+          <a:p>
+            <a:pPr marL="742950" lvl="1" indent="-285750">
+              <a:buFont typeface="Wingdings" panose="05000000000000000000" pitchFamily="2" charset="2"/>
+              <a:buChar char="§"/>
+            </a:pPr>
+            <a:r>
+              <a:rPr lang="en-US" dirty="0"/>
+              <a:t>A script of instructions can build images automatically.</a:t>
+            </a:r>
+          </a:p>
+          <a:p>
+            <a:pPr marL="742950" lvl="1" indent="-285750">
+              <a:buFont typeface="Wingdings" panose="05000000000000000000" pitchFamily="2" charset="2"/>
+              <a:buChar char="§"/>
+            </a:pPr>
+            <a:r>
+              <a:rPr lang="en-US" dirty="0"/>
+              <a:t>Syntax:</a:t>
+            </a:r>
+          </a:p>
+          <a:p>
+            <a:pPr lvl="1"/>
+            <a:r>
+              <a:rPr lang="en-US" sz="1600" i="1" dirty="0">
+                <a:latin typeface="Consolas" panose="020B0609020204030204" pitchFamily="49" charset="0"/>
               </a:rPr>
-              <a:t>Ref</a:t>
-            </a:r>
-            <a:r>
-              <a:rPr lang="en-US" sz="1200" dirty="0"/>
-              <a:t>: https://www.whitesourcesoftware.com/free-developer-tools/blog/docker-images-vs-docker-containers/</a:t>
+              <a:t>	</a:t>
+            </a:r>
+            <a:r>
+              <a:rPr lang="en-US" sz="1600" dirty="0">
+                <a:latin typeface="Consolas" panose="020B0609020204030204" pitchFamily="49" charset="0"/>
+              </a:rPr>
+              <a:t>[INSTRUCTION] [ARGUMENT]</a:t>
+            </a:r>
+          </a:p>
+          <a:p>
+            <a:pPr marL="742950" lvl="1" indent="-285750">
+              <a:buFont typeface="Wingdings" panose="05000000000000000000" pitchFamily="2" charset="2"/>
+              <a:buChar char="§"/>
+            </a:pPr>
+            <a:r>
+              <a:rPr lang="en-US" sz="1600" dirty="0">
+                <a:latin typeface="Consolas" panose="020B0609020204030204" pitchFamily="49" charset="0"/>
+              </a:rPr>
+              <a:t>Example:</a:t>
+            </a:r>
+            <a:endParaRPr lang="en-US" dirty="0"/>
+          </a:p>
+        </p:txBody>
+      </p:sp>
+      <p:sp>
+        <p:nvSpPr>
+          <p:cNvPr id="2" name="TextBox 1">
+            <a:extLst>
+              <a:ext uri="{FF2B5EF4-FFF2-40B4-BE49-F238E27FC236}">
+                <a16:creationId xmlns:a16="http://schemas.microsoft.com/office/drawing/2014/main" id="{432E919C-253B-4E15-B2AD-3CE27D4F4E32}"/>
+              </a:ext>
+            </a:extLst>
+          </p:cNvPr>
+          <p:cNvSpPr txBox="1"/>
+          <p:nvPr/>
+        </p:nvSpPr>
+        <p:spPr>
+          <a:xfrm>
+            <a:off x="1102659" y="4192111"/>
+            <a:ext cx="5439023" cy="2585323"/>
+          </a:xfrm>
+          <a:prstGeom prst="rect">
+            <a:avLst/>
+          </a:prstGeom>
+          <a:solidFill>
+            <a:schemeClr val="bg1">
+              <a:lumMod val="95000"/>
+            </a:schemeClr>
+          </a:solidFill>
+        </p:spPr>
+        <p:txBody>
+          <a:bodyPr wrap="square" rtlCol="0">
+            <a:spAutoFit/>
+          </a:bodyPr>
+          <a:lstStyle/>
+          <a:p>
+            <a:r>
+              <a:rPr lang="en-US" dirty="0"/>
+              <a:t>FROM Ubuntu </a:t>
+            </a:r>
+          </a:p>
+          <a:p>
+            <a:endParaRPr lang="en-US" dirty="0"/>
+          </a:p>
+          <a:p>
+            <a:r>
+              <a:rPr lang="en-US" dirty="0"/>
+              <a:t>RUN apt-get update &amp;&amp; apt-get install python –y</a:t>
+            </a:r>
+          </a:p>
+          <a:p>
+            <a:endParaRPr lang="en-US" dirty="0"/>
+          </a:p>
+          <a:p>
+            <a:r>
+              <a:rPr lang="en-US" dirty="0"/>
+              <a:t>RUN pip install flask flask-</a:t>
+            </a:r>
+            <a:r>
+              <a:rPr lang="en-US" dirty="0" err="1"/>
+              <a:t>mysql</a:t>
+            </a:r>
+            <a:endParaRPr lang="en-US" dirty="0"/>
+          </a:p>
+          <a:p>
+            <a:endParaRPr lang="en-US" dirty="0"/>
+          </a:p>
+          <a:p>
+            <a:r>
+              <a:rPr lang="en-US" dirty="0"/>
+              <a:t>COPY . /opt/source-code</a:t>
+            </a:r>
+          </a:p>
+          <a:p>
+            <a:endParaRPr lang="en-US" dirty="0"/>
+          </a:p>
+          <a:p>
+            <a:r>
+              <a:rPr lang="en-US" dirty="0"/>
+              <a:t>ENTRYPOINT </a:t>
+            </a:r>
+          </a:p>
+        </p:txBody>
+      </p:sp>
+      <p:sp>
+        <p:nvSpPr>
+          <p:cNvPr id="6" name="Right Brace 5">
+            <a:extLst>
+              <a:ext uri="{FF2B5EF4-FFF2-40B4-BE49-F238E27FC236}">
+                <a16:creationId xmlns:a16="http://schemas.microsoft.com/office/drawing/2014/main" id="{955E249B-7B4D-4662-8C4E-69895B9BC422}"/>
+              </a:ext>
+            </a:extLst>
+          </p:cNvPr>
+          <p:cNvSpPr/>
+          <p:nvPr/>
+        </p:nvSpPr>
+        <p:spPr>
+          <a:xfrm>
+            <a:off x="6541682" y="4192111"/>
+            <a:ext cx="344269" cy="2396042"/>
+          </a:xfrm>
+          <a:prstGeom prst="rightBrace">
+            <a:avLst/>
+          </a:prstGeom>
+        </p:spPr>
+        <p:style>
+          <a:lnRef idx="1">
+            <a:schemeClr val="accent1"/>
+          </a:lnRef>
+          <a:fillRef idx="0">
+            <a:schemeClr val="accent1"/>
+          </a:fillRef>
+          <a:effectRef idx="0">
+            <a:schemeClr val="accent1"/>
+          </a:effectRef>
+          <a:fontRef idx="minor">
+            <a:schemeClr val="tx1"/>
+          </a:fontRef>
+        </p:style>
+        <p:txBody>
+          <a:bodyPr rtlCol="0" anchor="ctr"/>
+          <a:lstStyle/>
+          <a:p>
+            <a:pPr algn="ctr"/>
+            <a:endParaRPr lang="en-US"/>
+          </a:p>
+        </p:txBody>
+      </p:sp>
+      <p:sp>
+        <p:nvSpPr>
+          <p:cNvPr id="7" name="TextBox 6">
+            <a:extLst>
+              <a:ext uri="{FF2B5EF4-FFF2-40B4-BE49-F238E27FC236}">
+                <a16:creationId xmlns:a16="http://schemas.microsoft.com/office/drawing/2014/main" id="{3748F719-848B-4791-94F9-A4D585B5C931}"/>
+              </a:ext>
+            </a:extLst>
+          </p:cNvPr>
+          <p:cNvSpPr txBox="1"/>
+          <p:nvPr/>
+        </p:nvSpPr>
+        <p:spPr>
+          <a:xfrm>
+            <a:off x="7503459" y="5378824"/>
+            <a:ext cx="2366682" cy="369332"/>
+          </a:xfrm>
+          <a:prstGeom prst="rect">
+            <a:avLst/>
+          </a:prstGeom>
+          <a:noFill/>
+        </p:spPr>
+        <p:txBody>
+          <a:bodyPr wrap="square" rtlCol="0">
+            <a:spAutoFit/>
+          </a:bodyPr>
+          <a:lstStyle/>
+          <a:p>
+            <a:r>
+              <a:rPr lang="en-US" b="1" dirty="0"/>
+              <a:t>Layered architecture</a:t>
             </a:r>
           </a:p>
         </p:txBody>
       </p:sp>
       <p:pic>
         <p:nvPicPr>
-          <p:cNvPr id="4" name="Picture 3" descr="Diagram&#10;&#10;Description automatically generated">
-            <a:extLst>
-              <a:ext uri="{FF2B5EF4-FFF2-40B4-BE49-F238E27FC236}">
-                <a16:creationId xmlns:a16="http://schemas.microsoft.com/office/drawing/2014/main" id="{8A86D70E-0FA1-4946-B034-A39BC33BAB12}"/>
+          <p:cNvPr id="17" name="Picture 16">
+            <a:extLst>
+              <a:ext uri="{FF2B5EF4-FFF2-40B4-BE49-F238E27FC236}">
+                <a16:creationId xmlns:a16="http://schemas.microsoft.com/office/drawing/2014/main" id="{403E9E57-9002-410F-8AC2-29CDD8657F74}"/>
               </a:ext>
             </a:extLst>
           </p:cNvPr>
@@ -11929,155 +12403,14 @@
         </p:blipFill>
         <p:spPr>
           <a:xfrm>
-            <a:off x="6541682" y="892040"/>
-            <a:ext cx="5650318" cy="3299286"/>
+            <a:off x="6765943" y="819748"/>
+            <a:ext cx="5262772" cy="3714898"/>
           </a:xfrm>
           <a:prstGeom prst="rect">
             <a:avLst/>
           </a:prstGeom>
         </p:spPr>
       </p:pic>
-      <p:sp>
-        <p:nvSpPr>
-          <p:cNvPr id="5" name="TextBox 4">
-            <a:extLst>
-              <a:ext uri="{FF2B5EF4-FFF2-40B4-BE49-F238E27FC236}">
-                <a16:creationId xmlns:a16="http://schemas.microsoft.com/office/drawing/2014/main" id="{FE2D1CCD-7E08-42C5-BC10-E672D17BC98C}"/>
-              </a:ext>
-            </a:extLst>
-          </p:cNvPr>
-          <p:cNvSpPr txBox="1"/>
-          <p:nvPr/>
-        </p:nvSpPr>
-        <p:spPr>
-          <a:xfrm>
-            <a:off x="428625" y="892040"/>
-            <a:ext cx="6113057" cy="3693319"/>
-          </a:xfrm>
-          <a:prstGeom prst="rect">
-            <a:avLst/>
-          </a:prstGeom>
-          <a:noFill/>
-        </p:spPr>
-        <p:txBody>
-          <a:bodyPr wrap="square" rtlCol="0">
-            <a:spAutoFit/>
-          </a:bodyPr>
-          <a:lstStyle/>
-          <a:p>
-            <a:pPr marL="285750" indent="-285750">
-              <a:buFont typeface="Wingdings" panose="05000000000000000000" pitchFamily="2" charset="2"/>
-              <a:buChar char="q"/>
-            </a:pPr>
-            <a:r>
-              <a:rPr lang="en-US" dirty="0"/>
-              <a:t>Docker image: a collection of files {source code, dependencies, libraries …} for deploying containers.</a:t>
-            </a:r>
-          </a:p>
-          <a:p>
-            <a:pPr marL="285750" indent="-285750">
-              <a:buFont typeface="Wingdings" panose="05000000000000000000" pitchFamily="2" charset="2"/>
-              <a:buChar char="q"/>
-            </a:pPr>
-            <a:r>
-              <a:rPr lang="en-US" dirty="0"/>
-              <a:t>Docker container:</a:t>
-            </a:r>
-          </a:p>
-          <a:p>
-            <a:pPr marL="742950" lvl="1" indent="-285750">
-              <a:buFont typeface="Wingdings" panose="05000000000000000000" pitchFamily="2" charset="2"/>
-              <a:buChar char="§"/>
-            </a:pPr>
-            <a:r>
-              <a:rPr lang="en-US" dirty="0"/>
-              <a:t>A virtualized run-time environment provides isolation capabilities for the execution of applications.</a:t>
-            </a:r>
-          </a:p>
-          <a:p>
-            <a:pPr marL="742950" lvl="1" indent="-285750">
-              <a:buFont typeface="Wingdings" panose="05000000000000000000" pitchFamily="2" charset="2"/>
-              <a:buChar char="§"/>
-            </a:pPr>
-            <a:r>
-              <a:rPr lang="en-US" dirty="0"/>
-              <a:t>Provide a </a:t>
-            </a:r>
-            <a:r>
-              <a:rPr lang="en-US" i="1" dirty="0"/>
-              <a:t>portable</a:t>
-            </a:r>
-            <a:r>
-              <a:rPr lang="en-US" dirty="0"/>
-              <a:t> &amp; </a:t>
-            </a:r>
-            <a:r>
-              <a:rPr lang="en-US" i="1" dirty="0"/>
-              <a:t>lightweight</a:t>
-            </a:r>
-            <a:r>
-              <a:rPr lang="en-US" dirty="0"/>
-              <a:t> environment for deploying applications. </a:t>
-            </a:r>
-          </a:p>
-          <a:p>
-            <a:pPr marL="285750" indent="-285750">
-              <a:buFont typeface="Wingdings" panose="05000000000000000000" pitchFamily="2" charset="2"/>
-              <a:buChar char="q"/>
-            </a:pPr>
-            <a:r>
-              <a:rPr lang="en-US" dirty="0" err="1"/>
-              <a:t>Dockerfile</a:t>
-            </a:r>
-            <a:r>
-              <a:rPr lang="en-US" dirty="0"/>
-              <a:t>:</a:t>
-            </a:r>
-          </a:p>
-          <a:p>
-            <a:pPr marL="742950" lvl="1" indent="-285750">
-              <a:buFont typeface="Wingdings" panose="05000000000000000000" pitchFamily="2" charset="2"/>
-              <a:buChar char="§"/>
-            </a:pPr>
-            <a:r>
-              <a:rPr lang="en-US" dirty="0"/>
-              <a:t>A script of instructions can build images automatically.</a:t>
-            </a:r>
-          </a:p>
-          <a:p>
-            <a:pPr marL="742950" lvl="1" indent="-285750">
-              <a:buFont typeface="Wingdings" panose="05000000000000000000" pitchFamily="2" charset="2"/>
-              <a:buChar char="§"/>
-            </a:pPr>
-            <a:r>
-              <a:rPr lang="en-US" dirty="0" err="1"/>
-              <a:t>Dockerfile</a:t>
-            </a:r>
-            <a:r>
-              <a:rPr lang="en-US" dirty="0"/>
-              <a:t> statements: </a:t>
-            </a:r>
-          </a:p>
-          <a:p>
-            <a:pPr marL="1200150" lvl="2" indent="-285750">
-              <a:buFont typeface="Courier New" panose="02070309020205020404" pitchFamily="49" charset="0"/>
-              <a:buChar char="o"/>
-            </a:pPr>
-            <a:endParaRPr lang="en-US" dirty="0"/>
-          </a:p>
-          <a:p>
-            <a:pPr lvl="1"/>
-            <a:endParaRPr lang="en-US" dirty="0"/>
-          </a:p>
-          <a:p>
-            <a:pPr marL="742950" lvl="1" indent="-285750">
-              <a:buFont typeface="Wingdings" panose="05000000000000000000" pitchFamily="2" charset="2"/>
-              <a:buChar char="§"/>
-            </a:pPr>
-            <a:endParaRPr lang="en-US" dirty="0"/>
-          </a:p>
-        </p:txBody>
-      </p:sp>
     </p:spTree>
     <p:extLst>
       <p:ext uri="{BB962C8B-B14F-4D97-AF65-F5344CB8AC3E}">
@@ -12092,6 +12425,352 @@
 </file>
 
 <file path=ppt/slides/slide13.xml><?xml version="1.0" encoding="utf-8"?>
+<p:sld xmlns:a="http://schemas.openxmlformats.org/drawingml/2006/main" xmlns:r="http://schemas.openxmlformats.org/officeDocument/2006/relationships" xmlns:p="http://schemas.openxmlformats.org/presentationml/2006/main">
+  <p:cSld>
+    <p:spTree>
+      <p:nvGrpSpPr>
+        <p:cNvPr id="1" name=""/>
+        <p:cNvGrpSpPr/>
+        <p:nvPr/>
+      </p:nvGrpSpPr>
+      <p:grpSpPr>
+        <a:xfrm>
+          <a:off x="0" y="0"/>
+          <a:ext cx="0" cy="0"/>
+          <a:chOff x="0" y="0"/>
+          <a:chExt cx="0" cy="0"/>
+        </a:xfrm>
+      </p:grpSpPr>
+      <p:sp>
+        <p:nvSpPr>
+          <p:cNvPr id="3" name="Title 2">
+            <a:extLst>
+              <a:ext uri="{FF2B5EF4-FFF2-40B4-BE49-F238E27FC236}">
+                <a16:creationId xmlns:a16="http://schemas.microsoft.com/office/drawing/2014/main" id="{EFC0B542-4DDF-418B-8096-095E6A9A8D30}"/>
+              </a:ext>
+            </a:extLst>
+          </p:cNvPr>
+          <p:cNvSpPr>
+            <a:spLocks noGrp="1"/>
+          </p:cNvSpPr>
+          <p:nvPr>
+            <p:ph type="title"/>
+          </p:nvPr>
+        </p:nvSpPr>
+        <p:spPr/>
+        <p:txBody>
+          <a:bodyPr/>
+          <a:lstStyle/>
+          <a:p>
+            <a:r>
+              <a:rPr lang="en-US" dirty="0"/>
+              <a:t>Docker images &amp; Docker file: Understanding image layers</a:t>
+            </a:r>
+          </a:p>
+        </p:txBody>
+      </p:sp>
+      <p:sp>
+        <p:nvSpPr>
+          <p:cNvPr id="16" name="TextBox 15">
+            <a:extLst>
+              <a:ext uri="{FF2B5EF4-FFF2-40B4-BE49-F238E27FC236}">
+                <a16:creationId xmlns:a16="http://schemas.microsoft.com/office/drawing/2014/main" id="{B0D33885-F664-49B1-8D73-DD4529C79D21}"/>
+              </a:ext>
+            </a:extLst>
+          </p:cNvPr>
+          <p:cNvSpPr txBox="1"/>
+          <p:nvPr/>
+        </p:nvSpPr>
+        <p:spPr>
+          <a:xfrm>
+            <a:off x="163285" y="1136418"/>
+            <a:ext cx="4365171" cy="646331"/>
+          </a:xfrm>
+          <a:prstGeom prst="rect">
+            <a:avLst/>
+          </a:prstGeom>
+          <a:noFill/>
+        </p:spPr>
+        <p:txBody>
+          <a:bodyPr wrap="square" rtlCol="0">
+            <a:spAutoFit/>
+          </a:bodyPr>
+          <a:lstStyle/>
+          <a:p>
+            <a:pPr marL="285750" indent="-285750">
+              <a:buFont typeface="Wingdings" panose="05000000000000000000" pitchFamily="2" charset="2"/>
+              <a:buChar char="q"/>
+            </a:pPr>
+            <a:endParaRPr lang="en-US" dirty="0"/>
+          </a:p>
+          <a:p>
+            <a:pPr marL="742950" lvl="1" indent="-285750">
+              <a:buFont typeface="Wingdings" panose="05000000000000000000" pitchFamily="2" charset="2"/>
+              <a:buChar char="§"/>
+            </a:pPr>
+            <a:endParaRPr lang="en-US" dirty="0"/>
+          </a:p>
+        </p:txBody>
+      </p:sp>
+      <p:sp>
+        <p:nvSpPr>
+          <p:cNvPr id="5" name="TextBox 4">
+            <a:extLst>
+              <a:ext uri="{FF2B5EF4-FFF2-40B4-BE49-F238E27FC236}">
+                <a16:creationId xmlns:a16="http://schemas.microsoft.com/office/drawing/2014/main" id="{FE2D1CCD-7E08-42C5-BC10-E672D17BC98C}"/>
+              </a:ext>
+            </a:extLst>
+          </p:cNvPr>
+          <p:cNvSpPr txBox="1"/>
+          <p:nvPr/>
+        </p:nvSpPr>
+        <p:spPr>
+          <a:xfrm>
+            <a:off x="428625" y="892040"/>
+            <a:ext cx="11017141" cy="4247317"/>
+          </a:xfrm>
+          <a:prstGeom prst="rect">
+            <a:avLst/>
+          </a:prstGeom>
+          <a:noFill/>
+        </p:spPr>
+        <p:txBody>
+          <a:bodyPr wrap="square" rtlCol="0">
+            <a:spAutoFit/>
+          </a:bodyPr>
+          <a:lstStyle/>
+          <a:p>
+            <a:pPr marL="285750" indent="-285750">
+              <a:buFont typeface="Wingdings" panose="05000000000000000000" pitchFamily="2" charset="2"/>
+              <a:buChar char="q"/>
+            </a:pPr>
+            <a:r>
+              <a:rPr lang="en-US" dirty="0"/>
+              <a:t>List of instructions in the </a:t>
+            </a:r>
+            <a:r>
+              <a:rPr lang="en-US" i="1" dirty="0" err="1"/>
+              <a:t>Dockerfile</a:t>
+            </a:r>
+            <a:r>
+              <a:rPr lang="en-US" i="1" dirty="0"/>
+              <a:t>: </a:t>
+            </a:r>
+          </a:p>
+          <a:p>
+            <a:pPr marL="742950" lvl="1" indent="-285750">
+              <a:buFont typeface="Wingdings" panose="05000000000000000000" pitchFamily="2" charset="2"/>
+              <a:buChar char="§"/>
+            </a:pPr>
+            <a:r>
+              <a:rPr lang="en-US" dirty="0"/>
+              <a:t>FROM: Specify base image</a:t>
+            </a:r>
+          </a:p>
+          <a:p>
+            <a:pPr marL="742950" lvl="1" indent="-285750">
+              <a:buFont typeface="Wingdings" panose="05000000000000000000" pitchFamily="2" charset="2"/>
+              <a:buChar char="§"/>
+            </a:pPr>
+            <a:r>
+              <a:rPr lang="en-US" dirty="0"/>
+              <a:t>COPY: Copy of files/directories from host machine to container image</a:t>
+            </a:r>
+          </a:p>
+          <a:p>
+            <a:pPr marL="742950" lvl="1" indent="-285750">
+              <a:buFont typeface="Wingdings" panose="05000000000000000000" pitchFamily="2" charset="2"/>
+              <a:buChar char="§"/>
+            </a:pPr>
+            <a:r>
+              <a:rPr lang="en-US" dirty="0"/>
+              <a:t>ENV: Add environment variables</a:t>
+            </a:r>
+          </a:p>
+          <a:p>
+            <a:pPr marL="742950" lvl="1" indent="-285750">
+              <a:buFont typeface="Wingdings" panose="05000000000000000000" pitchFamily="2" charset="2"/>
+              <a:buChar char="§"/>
+            </a:pPr>
+            <a:r>
+              <a:rPr lang="en-US" dirty="0"/>
+              <a:t>RUN: Execute specified command</a:t>
+            </a:r>
+          </a:p>
+          <a:p>
+            <a:pPr marL="742950" lvl="1" indent="-285750">
+              <a:buFont typeface="Wingdings" panose="05000000000000000000" pitchFamily="2" charset="2"/>
+              <a:buChar char="§"/>
+            </a:pPr>
+            <a:r>
+              <a:rPr lang="en-US" dirty="0"/>
+              <a:t>CMD: Specify the command at the time of container execution </a:t>
+            </a:r>
+          </a:p>
+          <a:p>
+            <a:pPr marL="742950" lvl="1" indent="-285750">
+              <a:buFont typeface="Wingdings" panose="05000000000000000000" pitchFamily="2" charset="2"/>
+              <a:buChar char="§"/>
+            </a:pPr>
+            <a:r>
+              <a:rPr lang="en-US" dirty="0"/>
+              <a:t>WORKDIR: Change current directory</a:t>
+            </a:r>
+          </a:p>
+          <a:p>
+            <a:pPr marL="742950" lvl="1" indent="-285750">
+              <a:buFont typeface="Wingdings" panose="05000000000000000000" pitchFamily="2" charset="2"/>
+              <a:buChar char="§"/>
+            </a:pPr>
+            <a:r>
+              <a:rPr lang="en-US" dirty="0"/>
+              <a:t>EXPOSE: </a:t>
+            </a:r>
+          </a:p>
+          <a:p>
+            <a:pPr marL="285750" indent="-285750">
+              <a:buFont typeface="Wingdings" panose="05000000000000000000" pitchFamily="2" charset="2"/>
+              <a:buChar char="q"/>
+            </a:pPr>
+            <a:r>
+              <a:rPr lang="en-US" dirty="0"/>
+              <a:t>Reduce docker image</a:t>
+            </a:r>
+          </a:p>
+          <a:p>
+            <a:pPr marL="742950" lvl="1" indent="-285750">
+              <a:buFont typeface="Wingdings" panose="05000000000000000000" pitchFamily="2" charset="2"/>
+              <a:buChar char="§"/>
+            </a:pPr>
+            <a:r>
+              <a:rPr lang="en-US" dirty="0"/>
+              <a:t>Change base image (-alpine)</a:t>
+            </a:r>
+          </a:p>
+          <a:p>
+            <a:pPr marL="742950" lvl="1" indent="-285750">
+              <a:buFont typeface="Wingdings" panose="05000000000000000000" pitchFamily="2" charset="2"/>
+              <a:buChar char="§"/>
+            </a:pPr>
+            <a:r>
+              <a:rPr lang="en-US" dirty="0"/>
+              <a:t>Take advantage of layer caching helps reduce build time.</a:t>
+            </a:r>
+          </a:p>
+          <a:p>
+            <a:pPr marL="742950" lvl="1" indent="-285750">
+              <a:buFont typeface="Wingdings" panose="05000000000000000000" pitchFamily="2" charset="2"/>
+              <a:buChar char="§"/>
+            </a:pPr>
+            <a:r>
+              <a:rPr lang="en-US" dirty="0"/>
+              <a:t>Include related RUN, ADD, COPY statements to reduce the number of new layers.</a:t>
+            </a:r>
+          </a:p>
+          <a:p>
+            <a:pPr marL="742950" lvl="1" indent="-285750">
+              <a:buFont typeface="Wingdings" panose="05000000000000000000" pitchFamily="2" charset="2"/>
+              <a:buChar char="§"/>
+            </a:pPr>
+            <a:r>
+              <a:rPr lang="en-US" dirty="0"/>
+              <a:t>Optimized </a:t>
+            </a:r>
+            <a:r>
+              <a:rPr lang="en-US" i="1" dirty="0"/>
+              <a:t>.</a:t>
+            </a:r>
+            <a:r>
+              <a:rPr lang="en-US" i="1" dirty="0" err="1"/>
+              <a:t>dockerignore</a:t>
+            </a:r>
+            <a:r>
+              <a:rPr lang="en-US" i="1" dirty="0"/>
+              <a:t> </a:t>
+            </a:r>
+            <a:r>
+              <a:rPr lang="en-US" dirty="0"/>
+              <a:t>to remove unnecessary files during image building.</a:t>
+            </a:r>
+          </a:p>
+          <a:p>
+            <a:pPr marL="742950" lvl="1" indent="-285750">
+              <a:buFont typeface="Wingdings" panose="05000000000000000000" pitchFamily="2" charset="2"/>
+              <a:buChar char="§"/>
+            </a:pPr>
+            <a:r>
+              <a:rPr lang="en-US" dirty="0"/>
+              <a:t>Use multi-stage build to reduce runtime image size.</a:t>
+            </a:r>
+          </a:p>
+          <a:p>
+            <a:pPr marL="742950" lvl="1" indent="-285750">
+              <a:buFont typeface="Wingdings" panose="05000000000000000000" pitchFamily="2" charset="2"/>
+              <a:buChar char="§"/>
+            </a:pPr>
+            <a:r>
+              <a:rPr lang="en-US" dirty="0"/>
+              <a:t>Using an image template together by using ONBUILD for base image saves management effort &amp; build time.</a:t>
+            </a:r>
+          </a:p>
+        </p:txBody>
+      </p:sp>
+      <p:sp>
+        <p:nvSpPr>
+          <p:cNvPr id="12" name="TextBox 11">
+            <a:extLst>
+              <a:ext uri="{FF2B5EF4-FFF2-40B4-BE49-F238E27FC236}">
+                <a16:creationId xmlns:a16="http://schemas.microsoft.com/office/drawing/2014/main" id="{5D6E59E6-CCCD-47C0-936E-F8D32BD99F43}"/>
+              </a:ext>
+            </a:extLst>
+          </p:cNvPr>
+          <p:cNvSpPr txBox="1"/>
+          <p:nvPr/>
+        </p:nvSpPr>
+        <p:spPr>
+          <a:xfrm>
+            <a:off x="163285" y="6454588"/>
+            <a:ext cx="4850504" cy="369332"/>
+          </a:xfrm>
+          <a:prstGeom prst="rect">
+            <a:avLst/>
+          </a:prstGeom>
+          <a:noFill/>
+        </p:spPr>
+        <p:txBody>
+          <a:bodyPr wrap="square" rtlCol="0">
+            <a:spAutoFit/>
+          </a:bodyPr>
+          <a:lstStyle/>
+          <a:p>
+            <a:r>
+              <a:rPr lang="en-US" dirty="0"/>
+              <a:t>Ref: </a:t>
+            </a:r>
+            <a:r>
+              <a:rPr lang="en-US" dirty="0">
+                <a:hlinkClick r:id="rId3"/>
+              </a:rPr>
+              <a:t>Docker image in production — 1GB or 100MB</a:t>
+            </a:r>
+            <a:endParaRPr lang="en-US" dirty="0"/>
+          </a:p>
+        </p:txBody>
+      </p:sp>
+    </p:spTree>
+    <p:extLst>
+      <p:ext uri="{BB962C8B-B14F-4D97-AF65-F5344CB8AC3E}">
+        <p14:creationId xmlns:p14="http://schemas.microsoft.com/office/powerpoint/2010/main" val="1820594625"/>
+      </p:ext>
+    </p:extLst>
+  </p:cSld>
+  <p:clrMapOvr>
+    <a:masterClrMapping/>
+  </p:clrMapOvr>
+</p:sld>
+</file>
+
+<file path=ppt/slides/slide14.xml><?xml version="1.0" encoding="utf-8"?>
 <p:sld xmlns:a="http://schemas.openxmlformats.org/drawingml/2006/main" xmlns:r="http://schemas.openxmlformats.org/officeDocument/2006/relationships" xmlns:p="http://schemas.openxmlformats.org/presentationml/2006/main">
   <p:cSld>
     <p:spTree>
@@ -12378,7 +13057,7 @@
 </p:sld>
 </file>
 
-<file path=ppt/slides/slide14.xml><?xml version="1.0" encoding="utf-8"?>
+<file path=ppt/slides/slide15.xml><?xml version="1.0" encoding="utf-8"?>
 <p:sld xmlns:a="http://schemas.openxmlformats.org/drawingml/2006/main" xmlns:r="http://schemas.openxmlformats.org/officeDocument/2006/relationships" xmlns:p="http://schemas.openxmlformats.org/presentationml/2006/main">
   <p:cSld>
     <p:spTree>
@@ -12653,7 +13332,7 @@
 </p:sld>
 </file>
 
-<file path=ppt/slides/slide15.xml><?xml version="1.0" encoding="utf-8"?>
+<file path=ppt/slides/slide16.xml><?xml version="1.0" encoding="utf-8"?>
 <p:sld xmlns:a="http://schemas.openxmlformats.org/drawingml/2006/main" xmlns:r="http://schemas.openxmlformats.org/officeDocument/2006/relationships" xmlns:p="http://schemas.openxmlformats.org/presentationml/2006/main">
   <p:cSld>
     <p:spTree>
@@ -12928,7 +13607,7 @@
 </p:sld>
 </file>
 
-<file path=ppt/slides/slide16.xml><?xml version="1.0" encoding="utf-8"?>
+<file path=ppt/slides/slide17.xml><?xml version="1.0" encoding="utf-8"?>
 <p:sld xmlns:a="http://schemas.openxmlformats.org/drawingml/2006/main" xmlns:r="http://schemas.openxmlformats.org/officeDocument/2006/relationships" xmlns:p="http://schemas.openxmlformats.org/presentationml/2006/main">
   <p:cSld>
     <p:spTree>
@@ -13205,7 +13884,7 @@
 </p:sld>
 </file>
 
-<file path=ppt/slides/slide17.xml><?xml version="1.0" encoding="utf-8"?>
+<file path=ppt/slides/slide18.xml><?xml version="1.0" encoding="utf-8"?>
 <p:sld xmlns:a="http://schemas.openxmlformats.org/drawingml/2006/main" xmlns:r="http://schemas.openxmlformats.org/officeDocument/2006/relationships" xmlns:p="http://schemas.openxmlformats.org/presentationml/2006/main">
   <p:cSld>
     <p:spTree>
@@ -13631,1657 +14310,7 @@
 </p:sld>
 </file>
 
-<file path=ppt/slides/slide18.xml><?xml version="1.0" encoding="utf-8"?>
-<p:sld xmlns:a="http://schemas.openxmlformats.org/drawingml/2006/main" xmlns:r="http://schemas.openxmlformats.org/officeDocument/2006/relationships" xmlns:p="http://schemas.openxmlformats.org/presentationml/2006/main">
-  <p:cSld>
-    <p:spTree>
-      <p:nvGrpSpPr>
-        <p:cNvPr id="1" name=""/>
-        <p:cNvGrpSpPr/>
-        <p:nvPr/>
-      </p:nvGrpSpPr>
-      <p:grpSpPr>
-        <a:xfrm>
-          <a:off x="0" y="0"/>
-          <a:ext cx="0" cy="0"/>
-          <a:chOff x="0" y="0"/>
-          <a:chExt cx="0" cy="0"/>
-        </a:xfrm>
-      </p:grpSpPr>
-      <p:sp>
-        <p:nvSpPr>
-          <p:cNvPr id="3" name="Title 2">
-            <a:extLst>
-              <a:ext uri="{FF2B5EF4-FFF2-40B4-BE49-F238E27FC236}">
-                <a16:creationId xmlns:a16="http://schemas.microsoft.com/office/drawing/2014/main" id="{EFC0B542-4DDF-418B-8096-095E6A9A8D30}"/>
-              </a:ext>
-            </a:extLst>
-          </p:cNvPr>
-          <p:cNvSpPr>
-            <a:spLocks noGrp="1"/>
-          </p:cNvSpPr>
-          <p:nvPr>
-            <p:ph type="title"/>
-          </p:nvPr>
-        </p:nvSpPr>
-        <p:spPr/>
-        <p:txBody>
-          <a:bodyPr/>
-          <a:lstStyle/>
-          <a:p>
-            <a:r>
-              <a:rPr lang="en-US" dirty="0"/>
-              <a:t>Docker Swarm (1)</a:t>
-            </a:r>
-          </a:p>
-        </p:txBody>
-      </p:sp>
-      <p:sp>
-        <p:nvSpPr>
-          <p:cNvPr id="16" name="TextBox 15">
-            <a:extLst>
-              <a:ext uri="{FF2B5EF4-FFF2-40B4-BE49-F238E27FC236}">
-                <a16:creationId xmlns:a16="http://schemas.microsoft.com/office/drawing/2014/main" id="{B0D33885-F664-49B1-8D73-DD4529C79D21}"/>
-              </a:ext>
-            </a:extLst>
-          </p:cNvPr>
-          <p:cNvSpPr txBox="1"/>
-          <p:nvPr/>
-        </p:nvSpPr>
-        <p:spPr>
-          <a:xfrm>
-            <a:off x="163285" y="1136418"/>
-            <a:ext cx="4365171" cy="646331"/>
-          </a:xfrm>
-          <a:prstGeom prst="rect">
-            <a:avLst/>
-          </a:prstGeom>
-          <a:noFill/>
-        </p:spPr>
-        <p:txBody>
-          <a:bodyPr wrap="square" rtlCol="0">
-            <a:spAutoFit/>
-          </a:bodyPr>
-          <a:lstStyle/>
-          <a:p>
-            <a:pPr marL="285750" indent="-285750">
-              <a:buFont typeface="Wingdings" panose="05000000000000000000" pitchFamily="2" charset="2"/>
-              <a:buChar char="q"/>
-            </a:pPr>
-            <a:endParaRPr lang="en-US" dirty="0"/>
-          </a:p>
-          <a:p>
-            <a:pPr marL="742950" lvl="1" indent="-285750">
-              <a:buFont typeface="Wingdings" panose="05000000000000000000" pitchFamily="2" charset="2"/>
-              <a:buChar char="§"/>
-            </a:pPr>
-            <a:endParaRPr lang="en-US" dirty="0"/>
-          </a:p>
-        </p:txBody>
-      </p:sp>
-      <p:sp>
-        <p:nvSpPr>
-          <p:cNvPr id="14" name="TextBox 13">
-            <a:extLst>
-              <a:ext uri="{FF2B5EF4-FFF2-40B4-BE49-F238E27FC236}">
-                <a16:creationId xmlns:a16="http://schemas.microsoft.com/office/drawing/2014/main" id="{23967603-8D5C-41C7-BA0D-EB9313F28F30}"/>
-              </a:ext>
-            </a:extLst>
-          </p:cNvPr>
-          <p:cNvSpPr txBox="1"/>
-          <p:nvPr/>
-        </p:nvSpPr>
-        <p:spPr>
-          <a:xfrm>
-            <a:off x="7355490" y="5650129"/>
-            <a:ext cx="4910731" cy="830997"/>
-          </a:xfrm>
-          <a:prstGeom prst="rect">
-            <a:avLst/>
-          </a:prstGeom>
-          <a:noFill/>
-        </p:spPr>
-        <p:txBody>
-          <a:bodyPr wrap="square" rtlCol="0">
-            <a:spAutoFit/>
-          </a:bodyPr>
-          <a:lstStyle/>
-          <a:p>
-            <a:r>
-              <a:rPr lang="en-US" sz="1200" dirty="0">
-                <a:solidFill>
-                  <a:srgbClr val="FF0000"/>
-                </a:solidFill>
-              </a:rPr>
-              <a:t>Ref</a:t>
-            </a:r>
-            <a:r>
-              <a:rPr lang="en-US" sz="1200" dirty="0"/>
-              <a:t>:</a:t>
-            </a:r>
-          </a:p>
-          <a:p>
-            <a:r>
-              <a:rPr lang="en-US" sz="1200" dirty="0">
-                <a:hlinkClick r:id="rId3"/>
-              </a:rPr>
-              <a:t>https://xuanthulab.net/chia-se-du-lieu-giua-docker-host-va-container.html</a:t>
-            </a:r>
-            <a:endParaRPr lang="en-US" sz="1200" dirty="0"/>
-          </a:p>
-          <a:p>
-            <a:r>
-              <a:rPr lang="en-US" sz="1200" dirty="0">
-                <a:solidFill>
-                  <a:schemeClr val="accent1"/>
-                </a:solidFill>
-                <a:hlinkClick r:id="rId4"/>
-              </a:rPr>
-              <a:t>https://docs.docker.com/engine/swarm/key-concepts/</a:t>
-            </a:r>
-            <a:endParaRPr lang="en-US" sz="1200" dirty="0">
-              <a:solidFill>
-                <a:schemeClr val="accent1"/>
-              </a:solidFill>
-            </a:endParaRPr>
-          </a:p>
-          <a:p>
-            <a:r>
-              <a:rPr lang="en-US" sz="1200" dirty="0">
-                <a:solidFill>
-                  <a:schemeClr val="accent1"/>
-                </a:solidFill>
-              </a:rPr>
-              <a:t>https://stackoverflow.com/questions/45079988/ingress-vs-load-balancer</a:t>
-            </a:r>
-          </a:p>
-        </p:txBody>
-      </p:sp>
-      <p:sp>
-        <p:nvSpPr>
-          <p:cNvPr id="6" name="TextBox 5">
-            <a:extLst>
-              <a:ext uri="{FF2B5EF4-FFF2-40B4-BE49-F238E27FC236}">
-                <a16:creationId xmlns:a16="http://schemas.microsoft.com/office/drawing/2014/main" id="{A7CACC87-D5FD-426C-849A-2A51BF08A26C}"/>
-              </a:ext>
-            </a:extLst>
-          </p:cNvPr>
-          <p:cNvSpPr txBox="1"/>
-          <p:nvPr/>
-        </p:nvSpPr>
-        <p:spPr>
-          <a:xfrm>
-            <a:off x="457200" y="987000"/>
-            <a:ext cx="6672943" cy="5078313"/>
-          </a:xfrm>
-          <a:prstGeom prst="rect">
-            <a:avLst/>
-          </a:prstGeom>
-          <a:noFill/>
-          <a:ln>
-            <a:solidFill>
-              <a:schemeClr val="tx2">
-                <a:lumMod val="20000"/>
-                <a:lumOff val="80000"/>
-              </a:schemeClr>
-            </a:solidFill>
-          </a:ln>
-        </p:spPr>
-        <p:txBody>
-          <a:bodyPr wrap="square" rtlCol="0">
-            <a:spAutoFit/>
-          </a:bodyPr>
-          <a:lstStyle/>
-          <a:p>
-            <a:pPr marL="285750" indent="-285750">
-              <a:buFont typeface="Wingdings" panose="05000000000000000000" pitchFamily="2" charset="2"/>
-              <a:buChar char="q"/>
-            </a:pPr>
-            <a:r>
-              <a:rPr lang="en-US" dirty="0"/>
-              <a:t>Docker Swarm: </a:t>
-            </a:r>
-          </a:p>
-          <a:p>
-            <a:pPr marL="742950" lvl="1" indent="-285750">
-              <a:buFont typeface="Wingdings" panose="05000000000000000000" pitchFamily="2" charset="2"/>
-              <a:buChar char="§"/>
-            </a:pPr>
-            <a:r>
-              <a:rPr lang="en-US" dirty="0"/>
-              <a:t>The cluster management &amp; orchestration features in </a:t>
-            </a:r>
-            <a:r>
-              <a:rPr lang="en-US" b="1" dirty="0"/>
-              <a:t>the Docker Engine.</a:t>
-            </a:r>
-          </a:p>
-          <a:p>
-            <a:pPr marL="742950" lvl="1" indent="-285750">
-              <a:buFont typeface="Wingdings" panose="05000000000000000000" pitchFamily="2" charset="2"/>
-              <a:buChar char="§"/>
-            </a:pPr>
-            <a:r>
-              <a:rPr lang="en-US" dirty="0"/>
-              <a:t>Help end-user in creating &amp; deploying a cluster of Docker nodes (node ~ Docker daemon)</a:t>
-            </a:r>
-          </a:p>
-          <a:p>
-            <a:pPr marL="285750" indent="-285750">
-              <a:buFont typeface="Wingdings" panose="05000000000000000000" pitchFamily="2" charset="2"/>
-              <a:buChar char="q"/>
-            </a:pPr>
-            <a:r>
-              <a:rPr lang="en-US" dirty="0"/>
-              <a:t>Key concepts:</a:t>
-            </a:r>
-          </a:p>
-          <a:p>
-            <a:pPr marL="742950" lvl="1" indent="-285750">
-              <a:buFont typeface="Wingdings" panose="05000000000000000000" pitchFamily="2" charset="2"/>
-              <a:buChar char="§"/>
-            </a:pPr>
-            <a:r>
-              <a:rPr lang="en-US" b="1" dirty="0"/>
-              <a:t>Nodes</a:t>
-            </a:r>
-            <a:r>
-              <a:rPr lang="en-US" dirty="0"/>
-              <a:t>: an instance of the Docker Engine. Two types of nodes:</a:t>
-            </a:r>
-          </a:p>
-          <a:p>
-            <a:pPr marL="1200150" lvl="2" indent="-285750">
-              <a:buFont typeface="Wingdings" panose="05000000000000000000" pitchFamily="2" charset="2"/>
-              <a:buChar char="§"/>
-            </a:pPr>
-            <a:r>
-              <a:rPr lang="en-US" dirty="0"/>
-              <a:t>Manager node: </a:t>
-            </a:r>
-            <a:r>
-              <a:rPr lang="en-US" i="1" dirty="0"/>
-              <a:t>(1) </a:t>
-            </a:r>
-            <a:r>
-              <a:rPr lang="en-US" dirty="0"/>
-              <a:t>Receives a service definition from user then </a:t>
-            </a:r>
-            <a:r>
-              <a:rPr lang="en-US" i="1" dirty="0"/>
-              <a:t>(2) </a:t>
-            </a:r>
-            <a:r>
-              <a:rPr lang="en-US" dirty="0"/>
-              <a:t>dispatches units of work (tasks) to worker nodes.</a:t>
-            </a:r>
-          </a:p>
-          <a:p>
-            <a:pPr marL="1200150" lvl="2" indent="-285750">
-              <a:buFont typeface="Wingdings" panose="05000000000000000000" pitchFamily="2" charset="2"/>
-              <a:buChar char="§"/>
-            </a:pPr>
-            <a:r>
-              <a:rPr lang="en-US" dirty="0"/>
-              <a:t>Worker: Receives &amp; executes tasks from manager node.</a:t>
-            </a:r>
-            <a:endParaRPr lang="en-US" b="1" dirty="0"/>
-          </a:p>
-          <a:p>
-            <a:pPr marL="742950" lvl="1" indent="-285750">
-              <a:buFont typeface="Wingdings" panose="05000000000000000000" pitchFamily="2" charset="2"/>
-              <a:buChar char="§"/>
-            </a:pPr>
-            <a:r>
-              <a:rPr lang="en-US" b="1" dirty="0"/>
-              <a:t>Services &amp; tasks:</a:t>
-            </a:r>
-          </a:p>
-          <a:p>
-            <a:pPr marL="1200150" lvl="2" indent="-285750">
-              <a:buFont typeface="Courier New" panose="02070309020205020404" pitchFamily="49" charset="0"/>
-              <a:buChar char="o"/>
-            </a:pPr>
-            <a:r>
-              <a:rPr lang="en-US" dirty="0"/>
-              <a:t>Service: The definition of tasks to execute on manager node or worker nodes.</a:t>
-            </a:r>
-            <a:r>
-              <a:rPr lang="en-US" b="1" dirty="0"/>
-              <a:t> </a:t>
-            </a:r>
-          </a:p>
-          <a:p>
-            <a:pPr marL="1200150" lvl="2" indent="-285750">
-              <a:buFont typeface="Courier New" panose="02070309020205020404" pitchFamily="49" charset="0"/>
-              <a:buChar char="o"/>
-            </a:pPr>
-            <a:r>
-              <a:rPr lang="en-US" dirty="0"/>
-              <a:t>Task: the commands run inside the container.</a:t>
-            </a:r>
-            <a:r>
-              <a:rPr lang="en-US" b="1" dirty="0"/>
-              <a:t> </a:t>
-            </a:r>
-          </a:p>
-          <a:p>
-            <a:pPr marL="742950" lvl="1" indent="-285750">
-              <a:buFont typeface="Wingdings" panose="05000000000000000000" pitchFamily="2" charset="2"/>
-              <a:buChar char="§"/>
-            </a:pPr>
-            <a:r>
-              <a:rPr lang="en-US" b="1" dirty="0"/>
-              <a:t>Load balancing</a:t>
-            </a:r>
-          </a:p>
-          <a:p>
-            <a:pPr marL="1200150" lvl="2" indent="-285750">
-              <a:buFont typeface="Courier New" panose="02070309020205020404" pitchFamily="49" charset="0"/>
-              <a:buChar char="o"/>
-            </a:pPr>
-            <a:r>
-              <a:rPr lang="en-US" dirty="0"/>
-              <a:t>Expose the ports for services to an external load balancer.</a:t>
-            </a:r>
-          </a:p>
-        </p:txBody>
-      </p:sp>
-      <p:sp>
-        <p:nvSpPr>
-          <p:cNvPr id="5" name="TextBox 4">
-            <a:extLst>
-              <a:ext uri="{FF2B5EF4-FFF2-40B4-BE49-F238E27FC236}">
-                <a16:creationId xmlns:a16="http://schemas.microsoft.com/office/drawing/2014/main" id="{6E8C9151-80D7-4B5A-B096-8919F2CCA7CC}"/>
-              </a:ext>
-            </a:extLst>
-          </p:cNvPr>
-          <p:cNvSpPr txBox="1"/>
-          <p:nvPr/>
-        </p:nvSpPr>
-        <p:spPr>
-          <a:xfrm>
-            <a:off x="9470571" y="3864429"/>
-            <a:ext cx="680571" cy="307777"/>
-          </a:xfrm>
-          <a:prstGeom prst="rect">
-            <a:avLst/>
-          </a:prstGeom>
-          <a:noFill/>
-        </p:spPr>
-        <p:txBody>
-          <a:bodyPr wrap="none" rtlCol="0">
-            <a:spAutoFit/>
-          </a:bodyPr>
-          <a:lstStyle/>
-          <a:p>
-            <a:r>
-              <a:rPr lang="en-US" sz="1400" dirty="0">
-                <a:hlinkClick r:id="rId5"/>
-              </a:rPr>
-              <a:t>Source</a:t>
-            </a:r>
-            <a:endParaRPr lang="en-US" sz="1400" dirty="0"/>
-          </a:p>
-        </p:txBody>
-      </p:sp>
-      <p:pic>
-        <p:nvPicPr>
-          <p:cNvPr id="9" name="Picture 8" descr="Diagram&#10;&#10;Description automatically generated">
-            <a:extLst>
-              <a:ext uri="{FF2B5EF4-FFF2-40B4-BE49-F238E27FC236}">
-                <a16:creationId xmlns:a16="http://schemas.microsoft.com/office/drawing/2014/main" id="{5F189679-8947-482D-BB62-FE841EDA4146}"/>
-              </a:ext>
-            </a:extLst>
-          </p:cNvPr>
-          <p:cNvPicPr>
-            <a:picLocks noChangeAspect="1"/>
-          </p:cNvPicPr>
-          <p:nvPr/>
-        </p:nvPicPr>
-        <p:blipFill>
-          <a:blip r:embed="rId6">
-            <a:extLst>
-              <a:ext uri="{28A0092B-C50C-407E-A947-70E740481C1C}">
-                <a14:useLocalDpi xmlns:a14="http://schemas.microsoft.com/office/drawing/2010/main" val="0"/>
-              </a:ext>
-            </a:extLst>
-          </a:blip>
-          <a:stretch>
-            <a:fillRect/>
-          </a:stretch>
-        </p:blipFill>
-        <p:spPr>
-          <a:xfrm>
-            <a:off x="7245293" y="792372"/>
-            <a:ext cx="4450556" cy="3028850"/>
-          </a:xfrm>
-          <a:prstGeom prst="rect">
-            <a:avLst/>
-          </a:prstGeom>
-        </p:spPr>
-      </p:pic>
-      <p:sp>
-        <p:nvSpPr>
-          <p:cNvPr id="4" name="TextBox 3">
-            <a:extLst>
-              <a:ext uri="{FF2B5EF4-FFF2-40B4-BE49-F238E27FC236}">
-                <a16:creationId xmlns:a16="http://schemas.microsoft.com/office/drawing/2014/main" id="{E9F1D22C-C98E-4297-9851-9D6A59F36CE5}"/>
-              </a:ext>
-            </a:extLst>
-          </p:cNvPr>
-          <p:cNvSpPr txBox="1"/>
-          <p:nvPr/>
-        </p:nvSpPr>
-        <p:spPr>
-          <a:xfrm>
-            <a:off x="7576457" y="898583"/>
-            <a:ext cx="1382486" cy="1463617"/>
-          </a:xfrm>
-          <a:prstGeom prst="rect">
-            <a:avLst/>
-          </a:prstGeom>
-          <a:noFill/>
-          <a:ln>
-            <a:solidFill>
-              <a:srgbClr val="FF0000"/>
-            </a:solidFill>
-          </a:ln>
-        </p:spPr>
-        <p:txBody>
-          <a:bodyPr wrap="square" rtlCol="0">
-            <a:spAutoFit/>
-          </a:bodyPr>
-          <a:lstStyle/>
-          <a:p>
-            <a:endParaRPr lang="en-US" dirty="0"/>
-          </a:p>
-        </p:txBody>
-      </p:sp>
-    </p:spTree>
-    <p:extLst>
-      <p:ext uri="{BB962C8B-B14F-4D97-AF65-F5344CB8AC3E}">
-        <p14:creationId xmlns:p14="http://schemas.microsoft.com/office/powerpoint/2010/main" val="3214751996"/>
-      </p:ext>
-    </p:extLst>
-  </p:cSld>
-  <p:clrMapOvr>
-    <a:masterClrMapping/>
-  </p:clrMapOvr>
-</p:sld>
-</file>
-
 <file path=ppt/slides/slide19.xml><?xml version="1.0" encoding="utf-8"?>
-<p:sld xmlns:a="http://schemas.openxmlformats.org/drawingml/2006/main" xmlns:r="http://schemas.openxmlformats.org/officeDocument/2006/relationships" xmlns:p="http://schemas.openxmlformats.org/presentationml/2006/main">
-  <p:cSld>
-    <p:spTree>
-      <p:nvGrpSpPr>
-        <p:cNvPr id="1" name=""/>
-        <p:cNvGrpSpPr/>
-        <p:nvPr/>
-      </p:nvGrpSpPr>
-      <p:grpSpPr>
-        <a:xfrm>
-          <a:off x="0" y="0"/>
-          <a:ext cx="0" cy="0"/>
-          <a:chOff x="0" y="0"/>
-          <a:chExt cx="0" cy="0"/>
-        </a:xfrm>
-      </p:grpSpPr>
-      <p:sp>
-        <p:nvSpPr>
-          <p:cNvPr id="3" name="Title 2">
-            <a:extLst>
-              <a:ext uri="{FF2B5EF4-FFF2-40B4-BE49-F238E27FC236}">
-                <a16:creationId xmlns:a16="http://schemas.microsoft.com/office/drawing/2014/main" id="{EFC0B542-4DDF-418B-8096-095E6A9A8D30}"/>
-              </a:ext>
-            </a:extLst>
-          </p:cNvPr>
-          <p:cNvSpPr>
-            <a:spLocks noGrp="1"/>
-          </p:cNvSpPr>
-          <p:nvPr>
-            <p:ph type="title"/>
-          </p:nvPr>
-        </p:nvSpPr>
-        <p:spPr/>
-        <p:txBody>
-          <a:bodyPr/>
-          <a:lstStyle/>
-          <a:p>
-            <a:r>
-              <a:rPr lang="en-US" dirty="0"/>
-              <a:t>Docker Swarm (2)</a:t>
-            </a:r>
-          </a:p>
-        </p:txBody>
-      </p:sp>
-      <p:sp>
-        <p:nvSpPr>
-          <p:cNvPr id="16" name="TextBox 15">
-            <a:extLst>
-              <a:ext uri="{FF2B5EF4-FFF2-40B4-BE49-F238E27FC236}">
-                <a16:creationId xmlns:a16="http://schemas.microsoft.com/office/drawing/2014/main" id="{B0D33885-F664-49B1-8D73-DD4529C79D21}"/>
-              </a:ext>
-            </a:extLst>
-          </p:cNvPr>
-          <p:cNvSpPr txBox="1"/>
-          <p:nvPr/>
-        </p:nvSpPr>
-        <p:spPr>
-          <a:xfrm>
-            <a:off x="163285" y="1136418"/>
-            <a:ext cx="4365171" cy="646331"/>
-          </a:xfrm>
-          <a:prstGeom prst="rect">
-            <a:avLst/>
-          </a:prstGeom>
-          <a:noFill/>
-        </p:spPr>
-        <p:txBody>
-          <a:bodyPr wrap="square" rtlCol="0">
-            <a:spAutoFit/>
-          </a:bodyPr>
-          <a:lstStyle/>
-          <a:p>
-            <a:pPr marL="285750" indent="-285750">
-              <a:buFont typeface="Wingdings" panose="05000000000000000000" pitchFamily="2" charset="2"/>
-              <a:buChar char="q"/>
-            </a:pPr>
-            <a:endParaRPr lang="en-US" dirty="0"/>
-          </a:p>
-          <a:p>
-            <a:pPr marL="742950" lvl="1" indent="-285750">
-              <a:buFont typeface="Wingdings" panose="05000000000000000000" pitchFamily="2" charset="2"/>
-              <a:buChar char="§"/>
-            </a:pPr>
-            <a:endParaRPr lang="en-US" dirty="0"/>
-          </a:p>
-        </p:txBody>
-      </p:sp>
-      <p:sp>
-        <p:nvSpPr>
-          <p:cNvPr id="14" name="TextBox 13">
-            <a:extLst>
-              <a:ext uri="{FF2B5EF4-FFF2-40B4-BE49-F238E27FC236}">
-                <a16:creationId xmlns:a16="http://schemas.microsoft.com/office/drawing/2014/main" id="{23967603-8D5C-41C7-BA0D-EB9313F28F30}"/>
-              </a:ext>
-            </a:extLst>
-          </p:cNvPr>
-          <p:cNvSpPr txBox="1"/>
-          <p:nvPr/>
-        </p:nvSpPr>
-        <p:spPr>
-          <a:xfrm>
-            <a:off x="163285" y="6090382"/>
-            <a:ext cx="7255154" cy="646331"/>
-          </a:xfrm>
-          <a:prstGeom prst="rect">
-            <a:avLst/>
-          </a:prstGeom>
-          <a:noFill/>
-        </p:spPr>
-        <p:txBody>
-          <a:bodyPr wrap="square" rtlCol="0">
-            <a:spAutoFit/>
-          </a:bodyPr>
-          <a:lstStyle/>
-          <a:p>
-            <a:r>
-              <a:rPr lang="en-US" sz="1200" dirty="0">
-                <a:solidFill>
-                  <a:srgbClr val="FF0000"/>
-                </a:solidFill>
-              </a:rPr>
-              <a:t>Ref</a:t>
-            </a:r>
-            <a:r>
-              <a:rPr lang="en-US" sz="1200" dirty="0"/>
-              <a:t>:</a:t>
-            </a:r>
-          </a:p>
-          <a:p>
-            <a:r>
-              <a:rPr lang="en-US" sz="1200" dirty="0">
-                <a:hlinkClick r:id="rId3"/>
-              </a:rPr>
-              <a:t>https://xuanthulab.net/chia-se-du-lieu-giua-docker-host-va-container.html</a:t>
-            </a:r>
-            <a:endParaRPr lang="en-US" sz="1200" dirty="0"/>
-          </a:p>
-          <a:p>
-            <a:r>
-              <a:rPr lang="en-US" sz="1200" dirty="0">
-                <a:solidFill>
-                  <a:schemeClr val="accent1"/>
-                </a:solidFill>
-              </a:rPr>
-              <a:t>https://docs.docker.com/engine/swarm/key-concepts/</a:t>
-            </a:r>
-          </a:p>
-        </p:txBody>
-      </p:sp>
-      <p:sp>
-        <p:nvSpPr>
-          <p:cNvPr id="6" name="TextBox 5">
-            <a:extLst>
-              <a:ext uri="{FF2B5EF4-FFF2-40B4-BE49-F238E27FC236}">
-                <a16:creationId xmlns:a16="http://schemas.microsoft.com/office/drawing/2014/main" id="{A7CACC87-D5FD-426C-849A-2A51BF08A26C}"/>
-              </a:ext>
-            </a:extLst>
-          </p:cNvPr>
-          <p:cNvSpPr txBox="1"/>
-          <p:nvPr/>
-        </p:nvSpPr>
-        <p:spPr>
-          <a:xfrm>
-            <a:off x="457200" y="987000"/>
-            <a:ext cx="10858500" cy="3693319"/>
-          </a:xfrm>
-          <a:prstGeom prst="rect">
-            <a:avLst/>
-          </a:prstGeom>
-          <a:noFill/>
-          <a:ln>
-            <a:solidFill>
-              <a:schemeClr val="tx2">
-                <a:lumMod val="20000"/>
-                <a:lumOff val="80000"/>
-              </a:schemeClr>
-            </a:solidFill>
-          </a:ln>
-        </p:spPr>
-        <p:txBody>
-          <a:bodyPr wrap="square" rtlCol="0">
-            <a:spAutoFit/>
-          </a:bodyPr>
-          <a:lstStyle/>
-          <a:p>
-            <a:pPr marL="285750" indent="-285750">
-              <a:buFont typeface="Wingdings" panose="05000000000000000000" pitchFamily="2" charset="2"/>
-              <a:buChar char="q"/>
-            </a:pPr>
-            <a:r>
-              <a:rPr lang="en-US" dirty="0"/>
-              <a:t>Feature highlights:</a:t>
-            </a:r>
-          </a:p>
-          <a:p>
-            <a:pPr marL="742950" lvl="1" indent="-285750">
-              <a:buFont typeface="Wingdings" panose="05000000000000000000" pitchFamily="2" charset="2"/>
-              <a:buChar char="§"/>
-            </a:pPr>
-            <a:r>
-              <a:rPr lang="en-US" dirty="0"/>
-              <a:t>Cluster management integrated</a:t>
-            </a:r>
-          </a:p>
-          <a:p>
-            <a:pPr marL="742950" lvl="1" indent="-285750">
-              <a:buFont typeface="Wingdings" panose="05000000000000000000" pitchFamily="2" charset="2"/>
-              <a:buChar char="§"/>
-            </a:pPr>
-            <a:r>
-              <a:rPr lang="en-US" dirty="0"/>
-              <a:t>Decentralized design</a:t>
-            </a:r>
-          </a:p>
-          <a:p>
-            <a:pPr marL="742950" lvl="1" indent="-285750">
-              <a:buFont typeface="Wingdings" panose="05000000000000000000" pitchFamily="2" charset="2"/>
-              <a:buChar char="§"/>
-            </a:pPr>
-            <a:r>
-              <a:rPr lang="en-US" dirty="0"/>
-              <a:t>Declarative service model</a:t>
-            </a:r>
-          </a:p>
-          <a:p>
-            <a:pPr marL="742950" lvl="1" indent="-285750">
-              <a:buFont typeface="Wingdings" panose="05000000000000000000" pitchFamily="2" charset="2"/>
-              <a:buChar char="§"/>
-            </a:pPr>
-            <a:r>
-              <a:rPr lang="en-US" dirty="0"/>
-              <a:t>Scaling</a:t>
-            </a:r>
-          </a:p>
-          <a:p>
-            <a:pPr marL="742950" lvl="1" indent="-285750">
-              <a:buFont typeface="Wingdings" panose="05000000000000000000" pitchFamily="2" charset="2"/>
-              <a:buChar char="§"/>
-            </a:pPr>
-            <a:r>
-              <a:rPr lang="en-US" dirty="0"/>
-              <a:t>Desired state reconciliation</a:t>
-            </a:r>
-          </a:p>
-          <a:p>
-            <a:pPr marL="742950" lvl="1" indent="-285750">
-              <a:buFont typeface="Wingdings" panose="05000000000000000000" pitchFamily="2" charset="2"/>
-              <a:buChar char="§"/>
-            </a:pPr>
-            <a:r>
-              <a:rPr lang="en-US" dirty="0"/>
-              <a:t>Multi-host networking</a:t>
-            </a:r>
-          </a:p>
-          <a:p>
-            <a:pPr marL="742950" lvl="1" indent="-285750">
-              <a:buFont typeface="Wingdings" panose="05000000000000000000" pitchFamily="2" charset="2"/>
-              <a:buChar char="§"/>
-            </a:pPr>
-            <a:r>
-              <a:rPr lang="en-US" dirty="0"/>
-              <a:t>Service discovery</a:t>
-            </a:r>
-          </a:p>
-          <a:p>
-            <a:pPr marL="742950" lvl="1" indent="-285750">
-              <a:buFont typeface="Wingdings" panose="05000000000000000000" pitchFamily="2" charset="2"/>
-              <a:buChar char="§"/>
-            </a:pPr>
-            <a:r>
-              <a:rPr lang="en-US" dirty="0"/>
-              <a:t>Load balancing </a:t>
-            </a:r>
-          </a:p>
-          <a:p>
-            <a:pPr marL="742950" lvl="1" indent="-285750">
-              <a:buFont typeface="Wingdings" panose="05000000000000000000" pitchFamily="2" charset="2"/>
-              <a:buChar char="§"/>
-            </a:pPr>
-            <a:r>
-              <a:rPr lang="en-US" dirty="0"/>
-              <a:t>Secure by default </a:t>
-            </a:r>
-          </a:p>
-          <a:p>
-            <a:pPr marL="742950" lvl="1" indent="-285750">
-              <a:buFont typeface="Wingdings" panose="05000000000000000000" pitchFamily="2" charset="2"/>
-              <a:buChar char="§"/>
-            </a:pPr>
-            <a:r>
-              <a:rPr lang="en-US" dirty="0"/>
-              <a:t>Rolling updates</a:t>
-            </a:r>
-          </a:p>
-          <a:p>
-            <a:pPr marL="742950" lvl="1" indent="-285750">
-              <a:buFont typeface="Wingdings" panose="05000000000000000000" pitchFamily="2" charset="2"/>
-              <a:buChar char="§"/>
-            </a:pPr>
-            <a:endParaRPr lang="en-US" dirty="0"/>
-          </a:p>
-          <a:p>
-            <a:pPr marL="742950" lvl="1" indent="-285750">
-              <a:buFont typeface="Wingdings" panose="05000000000000000000" pitchFamily="2" charset="2"/>
-              <a:buChar char="§"/>
-            </a:pPr>
-            <a:endParaRPr lang="en-US" dirty="0"/>
-          </a:p>
-        </p:txBody>
-      </p:sp>
-    </p:spTree>
-    <p:extLst>
-      <p:ext uri="{BB962C8B-B14F-4D97-AF65-F5344CB8AC3E}">
-        <p14:creationId xmlns:p14="http://schemas.microsoft.com/office/powerpoint/2010/main" val="116699243"/>
-      </p:ext>
-    </p:extLst>
-  </p:cSld>
-  <p:clrMapOvr>
-    <a:masterClrMapping/>
-  </p:clrMapOvr>
-</p:sld>
-</file>
-
-<file path=ppt/slides/slide2.xml><?xml version="1.0" encoding="utf-8"?>
-<p:sld xmlns:a="http://schemas.openxmlformats.org/drawingml/2006/main" xmlns:r="http://schemas.openxmlformats.org/officeDocument/2006/relationships" xmlns:p="http://schemas.openxmlformats.org/presentationml/2006/main">
-  <p:cSld>
-    <p:spTree>
-      <p:nvGrpSpPr>
-        <p:cNvPr id="1" name=""/>
-        <p:cNvGrpSpPr/>
-        <p:nvPr/>
-      </p:nvGrpSpPr>
-      <p:grpSpPr>
-        <a:xfrm>
-          <a:off x="0" y="0"/>
-          <a:ext cx="0" cy="0"/>
-          <a:chOff x="0" y="0"/>
-          <a:chExt cx="0" cy="0"/>
-        </a:xfrm>
-      </p:grpSpPr>
-      <p:sp>
-        <p:nvSpPr>
-          <p:cNvPr id="30" name="テキスト プレースホルダー 29"/>
-          <p:cNvSpPr>
-            <a:spLocks noGrp="1"/>
-          </p:cNvSpPr>
-          <p:nvPr>
-            <p:ph type="body" sz="quarter" idx="12"/>
-          </p:nvPr>
-        </p:nvSpPr>
-        <p:spPr>
-          <a:xfrm>
-            <a:off x="1320800" y="1259189"/>
-            <a:ext cx="8605864" cy="627851"/>
-          </a:xfrm>
-        </p:spPr>
-        <p:txBody>
-          <a:bodyPr/>
-          <a:lstStyle/>
-          <a:p>
-            <a:r>
-              <a:rPr lang="en-US" altLang="ja-JP" dirty="0"/>
-              <a:t>Overview Docker</a:t>
-            </a:r>
-          </a:p>
-        </p:txBody>
-      </p:sp>
-      <p:sp>
-        <p:nvSpPr>
-          <p:cNvPr id="9" name="タイトル 8"/>
-          <p:cNvSpPr>
-            <a:spLocks noGrp="1"/>
-          </p:cNvSpPr>
-          <p:nvPr>
-            <p:ph type="title"/>
-          </p:nvPr>
-        </p:nvSpPr>
-        <p:spPr>
-          <a:xfrm>
-            <a:off x="463659" y="409459"/>
-            <a:ext cx="9315477" cy="396000"/>
-          </a:xfrm>
-        </p:spPr>
-        <p:txBody>
-          <a:bodyPr/>
-          <a:lstStyle/>
-          <a:p>
-            <a:r>
-              <a:rPr lang="en-US" altLang="ja-JP" dirty="0"/>
-              <a:t>Contents</a:t>
-            </a:r>
-            <a:endParaRPr lang="ja-JP" altLang="en-US" dirty="0"/>
-          </a:p>
-        </p:txBody>
-      </p:sp>
-      <p:sp>
-        <p:nvSpPr>
-          <p:cNvPr id="26" name="テキスト プレースホルダー 25"/>
-          <p:cNvSpPr>
-            <a:spLocks noGrp="1"/>
-          </p:cNvSpPr>
-          <p:nvPr>
-            <p:ph type="body" sz="quarter" idx="11"/>
-          </p:nvPr>
-        </p:nvSpPr>
-        <p:spPr>
-          <a:xfrm>
-            <a:off x="494519" y="1171537"/>
-            <a:ext cx="709613" cy="738664"/>
-          </a:xfrm>
-        </p:spPr>
-        <p:txBody>
-          <a:bodyPr/>
-          <a:lstStyle/>
-          <a:p>
-            <a:r>
-              <a:rPr lang="en-US" altLang="ja-JP" dirty="0"/>
-              <a:t>01</a:t>
-            </a:r>
-            <a:endParaRPr lang="ja-JP" altLang="en-US" dirty="0"/>
-          </a:p>
-        </p:txBody>
-      </p:sp>
-      <p:sp>
-        <p:nvSpPr>
-          <p:cNvPr id="2" name="テキスト プレースホルダー 1"/>
-          <p:cNvSpPr>
-            <a:spLocks noGrp="1"/>
-          </p:cNvSpPr>
-          <p:nvPr>
-            <p:ph type="body" sz="quarter" idx="13"/>
-          </p:nvPr>
-        </p:nvSpPr>
-        <p:spPr>
-          <a:xfrm>
-            <a:off x="1320800" y="2324689"/>
-            <a:ext cx="8605864" cy="627851"/>
-          </a:xfrm>
-        </p:spPr>
-        <p:txBody>
-          <a:bodyPr/>
-          <a:lstStyle/>
-          <a:p>
-            <a:r>
-              <a:rPr lang="en-US" altLang="ja-JP" dirty="0">
-                <a:solidFill>
-                  <a:schemeClr val="bg1">
-                    <a:lumMod val="75000"/>
-                  </a:schemeClr>
-                </a:solidFill>
-              </a:rPr>
-              <a:t>Overview Kubernetes</a:t>
-            </a:r>
-          </a:p>
-        </p:txBody>
-      </p:sp>
-      <p:sp>
-        <p:nvSpPr>
-          <p:cNvPr id="6" name="テキスト プレースホルダー 5"/>
-          <p:cNvSpPr>
-            <a:spLocks noGrp="1"/>
-          </p:cNvSpPr>
-          <p:nvPr>
-            <p:ph type="body" sz="quarter" idx="14"/>
-          </p:nvPr>
-        </p:nvSpPr>
-        <p:spPr>
-          <a:xfrm>
-            <a:off x="494519" y="2235449"/>
-            <a:ext cx="709613" cy="738664"/>
-          </a:xfrm>
-        </p:spPr>
-        <p:txBody>
-          <a:bodyPr/>
-          <a:lstStyle/>
-          <a:p>
-            <a:r>
-              <a:rPr lang="en-US" altLang="ja-JP" dirty="0">
-                <a:solidFill>
-                  <a:schemeClr val="accent1">
-                    <a:lumMod val="40000"/>
-                    <a:lumOff val="60000"/>
-                  </a:schemeClr>
-                </a:solidFill>
-              </a:rPr>
-              <a:t>02</a:t>
-            </a:r>
-            <a:endParaRPr lang="ja-JP" altLang="en-US" dirty="0">
-              <a:solidFill>
-                <a:schemeClr val="accent1">
-                  <a:lumMod val="40000"/>
-                  <a:lumOff val="60000"/>
-                </a:schemeClr>
-              </a:solidFill>
-            </a:endParaRPr>
-          </a:p>
-        </p:txBody>
-      </p:sp>
-      <p:sp>
-        <p:nvSpPr>
-          <p:cNvPr id="8" name="テキスト プレースホルダー 7"/>
-          <p:cNvSpPr>
-            <a:spLocks noGrp="1"/>
-          </p:cNvSpPr>
-          <p:nvPr>
-            <p:ph type="body" sz="quarter" idx="15"/>
-          </p:nvPr>
-        </p:nvSpPr>
-        <p:spPr>
-          <a:xfrm>
-            <a:off x="1320800" y="3390189"/>
-            <a:ext cx="8605864" cy="627851"/>
-          </a:xfrm>
-        </p:spPr>
-        <p:txBody>
-          <a:bodyPr/>
-          <a:lstStyle/>
-          <a:p>
-            <a:r>
-              <a:rPr lang="en-US" altLang="ja-JP" dirty="0">
-                <a:solidFill>
-                  <a:schemeClr val="bg1">
-                    <a:lumMod val="75000"/>
-                  </a:schemeClr>
-                </a:solidFill>
-              </a:rPr>
-              <a:t>Case study 1 – WESOpt project</a:t>
-            </a:r>
-          </a:p>
-        </p:txBody>
-      </p:sp>
-      <p:sp>
-        <p:nvSpPr>
-          <p:cNvPr id="13" name="テキスト プレースホルダー 12"/>
-          <p:cNvSpPr>
-            <a:spLocks noGrp="1"/>
-          </p:cNvSpPr>
-          <p:nvPr>
-            <p:ph type="body" sz="quarter" idx="16"/>
-          </p:nvPr>
-        </p:nvSpPr>
-        <p:spPr>
-          <a:xfrm>
-            <a:off x="494519" y="3299361"/>
-            <a:ext cx="709613" cy="738664"/>
-          </a:xfrm>
-        </p:spPr>
-        <p:txBody>
-          <a:bodyPr/>
-          <a:lstStyle/>
-          <a:p>
-            <a:r>
-              <a:rPr lang="en-US" altLang="ja-JP" dirty="0">
-                <a:solidFill>
-                  <a:schemeClr val="accent1">
-                    <a:lumMod val="40000"/>
-                    <a:lumOff val="60000"/>
-                  </a:schemeClr>
-                </a:solidFill>
-              </a:rPr>
-              <a:t>03</a:t>
-            </a:r>
-            <a:endParaRPr lang="ja-JP" altLang="en-US" dirty="0">
-              <a:solidFill>
-                <a:schemeClr val="accent1">
-                  <a:lumMod val="40000"/>
-                  <a:lumOff val="60000"/>
-                </a:schemeClr>
-              </a:solidFill>
-            </a:endParaRPr>
-          </a:p>
-        </p:txBody>
-      </p:sp>
-      <p:sp>
-        <p:nvSpPr>
-          <p:cNvPr id="14" name="Text Placeholder 13">
-            <a:extLst>
-              <a:ext uri="{FF2B5EF4-FFF2-40B4-BE49-F238E27FC236}">
-                <a16:creationId xmlns:a16="http://schemas.microsoft.com/office/drawing/2014/main" id="{B36785E3-3B18-4CF4-95F4-9DF7A73C72D9}"/>
-              </a:ext>
-            </a:extLst>
-          </p:cNvPr>
-          <p:cNvSpPr>
-            <a:spLocks noGrp="1"/>
-          </p:cNvSpPr>
-          <p:nvPr>
-            <p:ph type="body" sz="quarter" idx="17"/>
-          </p:nvPr>
-        </p:nvSpPr>
-        <p:spPr/>
-        <p:txBody>
-          <a:bodyPr/>
-          <a:lstStyle/>
-          <a:p>
-            <a:r>
-              <a:rPr lang="en-US" altLang="ja-JP" dirty="0">
-                <a:solidFill>
-                  <a:schemeClr val="bg1">
-                    <a:lumMod val="75000"/>
-                  </a:schemeClr>
-                </a:solidFill>
-              </a:rPr>
-              <a:t>Case study 2 – MIA project</a:t>
-            </a:r>
-          </a:p>
-        </p:txBody>
-      </p:sp>
-      <p:sp>
-        <p:nvSpPr>
-          <p:cNvPr id="15" name="Text Placeholder 14">
-            <a:extLst>
-              <a:ext uri="{FF2B5EF4-FFF2-40B4-BE49-F238E27FC236}">
-                <a16:creationId xmlns:a16="http://schemas.microsoft.com/office/drawing/2014/main" id="{9A86F706-E817-4474-8097-AE9E3D3348AB}"/>
-              </a:ext>
-            </a:extLst>
-          </p:cNvPr>
-          <p:cNvSpPr>
-            <a:spLocks noGrp="1"/>
-          </p:cNvSpPr>
-          <p:nvPr>
-            <p:ph type="body" sz="quarter" idx="18"/>
-          </p:nvPr>
-        </p:nvSpPr>
-        <p:spPr/>
-        <p:txBody>
-          <a:bodyPr/>
-          <a:lstStyle/>
-          <a:p>
-            <a:r>
-              <a:rPr lang="en-US" dirty="0">
-                <a:solidFill>
-                  <a:schemeClr val="accent1">
-                    <a:lumMod val="40000"/>
-                    <a:lumOff val="60000"/>
-                  </a:schemeClr>
-                </a:solidFill>
-              </a:rPr>
-              <a:t>04</a:t>
-            </a:r>
-          </a:p>
-        </p:txBody>
-      </p:sp>
-      <p:sp>
-        <p:nvSpPr>
-          <p:cNvPr id="16" name="Text Placeholder 15">
-            <a:extLst>
-              <a:ext uri="{FF2B5EF4-FFF2-40B4-BE49-F238E27FC236}">
-                <a16:creationId xmlns:a16="http://schemas.microsoft.com/office/drawing/2014/main" id="{507E1C27-46D0-47D4-BB68-32AE71E61784}"/>
-              </a:ext>
-            </a:extLst>
-          </p:cNvPr>
-          <p:cNvSpPr>
-            <a:spLocks noGrp="1"/>
-          </p:cNvSpPr>
-          <p:nvPr>
-            <p:ph type="body" sz="quarter" idx="19"/>
-          </p:nvPr>
-        </p:nvSpPr>
-        <p:spPr/>
-        <p:txBody>
-          <a:bodyPr/>
-          <a:lstStyle/>
-          <a:p>
-            <a:r>
-              <a:rPr lang="en-US" dirty="0">
-                <a:solidFill>
-                  <a:schemeClr val="bg1">
-                    <a:lumMod val="75000"/>
-                  </a:schemeClr>
-                </a:solidFill>
-              </a:rPr>
-              <a:t>Next direction</a:t>
-            </a:r>
-          </a:p>
-        </p:txBody>
-      </p:sp>
-      <p:sp>
-        <p:nvSpPr>
-          <p:cNvPr id="17" name="Text Placeholder 16">
-            <a:extLst>
-              <a:ext uri="{FF2B5EF4-FFF2-40B4-BE49-F238E27FC236}">
-                <a16:creationId xmlns:a16="http://schemas.microsoft.com/office/drawing/2014/main" id="{9BC29A39-5ED1-4C60-809E-E1CC84C99AD2}"/>
-              </a:ext>
-            </a:extLst>
-          </p:cNvPr>
-          <p:cNvSpPr>
-            <a:spLocks noGrp="1"/>
-          </p:cNvSpPr>
-          <p:nvPr>
-            <p:ph type="body" sz="quarter" idx="20"/>
-          </p:nvPr>
-        </p:nvSpPr>
-        <p:spPr/>
-        <p:txBody>
-          <a:bodyPr/>
-          <a:lstStyle/>
-          <a:p>
-            <a:r>
-              <a:rPr lang="en-US" dirty="0">
-                <a:solidFill>
-                  <a:schemeClr val="accent1">
-                    <a:lumMod val="40000"/>
-                    <a:lumOff val="60000"/>
-                  </a:schemeClr>
-                </a:solidFill>
-              </a:rPr>
-              <a:t>05</a:t>
-            </a:r>
-          </a:p>
-        </p:txBody>
-      </p:sp>
-    </p:spTree>
-    <p:extLst>
-      <p:ext uri="{BB962C8B-B14F-4D97-AF65-F5344CB8AC3E}">
-        <p14:creationId xmlns:p14="http://schemas.microsoft.com/office/powerpoint/2010/main" val="2954131969"/>
-      </p:ext>
-    </p:extLst>
-  </p:cSld>
-  <p:clrMapOvr>
-    <a:masterClrMapping/>
-  </p:clrMapOvr>
-</p:sld>
-</file>
-
-<file path=ppt/slides/slide20.xml><?xml version="1.0" encoding="utf-8"?>
-<p:sld xmlns:a="http://schemas.openxmlformats.org/drawingml/2006/main" xmlns:r="http://schemas.openxmlformats.org/officeDocument/2006/relationships" xmlns:p="http://schemas.openxmlformats.org/presentationml/2006/main">
-  <p:cSld>
-    <p:spTree>
-      <p:nvGrpSpPr>
-        <p:cNvPr id="1" name=""/>
-        <p:cNvGrpSpPr/>
-        <p:nvPr/>
-      </p:nvGrpSpPr>
-      <p:grpSpPr>
-        <a:xfrm>
-          <a:off x="0" y="0"/>
-          <a:ext cx="0" cy="0"/>
-          <a:chOff x="0" y="0"/>
-          <a:chExt cx="0" cy="0"/>
-        </a:xfrm>
-      </p:grpSpPr>
-      <p:sp>
-        <p:nvSpPr>
-          <p:cNvPr id="3" name="Title 2">
-            <a:extLst>
-              <a:ext uri="{FF2B5EF4-FFF2-40B4-BE49-F238E27FC236}">
-                <a16:creationId xmlns:a16="http://schemas.microsoft.com/office/drawing/2014/main" id="{EFC0B542-4DDF-418B-8096-095E6A9A8D30}"/>
-              </a:ext>
-            </a:extLst>
-          </p:cNvPr>
-          <p:cNvSpPr>
-            <a:spLocks noGrp="1"/>
-          </p:cNvSpPr>
-          <p:nvPr>
-            <p:ph type="title"/>
-          </p:nvPr>
-        </p:nvSpPr>
-        <p:spPr/>
-        <p:txBody>
-          <a:bodyPr/>
-          <a:lstStyle/>
-          <a:p>
-            <a:r>
-              <a:rPr lang="en-US" dirty="0"/>
-              <a:t>Deploying an app to a Swarm</a:t>
-            </a:r>
-          </a:p>
-        </p:txBody>
-      </p:sp>
-      <p:sp>
-        <p:nvSpPr>
-          <p:cNvPr id="16" name="TextBox 15">
-            <a:extLst>
-              <a:ext uri="{FF2B5EF4-FFF2-40B4-BE49-F238E27FC236}">
-                <a16:creationId xmlns:a16="http://schemas.microsoft.com/office/drawing/2014/main" id="{B0D33885-F664-49B1-8D73-DD4529C79D21}"/>
-              </a:ext>
-            </a:extLst>
-          </p:cNvPr>
-          <p:cNvSpPr txBox="1"/>
-          <p:nvPr/>
-        </p:nvSpPr>
-        <p:spPr>
-          <a:xfrm>
-            <a:off x="163285" y="1136418"/>
-            <a:ext cx="4365171" cy="646331"/>
-          </a:xfrm>
-          <a:prstGeom prst="rect">
-            <a:avLst/>
-          </a:prstGeom>
-          <a:noFill/>
-        </p:spPr>
-        <p:txBody>
-          <a:bodyPr wrap="square" rtlCol="0">
-            <a:spAutoFit/>
-          </a:bodyPr>
-          <a:lstStyle/>
-          <a:p>
-            <a:pPr marL="285750" indent="-285750">
-              <a:buFont typeface="Wingdings" panose="05000000000000000000" pitchFamily="2" charset="2"/>
-              <a:buChar char="q"/>
-            </a:pPr>
-            <a:endParaRPr lang="en-US" dirty="0"/>
-          </a:p>
-          <a:p>
-            <a:pPr marL="742950" lvl="1" indent="-285750">
-              <a:buFont typeface="Wingdings" panose="05000000000000000000" pitchFamily="2" charset="2"/>
-              <a:buChar char="§"/>
-            </a:pPr>
-            <a:endParaRPr lang="en-US" dirty="0"/>
-          </a:p>
-        </p:txBody>
-      </p:sp>
-      <p:sp>
-        <p:nvSpPr>
-          <p:cNvPr id="14" name="TextBox 13">
-            <a:extLst>
-              <a:ext uri="{FF2B5EF4-FFF2-40B4-BE49-F238E27FC236}">
-                <a16:creationId xmlns:a16="http://schemas.microsoft.com/office/drawing/2014/main" id="{23967603-8D5C-41C7-BA0D-EB9313F28F30}"/>
-              </a:ext>
-            </a:extLst>
-          </p:cNvPr>
-          <p:cNvSpPr txBox="1"/>
-          <p:nvPr/>
-        </p:nvSpPr>
-        <p:spPr>
-          <a:xfrm>
-            <a:off x="163285" y="6244318"/>
-            <a:ext cx="7209065" cy="646331"/>
-          </a:xfrm>
-          <a:prstGeom prst="rect">
-            <a:avLst/>
-          </a:prstGeom>
-          <a:noFill/>
-        </p:spPr>
-        <p:txBody>
-          <a:bodyPr wrap="square" rtlCol="0">
-            <a:spAutoFit/>
-          </a:bodyPr>
-          <a:lstStyle/>
-          <a:p>
-            <a:r>
-              <a:rPr lang="en-US" sz="1200" dirty="0">
-                <a:solidFill>
-                  <a:srgbClr val="FF0000"/>
-                </a:solidFill>
-              </a:rPr>
-              <a:t>Ref</a:t>
-            </a:r>
-            <a:r>
-              <a:rPr lang="en-US" sz="1200" dirty="0"/>
-              <a:t>: </a:t>
-            </a:r>
-          </a:p>
-          <a:p>
-            <a:r>
-              <a:rPr lang="en-US" sz="1200" dirty="0">
-                <a:hlinkClick r:id="rId3"/>
-              </a:rPr>
-              <a:t>https://docs.docker.com/engine/swarm/swarm-tutorial/create-swarm/</a:t>
-            </a:r>
-            <a:endParaRPr lang="en-US" sz="1200" dirty="0"/>
-          </a:p>
-          <a:p>
-            <a:r>
-              <a:rPr lang="en-US" sz="1200" dirty="0">
-                <a:solidFill>
-                  <a:schemeClr val="accent1"/>
-                </a:solidFill>
-              </a:rPr>
-              <a:t>https://github.com/docker/labs/blob/master/swarm-mode/beginner-tutorial/README.md</a:t>
-            </a:r>
-          </a:p>
-        </p:txBody>
-      </p:sp>
-      <p:sp>
-        <p:nvSpPr>
-          <p:cNvPr id="6" name="TextBox 5">
-            <a:extLst>
-              <a:ext uri="{FF2B5EF4-FFF2-40B4-BE49-F238E27FC236}">
-                <a16:creationId xmlns:a16="http://schemas.microsoft.com/office/drawing/2014/main" id="{A7CACC87-D5FD-426C-849A-2A51BF08A26C}"/>
-              </a:ext>
-            </a:extLst>
-          </p:cNvPr>
-          <p:cNvSpPr txBox="1"/>
-          <p:nvPr/>
-        </p:nvSpPr>
-        <p:spPr>
-          <a:xfrm>
-            <a:off x="457200" y="1167878"/>
-            <a:ext cx="10988566" cy="2308324"/>
-          </a:xfrm>
-          <a:prstGeom prst="rect">
-            <a:avLst/>
-          </a:prstGeom>
-          <a:noFill/>
-        </p:spPr>
-        <p:txBody>
-          <a:bodyPr wrap="square" rtlCol="0">
-            <a:spAutoFit/>
-          </a:bodyPr>
-          <a:lstStyle/>
-          <a:p>
-            <a:pPr marL="285750" indent="-285750">
-              <a:buFont typeface="Wingdings" panose="05000000000000000000" pitchFamily="2" charset="2"/>
-              <a:buChar char="q"/>
-            </a:pPr>
-            <a:r>
-              <a:rPr lang="en-US" dirty="0"/>
-              <a:t>Share data between host to container</a:t>
-            </a:r>
-          </a:p>
-          <a:p>
-            <a:endParaRPr lang="en-US" dirty="0"/>
-          </a:p>
-          <a:p>
-            <a:endParaRPr lang="en-US" dirty="0"/>
-          </a:p>
-          <a:p>
-            <a:pPr marL="285750" indent="-285750">
-              <a:buFont typeface="Wingdings" panose="05000000000000000000" pitchFamily="2" charset="2"/>
-              <a:buChar char="q"/>
-            </a:pPr>
-            <a:r>
-              <a:rPr lang="en-US" dirty="0"/>
-              <a:t>Share data between containers (assume container_1 mounted with Host):</a:t>
-            </a:r>
-          </a:p>
-          <a:p>
-            <a:pPr marL="285750" indent="-285750">
-              <a:buFont typeface="Wingdings" panose="05000000000000000000" pitchFamily="2" charset="2"/>
-              <a:buChar char="q"/>
-            </a:pPr>
-            <a:endParaRPr lang="en-US" dirty="0"/>
-          </a:p>
-          <a:p>
-            <a:pPr marL="285750" indent="-285750">
-              <a:buFont typeface="Wingdings" panose="05000000000000000000" pitchFamily="2" charset="2"/>
-              <a:buChar char="q"/>
-            </a:pPr>
-            <a:endParaRPr lang="en-US" dirty="0"/>
-          </a:p>
-          <a:p>
-            <a:pPr marL="285750" indent="-285750">
-              <a:buFont typeface="Wingdings" panose="05000000000000000000" pitchFamily="2" charset="2"/>
-              <a:buChar char="q"/>
-            </a:pPr>
-            <a:r>
-              <a:rPr lang="en-US" dirty="0"/>
-              <a:t>Manager outside disk with docker</a:t>
-            </a:r>
-          </a:p>
-          <a:p>
-            <a:endParaRPr lang="en-US" dirty="0"/>
-          </a:p>
-        </p:txBody>
-      </p:sp>
-      <p:sp>
-        <p:nvSpPr>
-          <p:cNvPr id="8" name="Rectangle 7">
-            <a:extLst>
-              <a:ext uri="{FF2B5EF4-FFF2-40B4-BE49-F238E27FC236}">
-                <a16:creationId xmlns:a16="http://schemas.microsoft.com/office/drawing/2014/main" id="{8834D028-3990-450E-A4CD-8CB239AAC38D}"/>
-              </a:ext>
-            </a:extLst>
-          </p:cNvPr>
-          <p:cNvSpPr/>
-          <p:nvPr/>
-        </p:nvSpPr>
-        <p:spPr>
-          <a:xfrm>
-            <a:off x="959310" y="1583892"/>
-            <a:ext cx="8995851" cy="368300"/>
-          </a:xfrm>
-          <a:prstGeom prst="rect">
-            <a:avLst/>
-          </a:prstGeom>
-          <a:solidFill>
-            <a:schemeClr val="bg1">
-              <a:lumMod val="95000"/>
-            </a:schemeClr>
-          </a:solidFill>
-        </p:spPr>
-        <p:style>
-          <a:lnRef idx="2">
-            <a:schemeClr val="accent1">
-              <a:shade val="50000"/>
-            </a:schemeClr>
-          </a:lnRef>
-          <a:fillRef idx="1">
-            <a:schemeClr val="accent1"/>
-          </a:fillRef>
-          <a:effectRef idx="0">
-            <a:schemeClr val="accent1"/>
-          </a:effectRef>
-          <a:fontRef idx="minor">
-            <a:schemeClr val="lt1"/>
-          </a:fontRef>
-        </p:style>
-        <p:txBody>
-          <a:bodyPr rtlCol="0" anchor="ctr"/>
-          <a:lstStyle/>
-          <a:p>
-            <a:r>
-              <a:rPr lang="en-US" sz="1600" dirty="0">
-                <a:solidFill>
-                  <a:schemeClr val="tx1"/>
-                </a:solidFill>
-                <a:latin typeface="Consolas" panose="020B0609020204030204" pitchFamily="49" charset="0"/>
-              </a:rPr>
-              <a:t>$ docker run -d –it –-name </a:t>
-            </a:r>
-            <a:r>
-              <a:rPr lang="en-US" sz="1600" i="1" dirty="0" err="1">
-                <a:solidFill>
-                  <a:schemeClr val="tx1"/>
-                </a:solidFill>
-                <a:latin typeface="Consolas" panose="020B0609020204030204" pitchFamily="49" charset="0"/>
-              </a:rPr>
-              <a:t>container_name</a:t>
-            </a:r>
-            <a:r>
-              <a:rPr lang="en-US" sz="1600" dirty="0">
-                <a:solidFill>
-                  <a:schemeClr val="tx1"/>
-                </a:solidFill>
-                <a:latin typeface="Consolas" panose="020B0609020204030204" pitchFamily="49" charset="0"/>
-              </a:rPr>
-              <a:t> –v </a:t>
-            </a:r>
-            <a:r>
-              <a:rPr lang="en-US" sz="1600" i="1" dirty="0" err="1">
-                <a:solidFill>
-                  <a:schemeClr val="tx1"/>
-                </a:solidFill>
-                <a:latin typeface="Consolas" panose="020B0609020204030204" pitchFamily="49" charset="0"/>
-              </a:rPr>
-              <a:t>path_host:path_cont</a:t>
-            </a:r>
-            <a:r>
-              <a:rPr lang="en-US" sz="1600" i="1" dirty="0">
-                <a:solidFill>
-                  <a:schemeClr val="tx1"/>
-                </a:solidFill>
-                <a:latin typeface="Consolas" panose="020B0609020204030204" pitchFamily="49" charset="0"/>
-              </a:rPr>
-              <a:t> </a:t>
-            </a:r>
-            <a:r>
-              <a:rPr lang="en-US" sz="1600" i="1" dirty="0" err="1">
-                <a:solidFill>
-                  <a:schemeClr val="tx1"/>
-                </a:solidFill>
-                <a:latin typeface="Consolas" panose="020B0609020204030204" pitchFamily="49" charset="0"/>
-              </a:rPr>
-              <a:t>image_id:TAG</a:t>
-            </a:r>
-            <a:endParaRPr lang="en-US" sz="1600" i="1" dirty="0">
-              <a:solidFill>
-                <a:schemeClr val="tx1"/>
-              </a:solidFill>
-              <a:latin typeface="Consolas" panose="020B0609020204030204" pitchFamily="49" charset="0"/>
-            </a:endParaRPr>
-          </a:p>
-        </p:txBody>
-      </p:sp>
-      <p:sp>
-        <p:nvSpPr>
-          <p:cNvPr id="12" name="Rectangle 11">
-            <a:extLst>
-              <a:ext uri="{FF2B5EF4-FFF2-40B4-BE49-F238E27FC236}">
-                <a16:creationId xmlns:a16="http://schemas.microsoft.com/office/drawing/2014/main" id="{AA15C1A6-57EA-44B4-AAA8-D124C7F663C9}"/>
-              </a:ext>
-            </a:extLst>
-          </p:cNvPr>
-          <p:cNvSpPr/>
-          <p:nvPr/>
-        </p:nvSpPr>
-        <p:spPr>
-          <a:xfrm>
-            <a:off x="959310" y="2420844"/>
-            <a:ext cx="8995851" cy="368300"/>
-          </a:xfrm>
-          <a:prstGeom prst="rect">
-            <a:avLst/>
-          </a:prstGeom>
-          <a:solidFill>
-            <a:schemeClr val="bg1">
-              <a:lumMod val="95000"/>
-            </a:schemeClr>
-          </a:solidFill>
-        </p:spPr>
-        <p:style>
-          <a:lnRef idx="2">
-            <a:schemeClr val="accent1">
-              <a:shade val="50000"/>
-            </a:schemeClr>
-          </a:lnRef>
-          <a:fillRef idx="1">
-            <a:schemeClr val="accent1"/>
-          </a:fillRef>
-          <a:effectRef idx="0">
-            <a:schemeClr val="accent1"/>
-          </a:effectRef>
-          <a:fontRef idx="minor">
-            <a:schemeClr val="lt1"/>
-          </a:fontRef>
-        </p:style>
-        <p:txBody>
-          <a:bodyPr rtlCol="0" anchor="ctr"/>
-          <a:lstStyle/>
-          <a:p>
-            <a:r>
-              <a:rPr lang="en-US" sz="1600" dirty="0">
-                <a:solidFill>
-                  <a:schemeClr val="tx1"/>
-                </a:solidFill>
-                <a:latin typeface="Consolas" panose="020B0609020204030204" pitchFamily="49" charset="0"/>
-              </a:rPr>
-              <a:t>$ docker run –it --</a:t>
-            </a:r>
-            <a:r>
-              <a:rPr lang="en-US" sz="1600" dirty="0" err="1">
-                <a:solidFill>
-                  <a:schemeClr val="tx1"/>
-                </a:solidFill>
-                <a:latin typeface="Consolas" panose="020B0609020204030204" pitchFamily="49" charset="0"/>
-              </a:rPr>
-              <a:t>volumns</a:t>
-            </a:r>
-            <a:r>
-              <a:rPr lang="en-US" sz="1600" dirty="0">
-                <a:solidFill>
-                  <a:schemeClr val="tx1"/>
-                </a:solidFill>
-                <a:latin typeface="Consolas" panose="020B0609020204030204" pitchFamily="49" charset="0"/>
-              </a:rPr>
-              <a:t>-from container_1 </a:t>
-            </a:r>
-            <a:r>
-              <a:rPr lang="en-US" sz="1600" dirty="0" err="1">
-                <a:solidFill>
-                  <a:schemeClr val="tx1"/>
-                </a:solidFill>
-                <a:latin typeface="Consolas" panose="020B0609020204030204" pitchFamily="49" charset="0"/>
-              </a:rPr>
-              <a:t>image_id:TAG</a:t>
-            </a:r>
-            <a:endParaRPr lang="en-US" sz="1600" dirty="0">
-              <a:solidFill>
-                <a:schemeClr val="tx1"/>
-              </a:solidFill>
-              <a:latin typeface="Consolas" panose="020B0609020204030204" pitchFamily="49" charset="0"/>
-            </a:endParaRPr>
-          </a:p>
-        </p:txBody>
-      </p:sp>
-    </p:spTree>
-    <p:extLst>
-      <p:ext uri="{BB962C8B-B14F-4D97-AF65-F5344CB8AC3E}">
-        <p14:creationId xmlns:p14="http://schemas.microsoft.com/office/powerpoint/2010/main" val="3711432682"/>
-      </p:ext>
-    </p:extLst>
-  </p:cSld>
-  <p:clrMapOvr>
-    <a:masterClrMapping/>
-  </p:clrMapOvr>
-</p:sld>
-</file>
-
-<file path=ppt/slides/slide21.xml><?xml version="1.0" encoding="utf-8"?>
 <p:sld xmlns:a="http://schemas.openxmlformats.org/drawingml/2006/main" xmlns:r="http://schemas.openxmlformats.org/officeDocument/2006/relationships" xmlns:p="http://schemas.openxmlformats.org/presentationml/2006/main">
   <p:cSld>
     <p:spTree>
@@ -15860,6 +14889,1077 @@
 </p:sld>
 </file>
 
+<file path=ppt/slides/slide2.xml><?xml version="1.0" encoding="utf-8"?>
+<p:sld xmlns:a="http://schemas.openxmlformats.org/drawingml/2006/main" xmlns:r="http://schemas.openxmlformats.org/officeDocument/2006/relationships" xmlns:p="http://schemas.openxmlformats.org/presentationml/2006/main">
+  <p:cSld>
+    <p:spTree>
+      <p:nvGrpSpPr>
+        <p:cNvPr id="1" name=""/>
+        <p:cNvGrpSpPr/>
+        <p:nvPr/>
+      </p:nvGrpSpPr>
+      <p:grpSpPr>
+        <a:xfrm>
+          <a:off x="0" y="0"/>
+          <a:ext cx="0" cy="0"/>
+          <a:chOff x="0" y="0"/>
+          <a:chExt cx="0" cy="0"/>
+        </a:xfrm>
+      </p:grpSpPr>
+      <p:sp>
+        <p:nvSpPr>
+          <p:cNvPr id="30" name="テキスト プレースホルダー 29"/>
+          <p:cNvSpPr>
+            <a:spLocks noGrp="1"/>
+          </p:cNvSpPr>
+          <p:nvPr>
+            <p:ph type="body" sz="quarter" idx="12"/>
+          </p:nvPr>
+        </p:nvSpPr>
+        <p:spPr>
+          <a:xfrm>
+            <a:off x="1320800" y="1259189"/>
+            <a:ext cx="8605864" cy="627851"/>
+          </a:xfrm>
+        </p:spPr>
+        <p:txBody>
+          <a:bodyPr/>
+          <a:lstStyle/>
+          <a:p>
+            <a:r>
+              <a:rPr lang="en-US" altLang="ja-JP" dirty="0"/>
+              <a:t>Overview Docker</a:t>
+            </a:r>
+          </a:p>
+        </p:txBody>
+      </p:sp>
+      <p:sp>
+        <p:nvSpPr>
+          <p:cNvPr id="9" name="タイトル 8"/>
+          <p:cNvSpPr>
+            <a:spLocks noGrp="1"/>
+          </p:cNvSpPr>
+          <p:nvPr>
+            <p:ph type="title"/>
+          </p:nvPr>
+        </p:nvSpPr>
+        <p:spPr>
+          <a:xfrm>
+            <a:off x="463659" y="409459"/>
+            <a:ext cx="9315477" cy="396000"/>
+          </a:xfrm>
+        </p:spPr>
+        <p:txBody>
+          <a:bodyPr/>
+          <a:lstStyle/>
+          <a:p>
+            <a:r>
+              <a:rPr lang="en-US" altLang="ja-JP" dirty="0"/>
+              <a:t>Contents</a:t>
+            </a:r>
+            <a:endParaRPr lang="ja-JP" altLang="en-US" dirty="0"/>
+          </a:p>
+        </p:txBody>
+      </p:sp>
+      <p:sp>
+        <p:nvSpPr>
+          <p:cNvPr id="26" name="テキスト プレースホルダー 25"/>
+          <p:cNvSpPr>
+            <a:spLocks noGrp="1"/>
+          </p:cNvSpPr>
+          <p:nvPr>
+            <p:ph type="body" sz="quarter" idx="11"/>
+          </p:nvPr>
+        </p:nvSpPr>
+        <p:spPr>
+          <a:xfrm>
+            <a:off x="494519" y="1171537"/>
+            <a:ext cx="709613" cy="738664"/>
+          </a:xfrm>
+        </p:spPr>
+        <p:txBody>
+          <a:bodyPr/>
+          <a:lstStyle/>
+          <a:p>
+            <a:r>
+              <a:rPr lang="en-US" altLang="ja-JP" dirty="0"/>
+              <a:t>01</a:t>
+            </a:r>
+            <a:endParaRPr lang="ja-JP" altLang="en-US" dirty="0"/>
+          </a:p>
+        </p:txBody>
+      </p:sp>
+      <p:sp>
+        <p:nvSpPr>
+          <p:cNvPr id="2" name="テキスト プレースホルダー 1"/>
+          <p:cNvSpPr>
+            <a:spLocks noGrp="1"/>
+          </p:cNvSpPr>
+          <p:nvPr>
+            <p:ph type="body" sz="quarter" idx="13"/>
+          </p:nvPr>
+        </p:nvSpPr>
+        <p:spPr>
+          <a:xfrm>
+            <a:off x="1320800" y="2324689"/>
+            <a:ext cx="8605864" cy="627851"/>
+          </a:xfrm>
+        </p:spPr>
+        <p:txBody>
+          <a:bodyPr/>
+          <a:lstStyle/>
+          <a:p>
+            <a:r>
+              <a:rPr lang="en-US" altLang="ja-JP" dirty="0">
+                <a:solidFill>
+                  <a:schemeClr val="bg1">
+                    <a:lumMod val="75000"/>
+                  </a:schemeClr>
+                </a:solidFill>
+              </a:rPr>
+              <a:t>Overview Kubernetes</a:t>
+            </a:r>
+          </a:p>
+        </p:txBody>
+      </p:sp>
+      <p:sp>
+        <p:nvSpPr>
+          <p:cNvPr id="6" name="テキスト プレースホルダー 5"/>
+          <p:cNvSpPr>
+            <a:spLocks noGrp="1"/>
+          </p:cNvSpPr>
+          <p:nvPr>
+            <p:ph type="body" sz="quarter" idx="14"/>
+          </p:nvPr>
+        </p:nvSpPr>
+        <p:spPr>
+          <a:xfrm>
+            <a:off x="494519" y="2235449"/>
+            <a:ext cx="709613" cy="738664"/>
+          </a:xfrm>
+        </p:spPr>
+        <p:txBody>
+          <a:bodyPr/>
+          <a:lstStyle/>
+          <a:p>
+            <a:r>
+              <a:rPr lang="en-US" altLang="ja-JP" dirty="0">
+                <a:solidFill>
+                  <a:schemeClr val="accent1">
+                    <a:lumMod val="40000"/>
+                    <a:lumOff val="60000"/>
+                  </a:schemeClr>
+                </a:solidFill>
+              </a:rPr>
+              <a:t>02</a:t>
+            </a:r>
+            <a:endParaRPr lang="ja-JP" altLang="en-US" dirty="0">
+              <a:solidFill>
+                <a:schemeClr val="accent1">
+                  <a:lumMod val="40000"/>
+                  <a:lumOff val="60000"/>
+                </a:schemeClr>
+              </a:solidFill>
+            </a:endParaRPr>
+          </a:p>
+        </p:txBody>
+      </p:sp>
+      <p:sp>
+        <p:nvSpPr>
+          <p:cNvPr id="8" name="テキスト プレースホルダー 7"/>
+          <p:cNvSpPr>
+            <a:spLocks noGrp="1"/>
+          </p:cNvSpPr>
+          <p:nvPr>
+            <p:ph type="body" sz="quarter" idx="15"/>
+          </p:nvPr>
+        </p:nvSpPr>
+        <p:spPr>
+          <a:xfrm>
+            <a:off x="1320800" y="3390189"/>
+            <a:ext cx="8605864" cy="627851"/>
+          </a:xfrm>
+        </p:spPr>
+        <p:txBody>
+          <a:bodyPr/>
+          <a:lstStyle/>
+          <a:p>
+            <a:r>
+              <a:rPr lang="en-US" altLang="ja-JP" dirty="0">
+                <a:solidFill>
+                  <a:schemeClr val="bg1">
+                    <a:lumMod val="75000"/>
+                  </a:schemeClr>
+                </a:solidFill>
+              </a:rPr>
+              <a:t>Case study 1 – WESOpt project</a:t>
+            </a:r>
+          </a:p>
+        </p:txBody>
+      </p:sp>
+      <p:sp>
+        <p:nvSpPr>
+          <p:cNvPr id="13" name="テキスト プレースホルダー 12"/>
+          <p:cNvSpPr>
+            <a:spLocks noGrp="1"/>
+          </p:cNvSpPr>
+          <p:nvPr>
+            <p:ph type="body" sz="quarter" idx="16"/>
+          </p:nvPr>
+        </p:nvSpPr>
+        <p:spPr>
+          <a:xfrm>
+            <a:off x="494519" y="3299361"/>
+            <a:ext cx="709613" cy="738664"/>
+          </a:xfrm>
+        </p:spPr>
+        <p:txBody>
+          <a:bodyPr/>
+          <a:lstStyle/>
+          <a:p>
+            <a:r>
+              <a:rPr lang="en-US" altLang="ja-JP" dirty="0">
+                <a:solidFill>
+                  <a:schemeClr val="accent1">
+                    <a:lumMod val="40000"/>
+                    <a:lumOff val="60000"/>
+                  </a:schemeClr>
+                </a:solidFill>
+              </a:rPr>
+              <a:t>03</a:t>
+            </a:r>
+            <a:endParaRPr lang="ja-JP" altLang="en-US" dirty="0">
+              <a:solidFill>
+                <a:schemeClr val="accent1">
+                  <a:lumMod val="40000"/>
+                  <a:lumOff val="60000"/>
+                </a:schemeClr>
+              </a:solidFill>
+            </a:endParaRPr>
+          </a:p>
+        </p:txBody>
+      </p:sp>
+      <p:sp>
+        <p:nvSpPr>
+          <p:cNvPr id="14" name="Text Placeholder 13">
+            <a:extLst>
+              <a:ext uri="{FF2B5EF4-FFF2-40B4-BE49-F238E27FC236}">
+                <a16:creationId xmlns:a16="http://schemas.microsoft.com/office/drawing/2014/main" id="{B36785E3-3B18-4CF4-95F4-9DF7A73C72D9}"/>
+              </a:ext>
+            </a:extLst>
+          </p:cNvPr>
+          <p:cNvSpPr>
+            <a:spLocks noGrp="1"/>
+          </p:cNvSpPr>
+          <p:nvPr>
+            <p:ph type="body" sz="quarter" idx="17"/>
+          </p:nvPr>
+        </p:nvSpPr>
+        <p:spPr/>
+        <p:txBody>
+          <a:bodyPr/>
+          <a:lstStyle/>
+          <a:p>
+            <a:r>
+              <a:rPr lang="en-US" altLang="ja-JP" dirty="0">
+                <a:solidFill>
+                  <a:schemeClr val="bg1">
+                    <a:lumMod val="75000"/>
+                  </a:schemeClr>
+                </a:solidFill>
+              </a:rPr>
+              <a:t>Case study 2 – MIA project</a:t>
+            </a:r>
+          </a:p>
+        </p:txBody>
+      </p:sp>
+      <p:sp>
+        <p:nvSpPr>
+          <p:cNvPr id="15" name="Text Placeholder 14">
+            <a:extLst>
+              <a:ext uri="{FF2B5EF4-FFF2-40B4-BE49-F238E27FC236}">
+                <a16:creationId xmlns:a16="http://schemas.microsoft.com/office/drawing/2014/main" id="{9A86F706-E817-4474-8097-AE9E3D3348AB}"/>
+              </a:ext>
+            </a:extLst>
+          </p:cNvPr>
+          <p:cNvSpPr>
+            <a:spLocks noGrp="1"/>
+          </p:cNvSpPr>
+          <p:nvPr>
+            <p:ph type="body" sz="quarter" idx="18"/>
+          </p:nvPr>
+        </p:nvSpPr>
+        <p:spPr/>
+        <p:txBody>
+          <a:bodyPr/>
+          <a:lstStyle/>
+          <a:p>
+            <a:r>
+              <a:rPr lang="en-US" dirty="0">
+                <a:solidFill>
+                  <a:schemeClr val="accent1">
+                    <a:lumMod val="40000"/>
+                    <a:lumOff val="60000"/>
+                  </a:schemeClr>
+                </a:solidFill>
+              </a:rPr>
+              <a:t>04</a:t>
+            </a:r>
+          </a:p>
+        </p:txBody>
+      </p:sp>
+      <p:sp>
+        <p:nvSpPr>
+          <p:cNvPr id="16" name="Text Placeholder 15">
+            <a:extLst>
+              <a:ext uri="{FF2B5EF4-FFF2-40B4-BE49-F238E27FC236}">
+                <a16:creationId xmlns:a16="http://schemas.microsoft.com/office/drawing/2014/main" id="{507E1C27-46D0-47D4-BB68-32AE71E61784}"/>
+              </a:ext>
+            </a:extLst>
+          </p:cNvPr>
+          <p:cNvSpPr>
+            <a:spLocks noGrp="1"/>
+          </p:cNvSpPr>
+          <p:nvPr>
+            <p:ph type="body" sz="quarter" idx="19"/>
+          </p:nvPr>
+        </p:nvSpPr>
+        <p:spPr/>
+        <p:txBody>
+          <a:bodyPr/>
+          <a:lstStyle/>
+          <a:p>
+            <a:r>
+              <a:rPr lang="en-US" dirty="0">
+                <a:solidFill>
+                  <a:schemeClr val="bg1">
+                    <a:lumMod val="75000"/>
+                  </a:schemeClr>
+                </a:solidFill>
+              </a:rPr>
+              <a:t>Next direction</a:t>
+            </a:r>
+          </a:p>
+        </p:txBody>
+      </p:sp>
+      <p:sp>
+        <p:nvSpPr>
+          <p:cNvPr id="17" name="Text Placeholder 16">
+            <a:extLst>
+              <a:ext uri="{FF2B5EF4-FFF2-40B4-BE49-F238E27FC236}">
+                <a16:creationId xmlns:a16="http://schemas.microsoft.com/office/drawing/2014/main" id="{9BC29A39-5ED1-4C60-809E-E1CC84C99AD2}"/>
+              </a:ext>
+            </a:extLst>
+          </p:cNvPr>
+          <p:cNvSpPr>
+            <a:spLocks noGrp="1"/>
+          </p:cNvSpPr>
+          <p:nvPr>
+            <p:ph type="body" sz="quarter" idx="20"/>
+          </p:nvPr>
+        </p:nvSpPr>
+        <p:spPr/>
+        <p:txBody>
+          <a:bodyPr/>
+          <a:lstStyle/>
+          <a:p>
+            <a:r>
+              <a:rPr lang="en-US" dirty="0">
+                <a:solidFill>
+                  <a:schemeClr val="accent1">
+                    <a:lumMod val="40000"/>
+                    <a:lumOff val="60000"/>
+                  </a:schemeClr>
+                </a:solidFill>
+              </a:rPr>
+              <a:t>05</a:t>
+            </a:r>
+          </a:p>
+        </p:txBody>
+      </p:sp>
+    </p:spTree>
+    <p:extLst>
+      <p:ext uri="{BB962C8B-B14F-4D97-AF65-F5344CB8AC3E}">
+        <p14:creationId xmlns:p14="http://schemas.microsoft.com/office/powerpoint/2010/main" val="2954131969"/>
+      </p:ext>
+    </p:extLst>
+  </p:cSld>
+  <p:clrMapOvr>
+    <a:masterClrMapping/>
+  </p:clrMapOvr>
+</p:sld>
+</file>
+
+<file path=ppt/slides/slide20.xml><?xml version="1.0" encoding="utf-8"?>
+<p:sld xmlns:a="http://schemas.openxmlformats.org/drawingml/2006/main" xmlns:r="http://schemas.openxmlformats.org/officeDocument/2006/relationships" xmlns:p="http://schemas.openxmlformats.org/presentationml/2006/main">
+  <p:cSld>
+    <p:spTree>
+      <p:nvGrpSpPr>
+        <p:cNvPr id="1" name=""/>
+        <p:cNvGrpSpPr/>
+        <p:nvPr/>
+      </p:nvGrpSpPr>
+      <p:grpSpPr>
+        <a:xfrm>
+          <a:off x="0" y="0"/>
+          <a:ext cx="0" cy="0"/>
+          <a:chOff x="0" y="0"/>
+          <a:chExt cx="0" cy="0"/>
+        </a:xfrm>
+      </p:grpSpPr>
+      <p:sp>
+        <p:nvSpPr>
+          <p:cNvPr id="3" name="Title 2">
+            <a:extLst>
+              <a:ext uri="{FF2B5EF4-FFF2-40B4-BE49-F238E27FC236}">
+                <a16:creationId xmlns:a16="http://schemas.microsoft.com/office/drawing/2014/main" id="{EFC0B542-4DDF-418B-8096-095E6A9A8D30}"/>
+              </a:ext>
+            </a:extLst>
+          </p:cNvPr>
+          <p:cNvSpPr>
+            <a:spLocks noGrp="1"/>
+          </p:cNvSpPr>
+          <p:nvPr>
+            <p:ph type="title"/>
+          </p:nvPr>
+        </p:nvSpPr>
+        <p:spPr/>
+        <p:txBody>
+          <a:bodyPr/>
+          <a:lstStyle/>
+          <a:p>
+            <a:r>
+              <a:rPr lang="en-US" dirty="0"/>
+              <a:t>Bridge networks</a:t>
+            </a:r>
+          </a:p>
+        </p:txBody>
+      </p:sp>
+      <p:sp>
+        <p:nvSpPr>
+          <p:cNvPr id="16" name="TextBox 15">
+            <a:extLst>
+              <a:ext uri="{FF2B5EF4-FFF2-40B4-BE49-F238E27FC236}">
+                <a16:creationId xmlns:a16="http://schemas.microsoft.com/office/drawing/2014/main" id="{B0D33885-F664-49B1-8D73-DD4529C79D21}"/>
+              </a:ext>
+            </a:extLst>
+          </p:cNvPr>
+          <p:cNvSpPr txBox="1"/>
+          <p:nvPr/>
+        </p:nvSpPr>
+        <p:spPr>
+          <a:xfrm>
+            <a:off x="163285" y="1003068"/>
+            <a:ext cx="11282481" cy="2585323"/>
+          </a:xfrm>
+          <a:prstGeom prst="rect">
+            <a:avLst/>
+          </a:prstGeom>
+          <a:noFill/>
+        </p:spPr>
+        <p:txBody>
+          <a:bodyPr wrap="square" rtlCol="0">
+            <a:spAutoFit/>
+          </a:bodyPr>
+          <a:lstStyle/>
+          <a:p>
+            <a:pPr marL="285750" indent="-285750">
+              <a:buFont typeface="Wingdings" panose="05000000000000000000" pitchFamily="2" charset="2"/>
+              <a:buChar char="q"/>
+            </a:pPr>
+            <a:r>
+              <a:rPr lang="en-US" dirty="0"/>
+              <a:t>Docker networking: establish communication between Docker containers and the outside world via the host machine</a:t>
+            </a:r>
+          </a:p>
+          <a:p>
+            <a:pPr marL="285750" indent="-285750">
+              <a:buFont typeface="Wingdings" panose="05000000000000000000" pitchFamily="2" charset="2"/>
+              <a:buChar char="q"/>
+            </a:pPr>
+            <a:r>
+              <a:rPr lang="en-US" dirty="0"/>
+              <a:t>Advantages of Docker Networking:</a:t>
+            </a:r>
+          </a:p>
+          <a:p>
+            <a:pPr marL="742950" lvl="1" indent="-285750">
+              <a:buFont typeface="Wingdings" panose="05000000000000000000" pitchFamily="2" charset="2"/>
+              <a:buChar char="§"/>
+            </a:pPr>
+            <a:r>
+              <a:rPr lang="en-US" dirty="0"/>
+              <a:t>They share a single operating system &amp; maintain containers in an isolated environment.</a:t>
+            </a:r>
+          </a:p>
+          <a:p>
+            <a:pPr marL="742950" lvl="1" indent="-285750">
+              <a:buFont typeface="Wingdings" panose="05000000000000000000" pitchFamily="2" charset="2"/>
+              <a:buChar char="§"/>
+            </a:pPr>
+            <a:r>
+              <a:rPr lang="en-US" dirty="0"/>
+              <a:t>Help in the fast to delivery of software</a:t>
+            </a:r>
+          </a:p>
+          <a:p>
+            <a:pPr marL="742950" lvl="1" indent="-285750">
+              <a:buFont typeface="Wingdings" panose="05000000000000000000" pitchFamily="2" charset="2"/>
+              <a:buChar char="§"/>
+            </a:pPr>
+            <a:r>
+              <a:rPr lang="en-US" dirty="0"/>
+              <a:t>Help in application portability</a:t>
+            </a:r>
+          </a:p>
+          <a:p>
+            <a:pPr marL="742950" lvl="1" indent="-285750">
+              <a:buFont typeface="Wingdings" panose="05000000000000000000" pitchFamily="2" charset="2"/>
+              <a:buChar char="§"/>
+            </a:pPr>
+            <a:endParaRPr lang="en-US" dirty="0"/>
+          </a:p>
+          <a:p>
+            <a:endParaRPr lang="en-US" dirty="0"/>
+          </a:p>
+          <a:p>
+            <a:pPr marL="742950" lvl="1" indent="-285750">
+              <a:buFont typeface="Wingdings" panose="05000000000000000000" pitchFamily="2" charset="2"/>
+              <a:buChar char="§"/>
+            </a:pPr>
+            <a:endParaRPr lang="en-US" dirty="0"/>
+          </a:p>
+        </p:txBody>
+      </p:sp>
+      <p:sp>
+        <p:nvSpPr>
+          <p:cNvPr id="14" name="TextBox 13">
+            <a:extLst>
+              <a:ext uri="{FF2B5EF4-FFF2-40B4-BE49-F238E27FC236}">
+                <a16:creationId xmlns:a16="http://schemas.microsoft.com/office/drawing/2014/main" id="{23967603-8D5C-41C7-BA0D-EB9313F28F30}"/>
+              </a:ext>
+            </a:extLst>
+          </p:cNvPr>
+          <p:cNvSpPr txBox="1"/>
+          <p:nvPr/>
+        </p:nvSpPr>
+        <p:spPr>
+          <a:xfrm>
+            <a:off x="139870" y="5907682"/>
+            <a:ext cx="7209065" cy="276999"/>
+          </a:xfrm>
+          <a:prstGeom prst="rect">
+            <a:avLst/>
+          </a:prstGeom>
+          <a:noFill/>
+        </p:spPr>
+        <p:txBody>
+          <a:bodyPr wrap="square" rtlCol="0">
+            <a:spAutoFit/>
+          </a:bodyPr>
+          <a:lstStyle/>
+          <a:p>
+            <a:endParaRPr lang="en-US" sz="1200" dirty="0">
+              <a:solidFill>
+                <a:schemeClr val="accent1"/>
+              </a:solidFill>
+            </a:endParaRPr>
+          </a:p>
+        </p:txBody>
+      </p:sp>
+    </p:spTree>
+    <p:extLst>
+      <p:ext uri="{BB962C8B-B14F-4D97-AF65-F5344CB8AC3E}">
+        <p14:creationId xmlns:p14="http://schemas.microsoft.com/office/powerpoint/2010/main" val="3425816110"/>
+      </p:ext>
+    </p:extLst>
+  </p:cSld>
+  <p:clrMapOvr>
+    <a:masterClrMapping/>
+  </p:clrMapOvr>
+</p:sld>
+</file>
+
+<file path=ppt/slides/slide21.xml><?xml version="1.0" encoding="utf-8"?>
+<p:sld xmlns:a="http://schemas.openxmlformats.org/drawingml/2006/main" xmlns:r="http://schemas.openxmlformats.org/officeDocument/2006/relationships" xmlns:p="http://schemas.openxmlformats.org/presentationml/2006/main">
+  <p:cSld>
+    <p:spTree>
+      <p:nvGrpSpPr>
+        <p:cNvPr id="1" name=""/>
+        <p:cNvGrpSpPr/>
+        <p:nvPr/>
+      </p:nvGrpSpPr>
+      <p:grpSpPr>
+        <a:xfrm>
+          <a:off x="0" y="0"/>
+          <a:ext cx="0" cy="0"/>
+          <a:chOff x="0" y="0"/>
+          <a:chExt cx="0" cy="0"/>
+        </a:xfrm>
+      </p:grpSpPr>
+      <p:sp>
+        <p:nvSpPr>
+          <p:cNvPr id="3" name="Title 2">
+            <a:extLst>
+              <a:ext uri="{FF2B5EF4-FFF2-40B4-BE49-F238E27FC236}">
+                <a16:creationId xmlns:a16="http://schemas.microsoft.com/office/drawing/2014/main" id="{EFC0B542-4DDF-418B-8096-095E6A9A8D30}"/>
+              </a:ext>
+            </a:extLst>
+          </p:cNvPr>
+          <p:cNvSpPr>
+            <a:spLocks noGrp="1"/>
+          </p:cNvSpPr>
+          <p:nvPr>
+            <p:ph type="title"/>
+          </p:nvPr>
+        </p:nvSpPr>
+        <p:spPr/>
+        <p:txBody>
+          <a:bodyPr/>
+          <a:lstStyle/>
+          <a:p>
+            <a:r>
+              <a:rPr lang="en-US" dirty="0"/>
+              <a:t>Docker Swarm (1)</a:t>
+            </a:r>
+          </a:p>
+        </p:txBody>
+      </p:sp>
+      <p:sp>
+        <p:nvSpPr>
+          <p:cNvPr id="16" name="TextBox 15">
+            <a:extLst>
+              <a:ext uri="{FF2B5EF4-FFF2-40B4-BE49-F238E27FC236}">
+                <a16:creationId xmlns:a16="http://schemas.microsoft.com/office/drawing/2014/main" id="{B0D33885-F664-49B1-8D73-DD4529C79D21}"/>
+              </a:ext>
+            </a:extLst>
+          </p:cNvPr>
+          <p:cNvSpPr txBox="1"/>
+          <p:nvPr/>
+        </p:nvSpPr>
+        <p:spPr>
+          <a:xfrm>
+            <a:off x="163285" y="1136418"/>
+            <a:ext cx="4365171" cy="646331"/>
+          </a:xfrm>
+          <a:prstGeom prst="rect">
+            <a:avLst/>
+          </a:prstGeom>
+          <a:noFill/>
+        </p:spPr>
+        <p:txBody>
+          <a:bodyPr wrap="square" rtlCol="0">
+            <a:spAutoFit/>
+          </a:bodyPr>
+          <a:lstStyle/>
+          <a:p>
+            <a:pPr marL="285750" indent="-285750">
+              <a:buFont typeface="Wingdings" panose="05000000000000000000" pitchFamily="2" charset="2"/>
+              <a:buChar char="q"/>
+            </a:pPr>
+            <a:endParaRPr lang="en-US" dirty="0"/>
+          </a:p>
+          <a:p>
+            <a:pPr marL="742950" lvl="1" indent="-285750">
+              <a:buFont typeface="Wingdings" panose="05000000000000000000" pitchFamily="2" charset="2"/>
+              <a:buChar char="§"/>
+            </a:pPr>
+            <a:endParaRPr lang="en-US" dirty="0"/>
+          </a:p>
+        </p:txBody>
+      </p:sp>
+      <p:sp>
+        <p:nvSpPr>
+          <p:cNvPr id="14" name="TextBox 13">
+            <a:extLst>
+              <a:ext uri="{FF2B5EF4-FFF2-40B4-BE49-F238E27FC236}">
+                <a16:creationId xmlns:a16="http://schemas.microsoft.com/office/drawing/2014/main" id="{23967603-8D5C-41C7-BA0D-EB9313F28F30}"/>
+              </a:ext>
+            </a:extLst>
+          </p:cNvPr>
+          <p:cNvSpPr txBox="1"/>
+          <p:nvPr/>
+        </p:nvSpPr>
+        <p:spPr>
+          <a:xfrm>
+            <a:off x="7355490" y="5650129"/>
+            <a:ext cx="4910731" cy="830997"/>
+          </a:xfrm>
+          <a:prstGeom prst="rect">
+            <a:avLst/>
+          </a:prstGeom>
+          <a:noFill/>
+        </p:spPr>
+        <p:txBody>
+          <a:bodyPr wrap="square" rtlCol="0">
+            <a:spAutoFit/>
+          </a:bodyPr>
+          <a:lstStyle/>
+          <a:p>
+            <a:r>
+              <a:rPr lang="en-US" sz="1200" dirty="0">
+                <a:solidFill>
+                  <a:srgbClr val="FF0000"/>
+                </a:solidFill>
+              </a:rPr>
+              <a:t>Ref</a:t>
+            </a:r>
+            <a:r>
+              <a:rPr lang="en-US" sz="1200" dirty="0"/>
+              <a:t>:</a:t>
+            </a:r>
+          </a:p>
+          <a:p>
+            <a:r>
+              <a:rPr lang="en-US" sz="1200" dirty="0">
+                <a:hlinkClick r:id="rId3"/>
+              </a:rPr>
+              <a:t>https://xuanthulab.net/chia-se-du-lieu-giua-docker-host-va-container.html</a:t>
+            </a:r>
+            <a:endParaRPr lang="en-US" sz="1200" dirty="0"/>
+          </a:p>
+          <a:p>
+            <a:r>
+              <a:rPr lang="en-US" sz="1200" dirty="0">
+                <a:solidFill>
+                  <a:schemeClr val="accent1"/>
+                </a:solidFill>
+                <a:hlinkClick r:id="rId4"/>
+              </a:rPr>
+              <a:t>https://docs.docker.com/engine/swarm/key-concepts/</a:t>
+            </a:r>
+            <a:endParaRPr lang="en-US" sz="1200" dirty="0">
+              <a:solidFill>
+                <a:schemeClr val="accent1"/>
+              </a:solidFill>
+            </a:endParaRPr>
+          </a:p>
+          <a:p>
+            <a:r>
+              <a:rPr lang="en-US" sz="1200" dirty="0">
+                <a:solidFill>
+                  <a:schemeClr val="accent1"/>
+                </a:solidFill>
+              </a:rPr>
+              <a:t>https://stackoverflow.com/questions/45079988/ingress-vs-load-balancer</a:t>
+            </a:r>
+          </a:p>
+        </p:txBody>
+      </p:sp>
+      <p:sp>
+        <p:nvSpPr>
+          <p:cNvPr id="6" name="TextBox 5">
+            <a:extLst>
+              <a:ext uri="{FF2B5EF4-FFF2-40B4-BE49-F238E27FC236}">
+                <a16:creationId xmlns:a16="http://schemas.microsoft.com/office/drawing/2014/main" id="{A7CACC87-D5FD-426C-849A-2A51BF08A26C}"/>
+              </a:ext>
+            </a:extLst>
+          </p:cNvPr>
+          <p:cNvSpPr txBox="1"/>
+          <p:nvPr/>
+        </p:nvSpPr>
+        <p:spPr>
+          <a:xfrm>
+            <a:off x="457200" y="987000"/>
+            <a:ext cx="6672943" cy="5078313"/>
+          </a:xfrm>
+          <a:prstGeom prst="rect">
+            <a:avLst/>
+          </a:prstGeom>
+          <a:noFill/>
+          <a:ln>
+            <a:solidFill>
+              <a:schemeClr val="tx2">
+                <a:lumMod val="20000"/>
+                <a:lumOff val="80000"/>
+              </a:schemeClr>
+            </a:solidFill>
+          </a:ln>
+        </p:spPr>
+        <p:txBody>
+          <a:bodyPr wrap="square" rtlCol="0">
+            <a:spAutoFit/>
+          </a:bodyPr>
+          <a:lstStyle/>
+          <a:p>
+            <a:pPr marL="285750" indent="-285750">
+              <a:buFont typeface="Wingdings" panose="05000000000000000000" pitchFamily="2" charset="2"/>
+              <a:buChar char="q"/>
+            </a:pPr>
+            <a:r>
+              <a:rPr lang="en-US" dirty="0"/>
+              <a:t>Docker Swarm: </a:t>
+            </a:r>
+          </a:p>
+          <a:p>
+            <a:pPr marL="742950" lvl="1" indent="-285750">
+              <a:buFont typeface="Wingdings" panose="05000000000000000000" pitchFamily="2" charset="2"/>
+              <a:buChar char="§"/>
+            </a:pPr>
+            <a:r>
+              <a:rPr lang="en-US" dirty="0"/>
+              <a:t>The cluster management &amp; orchestration features in </a:t>
+            </a:r>
+            <a:r>
+              <a:rPr lang="en-US" b="1" dirty="0"/>
+              <a:t>the Docker Engine.</a:t>
+            </a:r>
+          </a:p>
+          <a:p>
+            <a:pPr marL="742950" lvl="1" indent="-285750">
+              <a:buFont typeface="Wingdings" panose="05000000000000000000" pitchFamily="2" charset="2"/>
+              <a:buChar char="§"/>
+            </a:pPr>
+            <a:r>
+              <a:rPr lang="en-US" dirty="0"/>
+              <a:t>Help end-user in creating &amp; deploying a cluster of Docker nodes (node ~ Docker daemon)</a:t>
+            </a:r>
+          </a:p>
+          <a:p>
+            <a:pPr marL="285750" indent="-285750">
+              <a:buFont typeface="Wingdings" panose="05000000000000000000" pitchFamily="2" charset="2"/>
+              <a:buChar char="q"/>
+            </a:pPr>
+            <a:r>
+              <a:rPr lang="en-US" dirty="0"/>
+              <a:t>Key concepts:</a:t>
+            </a:r>
+          </a:p>
+          <a:p>
+            <a:pPr marL="742950" lvl="1" indent="-285750">
+              <a:buFont typeface="Wingdings" panose="05000000000000000000" pitchFamily="2" charset="2"/>
+              <a:buChar char="§"/>
+            </a:pPr>
+            <a:r>
+              <a:rPr lang="en-US" b="1" dirty="0"/>
+              <a:t>Nodes</a:t>
+            </a:r>
+            <a:r>
+              <a:rPr lang="en-US" dirty="0"/>
+              <a:t>: an instance of the Docker Engine. Two types of nodes:</a:t>
+            </a:r>
+          </a:p>
+          <a:p>
+            <a:pPr marL="1200150" lvl="2" indent="-285750">
+              <a:buFont typeface="Wingdings" panose="05000000000000000000" pitchFamily="2" charset="2"/>
+              <a:buChar char="§"/>
+            </a:pPr>
+            <a:r>
+              <a:rPr lang="en-US" dirty="0"/>
+              <a:t>Manager node: </a:t>
+            </a:r>
+            <a:r>
+              <a:rPr lang="en-US" i="1" dirty="0"/>
+              <a:t>(1) </a:t>
+            </a:r>
+            <a:r>
+              <a:rPr lang="en-US" dirty="0"/>
+              <a:t>Receives a service definition from user then </a:t>
+            </a:r>
+            <a:r>
+              <a:rPr lang="en-US" i="1" dirty="0"/>
+              <a:t>(2) </a:t>
+            </a:r>
+            <a:r>
+              <a:rPr lang="en-US" dirty="0"/>
+              <a:t>dispatches units of work (tasks) to worker nodes.</a:t>
+            </a:r>
+          </a:p>
+          <a:p>
+            <a:pPr marL="1200150" lvl="2" indent="-285750">
+              <a:buFont typeface="Wingdings" panose="05000000000000000000" pitchFamily="2" charset="2"/>
+              <a:buChar char="§"/>
+            </a:pPr>
+            <a:r>
+              <a:rPr lang="en-US" dirty="0"/>
+              <a:t>Worker: Receives &amp; executes tasks from manager node.</a:t>
+            </a:r>
+            <a:endParaRPr lang="en-US" b="1" dirty="0"/>
+          </a:p>
+          <a:p>
+            <a:pPr marL="742950" lvl="1" indent="-285750">
+              <a:buFont typeface="Wingdings" panose="05000000000000000000" pitchFamily="2" charset="2"/>
+              <a:buChar char="§"/>
+            </a:pPr>
+            <a:r>
+              <a:rPr lang="en-US" b="1" dirty="0"/>
+              <a:t>Services &amp; tasks:</a:t>
+            </a:r>
+          </a:p>
+          <a:p>
+            <a:pPr marL="1200150" lvl="2" indent="-285750">
+              <a:buFont typeface="Courier New" panose="02070309020205020404" pitchFamily="49" charset="0"/>
+              <a:buChar char="o"/>
+            </a:pPr>
+            <a:r>
+              <a:rPr lang="en-US" dirty="0"/>
+              <a:t>Service: The definition of tasks to execute on manager node or worker nodes.</a:t>
+            </a:r>
+            <a:r>
+              <a:rPr lang="en-US" b="1" dirty="0"/>
+              <a:t> </a:t>
+            </a:r>
+          </a:p>
+          <a:p>
+            <a:pPr marL="1200150" lvl="2" indent="-285750">
+              <a:buFont typeface="Courier New" panose="02070309020205020404" pitchFamily="49" charset="0"/>
+              <a:buChar char="o"/>
+            </a:pPr>
+            <a:r>
+              <a:rPr lang="en-US" dirty="0"/>
+              <a:t>Task: the commands run inside the container.</a:t>
+            </a:r>
+            <a:r>
+              <a:rPr lang="en-US" b="1" dirty="0"/>
+              <a:t> </a:t>
+            </a:r>
+          </a:p>
+          <a:p>
+            <a:pPr marL="742950" lvl="1" indent="-285750">
+              <a:buFont typeface="Wingdings" panose="05000000000000000000" pitchFamily="2" charset="2"/>
+              <a:buChar char="§"/>
+            </a:pPr>
+            <a:r>
+              <a:rPr lang="en-US" b="1" dirty="0"/>
+              <a:t>Load balancing</a:t>
+            </a:r>
+          </a:p>
+          <a:p>
+            <a:pPr marL="1200150" lvl="2" indent="-285750">
+              <a:buFont typeface="Courier New" panose="02070309020205020404" pitchFamily="49" charset="0"/>
+              <a:buChar char="o"/>
+            </a:pPr>
+            <a:r>
+              <a:rPr lang="en-US" dirty="0"/>
+              <a:t>Expose the ports for services to an external load balancer.</a:t>
+            </a:r>
+          </a:p>
+        </p:txBody>
+      </p:sp>
+      <p:sp>
+        <p:nvSpPr>
+          <p:cNvPr id="5" name="TextBox 4">
+            <a:extLst>
+              <a:ext uri="{FF2B5EF4-FFF2-40B4-BE49-F238E27FC236}">
+                <a16:creationId xmlns:a16="http://schemas.microsoft.com/office/drawing/2014/main" id="{6E8C9151-80D7-4B5A-B096-8919F2CCA7CC}"/>
+              </a:ext>
+            </a:extLst>
+          </p:cNvPr>
+          <p:cNvSpPr txBox="1"/>
+          <p:nvPr/>
+        </p:nvSpPr>
+        <p:spPr>
+          <a:xfrm>
+            <a:off x="9470571" y="3864429"/>
+            <a:ext cx="680571" cy="307777"/>
+          </a:xfrm>
+          <a:prstGeom prst="rect">
+            <a:avLst/>
+          </a:prstGeom>
+          <a:noFill/>
+        </p:spPr>
+        <p:txBody>
+          <a:bodyPr wrap="none" rtlCol="0">
+            <a:spAutoFit/>
+          </a:bodyPr>
+          <a:lstStyle/>
+          <a:p>
+            <a:r>
+              <a:rPr lang="en-US" sz="1400" dirty="0">
+                <a:hlinkClick r:id="rId5"/>
+              </a:rPr>
+              <a:t>Source</a:t>
+            </a:r>
+            <a:endParaRPr lang="en-US" sz="1400" dirty="0"/>
+          </a:p>
+        </p:txBody>
+      </p:sp>
+      <p:pic>
+        <p:nvPicPr>
+          <p:cNvPr id="9" name="Picture 8" descr="Diagram&#10;&#10;Description automatically generated">
+            <a:extLst>
+              <a:ext uri="{FF2B5EF4-FFF2-40B4-BE49-F238E27FC236}">
+                <a16:creationId xmlns:a16="http://schemas.microsoft.com/office/drawing/2014/main" id="{5F189679-8947-482D-BB62-FE841EDA4146}"/>
+              </a:ext>
+            </a:extLst>
+          </p:cNvPr>
+          <p:cNvPicPr>
+            <a:picLocks noChangeAspect="1"/>
+          </p:cNvPicPr>
+          <p:nvPr/>
+        </p:nvPicPr>
+        <p:blipFill>
+          <a:blip r:embed="rId6">
+            <a:extLst>
+              <a:ext uri="{28A0092B-C50C-407E-A947-70E740481C1C}">
+                <a14:useLocalDpi xmlns:a14="http://schemas.microsoft.com/office/drawing/2010/main" val="0"/>
+              </a:ext>
+            </a:extLst>
+          </a:blip>
+          <a:stretch>
+            <a:fillRect/>
+          </a:stretch>
+        </p:blipFill>
+        <p:spPr>
+          <a:xfrm>
+            <a:off x="7245293" y="792372"/>
+            <a:ext cx="4450556" cy="3028850"/>
+          </a:xfrm>
+          <a:prstGeom prst="rect">
+            <a:avLst/>
+          </a:prstGeom>
+        </p:spPr>
+      </p:pic>
+      <p:sp>
+        <p:nvSpPr>
+          <p:cNvPr id="4" name="TextBox 3">
+            <a:extLst>
+              <a:ext uri="{FF2B5EF4-FFF2-40B4-BE49-F238E27FC236}">
+                <a16:creationId xmlns:a16="http://schemas.microsoft.com/office/drawing/2014/main" id="{E9F1D22C-C98E-4297-9851-9D6A59F36CE5}"/>
+              </a:ext>
+            </a:extLst>
+          </p:cNvPr>
+          <p:cNvSpPr txBox="1"/>
+          <p:nvPr/>
+        </p:nvSpPr>
+        <p:spPr>
+          <a:xfrm>
+            <a:off x="7576457" y="898583"/>
+            <a:ext cx="1382486" cy="1463617"/>
+          </a:xfrm>
+          <a:prstGeom prst="rect">
+            <a:avLst/>
+          </a:prstGeom>
+          <a:noFill/>
+          <a:ln>
+            <a:solidFill>
+              <a:srgbClr val="FF0000"/>
+            </a:solidFill>
+          </a:ln>
+        </p:spPr>
+        <p:txBody>
+          <a:bodyPr wrap="square" rtlCol="0">
+            <a:spAutoFit/>
+          </a:bodyPr>
+          <a:lstStyle/>
+          <a:p>
+            <a:endParaRPr lang="en-US" dirty="0"/>
+          </a:p>
+        </p:txBody>
+      </p:sp>
+    </p:spTree>
+    <p:extLst>
+      <p:ext uri="{BB962C8B-B14F-4D97-AF65-F5344CB8AC3E}">
+        <p14:creationId xmlns:p14="http://schemas.microsoft.com/office/powerpoint/2010/main" val="3214751996"/>
+      </p:ext>
+    </p:extLst>
+  </p:cSld>
+  <p:clrMapOvr>
+    <a:masterClrMapping/>
+  </p:clrMapOvr>
+</p:sld>
+</file>
+
 <file path=ppt/slides/slide22.xml><?xml version="1.0" encoding="utf-8"?>
 <p:sld xmlns:a="http://schemas.openxmlformats.org/drawingml/2006/main" xmlns:r="http://schemas.openxmlformats.org/officeDocument/2006/relationships" xmlns:p="http://schemas.openxmlformats.org/presentationml/2006/main">
   <p:cSld>
@@ -15900,7 +16000,7 @@
           <a:p>
             <a:r>
               <a:rPr lang="en-US" dirty="0"/>
-              <a:t>Bridge networks</a:t>
+              <a:t>Docker Swarm (2)</a:t>
             </a:r>
           </a:p>
         </p:txBody>
@@ -15919,8 +16019,8 @@
         </p:nvSpPr>
         <p:spPr>
           <a:xfrm>
-            <a:off x="163285" y="1003068"/>
-            <a:ext cx="11282481" cy="2585323"/>
+            <a:off x="163285" y="1136418"/>
+            <a:ext cx="4365171" cy="646331"/>
           </a:xfrm>
           <a:prstGeom prst="rect">
             <a:avLst/>
@@ -15937,50 +16037,7 @@
               <a:buFont typeface="Wingdings" panose="05000000000000000000" pitchFamily="2" charset="2"/>
               <a:buChar char="q"/>
             </a:pPr>
-            <a:r>
-              <a:rPr lang="en-US" dirty="0"/>
-              <a:t>Docker networking: establish communication between Docker containers and the outside world via the host machine</a:t>
-            </a:r>
-          </a:p>
-          <a:p>
-            <a:pPr marL="285750" indent="-285750">
-              <a:buFont typeface="Wingdings" panose="05000000000000000000" pitchFamily="2" charset="2"/>
-              <a:buChar char="q"/>
-            </a:pPr>
-            <a:r>
-              <a:rPr lang="en-US" dirty="0"/>
-              <a:t>Advantages of Docker Networking:</a:t>
-            </a:r>
-          </a:p>
-          <a:p>
-            <a:pPr marL="742950" lvl="1" indent="-285750">
-              <a:buFont typeface="Wingdings" panose="05000000000000000000" pitchFamily="2" charset="2"/>
-              <a:buChar char="§"/>
-            </a:pPr>
-            <a:r>
-              <a:rPr lang="en-US" dirty="0"/>
-              <a:t>They share a single operating system &amp; maintain containers in an isolated environment.</a:t>
-            </a:r>
-          </a:p>
-          <a:p>
-            <a:pPr marL="742950" lvl="1" indent="-285750">
-              <a:buFont typeface="Wingdings" panose="05000000000000000000" pitchFamily="2" charset="2"/>
-              <a:buChar char="§"/>
-            </a:pPr>
-            <a:r>
-              <a:rPr lang="en-US" dirty="0"/>
-              <a:t>Help in the fast to delivery of software</a:t>
-            </a:r>
-          </a:p>
-          <a:p>
-            <a:pPr marL="742950" lvl="1" indent="-285750">
-              <a:buFont typeface="Wingdings" panose="05000000000000000000" pitchFamily="2" charset="2"/>
-              <a:buChar char="§"/>
-            </a:pPr>
-            <a:r>
-              <a:rPr lang="en-US" dirty="0"/>
-              <a:t>Help in application portability</a:t>
-            </a:r>
+            <a:endParaRPr lang="en-US" dirty="0"/>
           </a:p>
           <a:p>
             <a:pPr marL="742950" lvl="1" indent="-285750">
@@ -15989,16 +16046,6 @@
             </a:pPr>
             <a:endParaRPr lang="en-US" dirty="0"/>
           </a:p>
-          <a:p>
-            <a:endParaRPr lang="en-US" dirty="0"/>
-          </a:p>
-          <a:p>
-            <a:pPr marL="742950" lvl="1" indent="-285750">
-              <a:buFont typeface="Wingdings" panose="05000000000000000000" pitchFamily="2" charset="2"/>
-              <a:buChar char="§"/>
-            </a:pPr>
-            <a:endParaRPr lang="en-US" dirty="0"/>
-          </a:p>
         </p:txBody>
       </p:sp>
       <p:sp>
@@ -16015,8 +16062,8 @@
         </p:nvSpPr>
         <p:spPr>
           <a:xfrm>
-            <a:off x="139870" y="5907682"/>
-            <a:ext cx="7209065" cy="276999"/>
+            <a:off x="163285" y="6090382"/>
+            <a:ext cx="7255154" cy="646331"/>
           </a:xfrm>
           <a:prstGeom prst="rect">
             <a:avLst/>
@@ -16029,18 +16076,205 @@
           </a:bodyPr>
           <a:lstStyle/>
           <a:p>
-            <a:endParaRPr lang="en-US" sz="1200" dirty="0">
-              <a:solidFill>
-                <a:schemeClr val="accent1"/>
-              </a:solidFill>
-            </a:endParaRPr>
+            <a:r>
+              <a:rPr lang="en-US" sz="1200" dirty="0">
+                <a:solidFill>
+                  <a:srgbClr val="FF0000"/>
+                </a:solidFill>
+              </a:rPr>
+              <a:t>Ref</a:t>
+            </a:r>
+            <a:r>
+              <a:rPr lang="en-US" sz="1200" dirty="0"/>
+              <a:t>:</a:t>
+            </a:r>
+          </a:p>
+          <a:p>
+            <a:r>
+              <a:rPr lang="en-US" sz="1200" dirty="0">
+                <a:hlinkClick r:id="rId3"/>
+              </a:rPr>
+              <a:t>https://xuanthulab.net/chia-se-du-lieu-giua-docker-host-va-container.html</a:t>
+            </a:r>
+            <a:endParaRPr lang="en-US" sz="1200" dirty="0"/>
+          </a:p>
+          <a:p>
+            <a:r>
+              <a:rPr lang="en-US" sz="1200" dirty="0">
+                <a:solidFill>
+                  <a:schemeClr val="accent1"/>
+                </a:solidFill>
+              </a:rPr>
+              <a:t>https://docs.docker.com/engine/swarm/key-concepts/</a:t>
+            </a:r>
+          </a:p>
+        </p:txBody>
+      </p:sp>
+      <p:sp>
+        <p:nvSpPr>
+          <p:cNvPr id="6" name="TextBox 5">
+            <a:extLst>
+              <a:ext uri="{FF2B5EF4-FFF2-40B4-BE49-F238E27FC236}">
+                <a16:creationId xmlns:a16="http://schemas.microsoft.com/office/drawing/2014/main" id="{A7CACC87-D5FD-426C-849A-2A51BF08A26C}"/>
+              </a:ext>
+            </a:extLst>
+          </p:cNvPr>
+          <p:cNvSpPr txBox="1"/>
+          <p:nvPr/>
+        </p:nvSpPr>
+        <p:spPr>
+          <a:xfrm>
+            <a:off x="457200" y="987000"/>
+            <a:ext cx="10858500" cy="3693319"/>
+          </a:xfrm>
+          <a:prstGeom prst="rect">
+            <a:avLst/>
+          </a:prstGeom>
+          <a:noFill/>
+          <a:ln>
+            <a:solidFill>
+              <a:schemeClr val="tx2">
+                <a:lumMod val="20000"/>
+                <a:lumOff val="80000"/>
+              </a:schemeClr>
+            </a:solidFill>
+          </a:ln>
+        </p:spPr>
+        <p:txBody>
+          <a:bodyPr wrap="square" rtlCol="0">
+            <a:spAutoFit/>
+          </a:bodyPr>
+          <a:lstStyle/>
+          <a:p>
+            <a:pPr marL="285750" indent="-285750">
+              <a:buFont typeface="Wingdings" panose="05000000000000000000" pitchFamily="2" charset="2"/>
+              <a:buChar char="q"/>
+            </a:pPr>
+            <a:r>
+              <a:rPr lang="en-US" dirty="0"/>
+              <a:t>Feature highlights:</a:t>
+            </a:r>
+          </a:p>
+          <a:p>
+            <a:pPr marL="742950" lvl="1" indent="-285750">
+              <a:buFont typeface="Wingdings" panose="05000000000000000000" pitchFamily="2" charset="2"/>
+              <a:buChar char="§"/>
+            </a:pPr>
+            <a:r>
+              <a:rPr lang="en-US" dirty="0"/>
+              <a:t>Cluster management integrated</a:t>
+            </a:r>
+          </a:p>
+          <a:p>
+            <a:pPr marL="742950" lvl="1" indent="-285750">
+              <a:buFont typeface="Wingdings" panose="05000000000000000000" pitchFamily="2" charset="2"/>
+              <a:buChar char="§"/>
+            </a:pPr>
+            <a:r>
+              <a:rPr lang="en-US" dirty="0"/>
+              <a:t>Decentralized design</a:t>
+            </a:r>
+          </a:p>
+          <a:p>
+            <a:pPr marL="742950" lvl="1" indent="-285750">
+              <a:buFont typeface="Wingdings" panose="05000000000000000000" pitchFamily="2" charset="2"/>
+              <a:buChar char="§"/>
+            </a:pPr>
+            <a:r>
+              <a:rPr lang="en-US" dirty="0"/>
+              <a:t>Declarative service model</a:t>
+            </a:r>
+          </a:p>
+          <a:p>
+            <a:pPr marL="742950" lvl="1" indent="-285750">
+              <a:buFont typeface="Wingdings" panose="05000000000000000000" pitchFamily="2" charset="2"/>
+              <a:buChar char="§"/>
+            </a:pPr>
+            <a:r>
+              <a:rPr lang="en-US" dirty="0"/>
+              <a:t>Scaling</a:t>
+            </a:r>
+          </a:p>
+          <a:p>
+            <a:pPr marL="742950" lvl="1" indent="-285750">
+              <a:buFont typeface="Wingdings" panose="05000000000000000000" pitchFamily="2" charset="2"/>
+              <a:buChar char="§"/>
+            </a:pPr>
+            <a:r>
+              <a:rPr lang="en-US" dirty="0"/>
+              <a:t>Desired state reconciliation</a:t>
+            </a:r>
+          </a:p>
+          <a:p>
+            <a:pPr marL="742950" lvl="1" indent="-285750">
+              <a:buFont typeface="Wingdings" panose="05000000000000000000" pitchFamily="2" charset="2"/>
+              <a:buChar char="§"/>
+            </a:pPr>
+            <a:r>
+              <a:rPr lang="en-US" dirty="0"/>
+              <a:t>Multi-host networking</a:t>
+            </a:r>
+          </a:p>
+          <a:p>
+            <a:pPr marL="742950" lvl="1" indent="-285750">
+              <a:buFont typeface="Wingdings" panose="05000000000000000000" pitchFamily="2" charset="2"/>
+              <a:buChar char="§"/>
+            </a:pPr>
+            <a:r>
+              <a:rPr lang="en-US" dirty="0"/>
+              <a:t>Service discovery</a:t>
+            </a:r>
+          </a:p>
+          <a:p>
+            <a:pPr marL="742950" lvl="1" indent="-285750">
+              <a:buFont typeface="Wingdings" panose="05000000000000000000" pitchFamily="2" charset="2"/>
+              <a:buChar char="§"/>
+            </a:pPr>
+            <a:r>
+              <a:rPr lang="en-US" dirty="0"/>
+              <a:t>Load balancing </a:t>
+            </a:r>
+          </a:p>
+          <a:p>
+            <a:pPr marL="742950" lvl="1" indent="-285750">
+              <a:buFont typeface="Wingdings" panose="05000000000000000000" pitchFamily="2" charset="2"/>
+              <a:buChar char="§"/>
+            </a:pPr>
+            <a:r>
+              <a:rPr lang="en-US" dirty="0"/>
+              <a:t>Secure by default </a:t>
+            </a:r>
+          </a:p>
+          <a:p>
+            <a:pPr marL="742950" lvl="1" indent="-285750">
+              <a:buFont typeface="Wingdings" panose="05000000000000000000" pitchFamily="2" charset="2"/>
+              <a:buChar char="§"/>
+            </a:pPr>
+            <a:r>
+              <a:rPr lang="en-US" dirty="0"/>
+              <a:t>Rolling updates</a:t>
+            </a:r>
+          </a:p>
+          <a:p>
+            <a:pPr marL="742950" lvl="1" indent="-285750">
+              <a:buFont typeface="Wingdings" panose="05000000000000000000" pitchFamily="2" charset="2"/>
+              <a:buChar char="§"/>
+            </a:pPr>
+            <a:endParaRPr lang="en-US" dirty="0"/>
+          </a:p>
+          <a:p>
+            <a:pPr marL="742950" lvl="1" indent="-285750">
+              <a:buFont typeface="Wingdings" panose="05000000000000000000" pitchFamily="2" charset="2"/>
+              <a:buChar char="§"/>
+            </a:pPr>
+            <a:endParaRPr lang="en-US" dirty="0"/>
           </a:p>
         </p:txBody>
       </p:sp>
     </p:spTree>
     <p:extLst>
       <p:ext uri="{BB962C8B-B14F-4D97-AF65-F5344CB8AC3E}">
-        <p14:creationId xmlns:p14="http://schemas.microsoft.com/office/powerpoint/2010/main" val="3425816110"/>
+        <p14:creationId xmlns:p14="http://schemas.microsoft.com/office/powerpoint/2010/main" val="116699243"/>
       </p:ext>
     </p:extLst>
   </p:cSld>
@@ -16090,7 +16324,7 @@
           <a:p>
             <a:r>
               <a:rPr lang="en-US" dirty="0"/>
-              <a:t>Build docker image</a:t>
+              <a:t>Deploying an app to a Swarm</a:t>
             </a:r>
           </a:p>
         </p:txBody>
@@ -16109,8 +16343,8 @@
         </p:nvSpPr>
         <p:spPr>
           <a:xfrm>
-            <a:off x="163285" y="1003068"/>
-            <a:ext cx="11282481" cy="4801314"/>
+            <a:off x="163285" y="1136418"/>
+            <a:ext cx="4365171" cy="646331"/>
           </a:xfrm>
           <a:prstGeom prst="rect">
             <a:avLst/>
@@ -16127,170 +16361,6 @@
               <a:buFont typeface="Wingdings" panose="05000000000000000000" pitchFamily="2" charset="2"/>
               <a:buChar char="q"/>
             </a:pPr>
-            <a:r>
-              <a:rPr lang="en-US" dirty="0"/>
-              <a:t>Docker file:</a:t>
-            </a:r>
-          </a:p>
-          <a:p>
-            <a:pPr marL="742950" lvl="1" indent="-285750">
-              <a:buFont typeface="Wingdings" panose="05000000000000000000" pitchFamily="2" charset="2"/>
-              <a:buChar char="§"/>
-            </a:pPr>
-            <a:r>
-              <a:rPr lang="en-US" dirty="0"/>
-              <a:t>Syntax: [INSTRUCTION] [ARGUMENT]</a:t>
-            </a:r>
-          </a:p>
-          <a:p>
-            <a:pPr marL="742950" lvl="1" indent="-285750">
-              <a:buFont typeface="Wingdings" panose="05000000000000000000" pitchFamily="2" charset="2"/>
-              <a:buChar char="§"/>
-            </a:pPr>
-            <a:r>
-              <a:rPr lang="en-US" dirty="0"/>
-              <a:t>Layered architecture:</a:t>
-            </a:r>
-          </a:p>
-          <a:p>
-            <a:pPr marL="1200150" lvl="2" indent="-285750">
-              <a:buFont typeface="Courier New" panose="02070309020205020404" pitchFamily="49" charset="0"/>
-              <a:buChar char="o"/>
-            </a:pPr>
-            <a:r>
-              <a:rPr lang="en-US" dirty="0"/>
-              <a:t>Layer 1: Base OS layer</a:t>
-            </a:r>
-          </a:p>
-          <a:p>
-            <a:pPr marL="1200150" lvl="2" indent="-285750">
-              <a:buFont typeface="Courier New" panose="02070309020205020404" pitchFamily="49" charset="0"/>
-              <a:buChar char="o"/>
-            </a:pPr>
-            <a:r>
-              <a:rPr lang="en-US" dirty="0"/>
-              <a:t>Layer 2: Changes in apt packages</a:t>
-            </a:r>
-          </a:p>
-          <a:p>
-            <a:pPr marL="1200150" lvl="2" indent="-285750">
-              <a:buFont typeface="Courier New" panose="02070309020205020404" pitchFamily="49" charset="0"/>
-              <a:buChar char="o"/>
-            </a:pPr>
-            <a:r>
-              <a:rPr lang="en-US" dirty="0"/>
-              <a:t>Layer 3: Changes in pip packages</a:t>
-            </a:r>
-          </a:p>
-          <a:p>
-            <a:pPr marL="1200150" lvl="2" indent="-285750">
-              <a:buFont typeface="Courier New" panose="02070309020205020404" pitchFamily="49" charset="0"/>
-              <a:buChar char="o"/>
-            </a:pPr>
-            <a:r>
-              <a:rPr lang="en-US" dirty="0"/>
-              <a:t>Layer 4: Source code</a:t>
-            </a:r>
-          </a:p>
-          <a:p>
-            <a:pPr marL="1200150" lvl="2" indent="-285750">
-              <a:buFont typeface="Courier New" panose="02070309020205020404" pitchFamily="49" charset="0"/>
-              <a:buChar char="o"/>
-            </a:pPr>
-            <a:r>
-              <a:rPr lang="en-US" dirty="0"/>
-              <a:t>Layer 5: Update </a:t>
-            </a:r>
-            <a:r>
-              <a:rPr lang="en-US" dirty="0" err="1"/>
-              <a:t>Entrypoint</a:t>
-            </a:r>
-            <a:endParaRPr lang="en-US" dirty="0"/>
-          </a:p>
-          <a:p>
-            <a:pPr marL="285750" indent="-285750">
-              <a:buFont typeface="Wingdings" panose="05000000000000000000" pitchFamily="2" charset="2"/>
-              <a:buChar char="q"/>
-            </a:pPr>
-            <a:r>
-              <a:rPr lang="en-US" dirty="0"/>
-              <a:t>In order to reduce docker image size:</a:t>
-            </a:r>
-          </a:p>
-          <a:p>
-            <a:pPr marL="742950" lvl="1" indent="-285750">
-              <a:buFont typeface="Wingdings" panose="05000000000000000000" pitchFamily="2" charset="2"/>
-              <a:buChar char="§"/>
-            </a:pPr>
-            <a:r>
-              <a:rPr lang="en-US" dirty="0"/>
-              <a:t>Use a smaller image base (ex: alpine)</a:t>
-            </a:r>
-          </a:p>
-          <a:p>
-            <a:pPr marL="742950" lvl="1" indent="-285750">
-              <a:buFont typeface="Wingdings" panose="05000000000000000000" pitchFamily="2" charset="2"/>
-              <a:buChar char="§"/>
-            </a:pPr>
-            <a:r>
-              <a:rPr lang="en-US" dirty="0"/>
-              <a:t>Use a </a:t>
-            </a:r>
-            <a:r>
-              <a:rPr lang="en-US" i="1" dirty="0"/>
-              <a:t>.</a:t>
-            </a:r>
-            <a:r>
-              <a:rPr lang="en-US" i="1" dirty="0" err="1"/>
-              <a:t>dockerignore</a:t>
-            </a:r>
-            <a:r>
-              <a:rPr lang="en-US" i="1" dirty="0"/>
-              <a:t> </a:t>
-            </a:r>
-            <a:r>
-              <a:rPr lang="en-US" dirty="0"/>
-              <a:t>file</a:t>
-            </a:r>
-          </a:p>
-          <a:p>
-            <a:pPr marL="742950" lvl="1" indent="-285750">
-              <a:buFont typeface="Wingdings" panose="05000000000000000000" pitchFamily="2" charset="2"/>
-              <a:buChar char="§"/>
-            </a:pPr>
-            <a:r>
-              <a:rPr lang="en-US" dirty="0"/>
-              <a:t>Beware of update &amp; unnecessary packages </a:t>
-            </a:r>
-          </a:p>
-          <a:p>
-            <a:pPr marL="742950" lvl="1" indent="-285750">
-              <a:buFont typeface="Wingdings" panose="05000000000000000000" pitchFamily="2" charset="2"/>
-              <a:buChar char="§"/>
-            </a:pPr>
-            <a:r>
-              <a:rPr lang="en-US" dirty="0"/>
-              <a:t>Use multi-stage build (Pros &amp; cons)</a:t>
-            </a:r>
-          </a:p>
-          <a:p>
-            <a:pPr marL="742950" lvl="1" indent="-285750">
-              <a:buFont typeface="Wingdings" panose="05000000000000000000" pitchFamily="2" charset="2"/>
-              <a:buChar char="§"/>
-            </a:pPr>
-            <a:r>
-              <a:rPr lang="en-US" dirty="0"/>
-              <a:t>Consider layer caching and reduce number of layer (RUN, COPY &amp; ADD)</a:t>
-            </a:r>
-          </a:p>
-          <a:p>
-            <a:pPr marL="285750" indent="-285750">
-              <a:buFont typeface="Wingdings" panose="05000000000000000000" pitchFamily="2" charset="2"/>
-              <a:buChar char="q"/>
-            </a:pPr>
-            <a:endParaRPr lang="en-US" dirty="0"/>
-          </a:p>
-          <a:p>
             <a:endParaRPr lang="en-US" dirty="0"/>
           </a:p>
           <a:p>
@@ -16316,8 +16386,8 @@
         </p:nvSpPr>
         <p:spPr>
           <a:xfrm>
-            <a:off x="139870" y="5907682"/>
-            <a:ext cx="7209065" cy="276999"/>
+            <a:off x="163285" y="6244318"/>
+            <a:ext cx="7209065" cy="646331"/>
           </a:xfrm>
           <a:prstGeom prst="rect">
             <a:avLst/>
@@ -16330,20 +16400,46 @@
           </a:bodyPr>
           <a:lstStyle/>
           <a:p>
-            <a:endParaRPr lang="en-US" sz="1200" dirty="0">
-              <a:solidFill>
-                <a:schemeClr val="accent1"/>
-              </a:solidFill>
-            </a:endParaRPr>
-          </a:p>
-        </p:txBody>
-      </p:sp>
-      <p:sp>
-        <p:nvSpPr>
-          <p:cNvPr id="4" name="TextBox 3">
-            <a:extLst>
-              <a:ext uri="{FF2B5EF4-FFF2-40B4-BE49-F238E27FC236}">
-                <a16:creationId xmlns:a16="http://schemas.microsoft.com/office/drawing/2014/main" id="{D332EC73-9661-44F1-8999-4E62E12EA4C4}"/>
+            <a:r>
+              <a:rPr lang="en-US" sz="1200" dirty="0">
+                <a:solidFill>
+                  <a:srgbClr val="FF0000"/>
+                </a:solidFill>
+              </a:rPr>
+              <a:t>Ref</a:t>
+            </a:r>
+            <a:r>
+              <a:rPr lang="en-US" sz="1200" dirty="0"/>
+              <a:t>: </a:t>
+            </a:r>
+          </a:p>
+          <a:p>
+            <a:r>
+              <a:rPr lang="en-US" sz="1200" dirty="0">
+                <a:hlinkClick r:id="rId3"/>
+              </a:rPr>
+              <a:t>https://docs.docker.com/engine/swarm/swarm-tutorial/create-swarm/</a:t>
+            </a:r>
+            <a:endParaRPr lang="en-US" sz="1200" dirty="0"/>
+          </a:p>
+          <a:p>
+            <a:r>
+              <a:rPr lang="en-US" sz="1200" dirty="0">
+                <a:solidFill>
+                  <a:schemeClr val="accent1"/>
+                </a:solidFill>
+              </a:rPr>
+              <a:t>https://github.com/docker/labs/blob/master/swarm-mode/beginner-tutorial/README.md</a:t>
+            </a:r>
+          </a:p>
+        </p:txBody>
+      </p:sp>
+      <p:sp>
+        <p:nvSpPr>
+          <p:cNvPr id="6" name="TextBox 5">
+            <a:extLst>
+              <a:ext uri="{FF2B5EF4-FFF2-40B4-BE49-F238E27FC236}">
+                <a16:creationId xmlns:a16="http://schemas.microsoft.com/office/drawing/2014/main" id="{A7CACC87-D5FD-426C-849A-2A51BF08A26C}"/>
               </a:ext>
             </a:extLst>
           </p:cNvPr>
@@ -16352,8 +16448,8 @@
         </p:nvSpPr>
         <p:spPr>
           <a:xfrm>
-            <a:off x="304800" y="5723015"/>
-            <a:ext cx="9910763" cy="923330"/>
+            <a:off x="457200" y="1167878"/>
+            <a:ext cx="10988566" cy="2308324"/>
           </a:xfrm>
           <a:prstGeom prst="rect">
             <a:avLst/>
@@ -16366,37 +16462,264 @@
           </a:bodyPr>
           <a:lstStyle/>
           <a:p>
-            <a:r>
-              <a:rPr lang="en-US" dirty="0"/>
-              <a:t>Ref:</a:t>
-            </a:r>
-          </a:p>
-          <a:p>
-            <a:r>
-              <a:rPr lang="en-US" dirty="0">
-                <a:hlinkClick r:id="rId3"/>
+            <a:pPr marL="285750" indent="-285750">
+              <a:buFont typeface="Wingdings" panose="05000000000000000000" pitchFamily="2" charset="2"/>
+              <a:buChar char="q"/>
+            </a:pPr>
+            <a:r>
+              <a:rPr lang="en-US" dirty="0"/>
+              <a:t>Share data between host to container</a:t>
+            </a:r>
+          </a:p>
+          <a:p>
+            <a:endParaRPr lang="en-US" dirty="0"/>
+          </a:p>
+          <a:p>
+            <a:endParaRPr lang="en-US" dirty="0"/>
+          </a:p>
+          <a:p>
+            <a:pPr marL="285750" indent="-285750">
+              <a:buFont typeface="Wingdings" panose="05000000000000000000" pitchFamily="2" charset="2"/>
+              <a:buChar char="q"/>
+            </a:pPr>
+            <a:r>
+              <a:rPr lang="en-US" dirty="0"/>
+              <a:t>Share data between containers (assume container_1 mounted with Host):</a:t>
+            </a:r>
+          </a:p>
+          <a:p>
+            <a:pPr marL="285750" indent="-285750">
+              <a:buFont typeface="Wingdings" panose="05000000000000000000" pitchFamily="2" charset="2"/>
+              <a:buChar char="q"/>
+            </a:pPr>
+            <a:endParaRPr lang="en-US" dirty="0"/>
+          </a:p>
+          <a:p>
+            <a:pPr marL="285750" indent="-285750">
+              <a:buFont typeface="Wingdings" panose="05000000000000000000" pitchFamily="2" charset="2"/>
+              <a:buChar char="q"/>
+            </a:pPr>
+            <a:endParaRPr lang="en-US" dirty="0"/>
+          </a:p>
+          <a:p>
+            <a:pPr marL="285750" indent="-285750">
+              <a:buFont typeface="Wingdings" panose="05000000000000000000" pitchFamily="2" charset="2"/>
+              <a:buChar char="q"/>
+            </a:pPr>
+            <a:r>
+              <a:rPr lang="en-US" dirty="0"/>
+              <a:t>Manager outside disk with docker</a:t>
+            </a:r>
+          </a:p>
+          <a:p>
+            <a:endParaRPr lang="en-US" dirty="0"/>
+          </a:p>
+        </p:txBody>
+      </p:sp>
+      <p:sp>
+        <p:nvSpPr>
+          <p:cNvPr id="8" name="Rectangle 7">
+            <a:extLst>
+              <a:ext uri="{FF2B5EF4-FFF2-40B4-BE49-F238E27FC236}">
+                <a16:creationId xmlns:a16="http://schemas.microsoft.com/office/drawing/2014/main" id="{8834D028-3990-450E-A4CD-8CB239AAC38D}"/>
+              </a:ext>
+            </a:extLst>
+          </p:cNvPr>
+          <p:cNvSpPr/>
+          <p:nvPr/>
+        </p:nvSpPr>
+        <p:spPr>
+          <a:xfrm>
+            <a:off x="959310" y="1583892"/>
+            <a:ext cx="8995851" cy="368300"/>
+          </a:xfrm>
+          <a:prstGeom prst="rect">
+            <a:avLst/>
+          </a:prstGeom>
+          <a:solidFill>
+            <a:schemeClr val="bg1">
+              <a:lumMod val="95000"/>
+            </a:schemeClr>
+          </a:solidFill>
+        </p:spPr>
+        <p:style>
+          <a:lnRef idx="2">
+            <a:schemeClr val="accent1">
+              <a:shade val="50000"/>
+            </a:schemeClr>
+          </a:lnRef>
+          <a:fillRef idx="1">
+            <a:schemeClr val="accent1"/>
+          </a:fillRef>
+          <a:effectRef idx="0">
+            <a:schemeClr val="accent1"/>
+          </a:effectRef>
+          <a:fontRef idx="minor">
+            <a:schemeClr val="lt1"/>
+          </a:fontRef>
+        </p:style>
+        <p:txBody>
+          <a:bodyPr rtlCol="0" anchor="ctr"/>
+          <a:lstStyle/>
+          <a:p>
+            <a:r>
+              <a:rPr lang="en-US" sz="1600" dirty="0">
+                <a:solidFill>
+                  <a:schemeClr val="tx1"/>
+                </a:solidFill>
+                <a:latin typeface="Consolas" panose="020B0609020204030204" pitchFamily="49" charset="0"/>
               </a:rPr>
-              <a:t>https://phoenixnap.com/kb/docker-image-size</a:t>
-            </a:r>
-            <a:endParaRPr lang="en-US" dirty="0"/>
-          </a:p>
-          <a:p>
-            <a:r>
-              <a:rPr lang="en-US" dirty="0">
+              <a:t>$ docker run -d –it –-name </a:t>
+            </a:r>
+            <a:r>
+              <a:rPr lang="en-US" sz="1600" i="1" dirty="0" err="1">
                 <a:solidFill>
-                  <a:schemeClr val="accent1"/>
+                  <a:schemeClr val="tx1"/>
                 </a:solidFill>
+                <a:latin typeface="Consolas" panose="020B0609020204030204" pitchFamily="49" charset="0"/>
               </a:rPr>
-              <a:t>https://kipalog.com/posts/Docker-image-in-production---cau-chuyen-1GB-hay-100MB</a:t>
-            </a:r>
-            <a:endParaRPr lang="en-US" dirty="0"/>
+              <a:t>container_name</a:t>
+            </a:r>
+            <a:r>
+              <a:rPr lang="en-US" sz="1600" dirty="0">
+                <a:solidFill>
+                  <a:schemeClr val="tx1"/>
+                </a:solidFill>
+                <a:latin typeface="Consolas" panose="020B0609020204030204" pitchFamily="49" charset="0"/>
+              </a:rPr>
+              <a:t> –v </a:t>
+            </a:r>
+            <a:r>
+              <a:rPr lang="en-US" sz="1600" i="1" dirty="0" err="1">
+                <a:solidFill>
+                  <a:schemeClr val="tx1"/>
+                </a:solidFill>
+                <a:latin typeface="Consolas" panose="020B0609020204030204" pitchFamily="49" charset="0"/>
+              </a:rPr>
+              <a:t>path_host:path_cont</a:t>
+            </a:r>
+            <a:r>
+              <a:rPr lang="en-US" sz="1600" i="1" dirty="0">
+                <a:solidFill>
+                  <a:schemeClr val="tx1"/>
+                </a:solidFill>
+                <a:latin typeface="Consolas" panose="020B0609020204030204" pitchFamily="49" charset="0"/>
+              </a:rPr>
+              <a:t> </a:t>
+            </a:r>
+            <a:r>
+              <a:rPr lang="en-US" sz="1600" i="1" dirty="0" err="1">
+                <a:solidFill>
+                  <a:schemeClr val="tx1"/>
+                </a:solidFill>
+                <a:latin typeface="Consolas" panose="020B0609020204030204" pitchFamily="49" charset="0"/>
+              </a:rPr>
+              <a:t>image_id:TAG</a:t>
+            </a:r>
+            <a:endParaRPr lang="en-US" sz="1600" i="1" dirty="0">
+              <a:solidFill>
+                <a:schemeClr val="tx1"/>
+              </a:solidFill>
+              <a:latin typeface="Consolas" panose="020B0609020204030204" pitchFamily="49" charset="0"/>
+            </a:endParaRPr>
+          </a:p>
+        </p:txBody>
+      </p:sp>
+      <p:sp>
+        <p:nvSpPr>
+          <p:cNvPr id="12" name="Rectangle 11">
+            <a:extLst>
+              <a:ext uri="{FF2B5EF4-FFF2-40B4-BE49-F238E27FC236}">
+                <a16:creationId xmlns:a16="http://schemas.microsoft.com/office/drawing/2014/main" id="{AA15C1A6-57EA-44B4-AAA8-D124C7F663C9}"/>
+              </a:ext>
+            </a:extLst>
+          </p:cNvPr>
+          <p:cNvSpPr/>
+          <p:nvPr/>
+        </p:nvSpPr>
+        <p:spPr>
+          <a:xfrm>
+            <a:off x="959310" y="2420844"/>
+            <a:ext cx="8995851" cy="368300"/>
+          </a:xfrm>
+          <a:prstGeom prst="rect">
+            <a:avLst/>
+          </a:prstGeom>
+          <a:solidFill>
+            <a:schemeClr val="bg1">
+              <a:lumMod val="95000"/>
+            </a:schemeClr>
+          </a:solidFill>
+        </p:spPr>
+        <p:style>
+          <a:lnRef idx="2">
+            <a:schemeClr val="accent1">
+              <a:shade val="50000"/>
+            </a:schemeClr>
+          </a:lnRef>
+          <a:fillRef idx="1">
+            <a:schemeClr val="accent1"/>
+          </a:fillRef>
+          <a:effectRef idx="0">
+            <a:schemeClr val="accent1"/>
+          </a:effectRef>
+          <a:fontRef idx="minor">
+            <a:schemeClr val="lt1"/>
+          </a:fontRef>
+        </p:style>
+        <p:txBody>
+          <a:bodyPr rtlCol="0" anchor="ctr"/>
+          <a:lstStyle/>
+          <a:p>
+            <a:r>
+              <a:rPr lang="en-US" sz="1600" dirty="0">
+                <a:solidFill>
+                  <a:schemeClr val="tx1"/>
+                </a:solidFill>
+                <a:latin typeface="Consolas" panose="020B0609020204030204" pitchFamily="49" charset="0"/>
+              </a:rPr>
+              <a:t>$ docker run –it --</a:t>
+            </a:r>
+            <a:r>
+              <a:rPr lang="en-US" sz="1600" dirty="0" err="1">
+                <a:solidFill>
+                  <a:schemeClr val="tx1"/>
+                </a:solidFill>
+                <a:latin typeface="Consolas" panose="020B0609020204030204" pitchFamily="49" charset="0"/>
+              </a:rPr>
+              <a:t>volumns</a:t>
+            </a:r>
+            <a:r>
+              <a:rPr lang="en-US" sz="1600" dirty="0">
+                <a:solidFill>
+                  <a:schemeClr val="tx1"/>
+                </a:solidFill>
+                <a:latin typeface="Consolas" panose="020B0609020204030204" pitchFamily="49" charset="0"/>
+              </a:rPr>
+              <a:t>-from container_1 </a:t>
+            </a:r>
+            <a:r>
+              <a:rPr lang="en-US" sz="1600" dirty="0" err="1">
+                <a:solidFill>
+                  <a:schemeClr val="tx1"/>
+                </a:solidFill>
+                <a:latin typeface="Consolas" panose="020B0609020204030204" pitchFamily="49" charset="0"/>
+              </a:rPr>
+              <a:t>image_id:TAG</a:t>
+            </a:r>
+            <a:endParaRPr lang="en-US" sz="1600" dirty="0">
+              <a:solidFill>
+                <a:schemeClr val="tx1"/>
+              </a:solidFill>
+              <a:latin typeface="Consolas" panose="020B0609020204030204" pitchFamily="49" charset="0"/>
+            </a:endParaRPr>
           </a:p>
         </p:txBody>
       </p:sp>
     </p:spTree>
     <p:extLst>
       <p:ext uri="{BB962C8B-B14F-4D97-AF65-F5344CB8AC3E}">
-        <p14:creationId xmlns:p14="http://schemas.microsoft.com/office/powerpoint/2010/main" val="1355245187"/>
+        <p14:creationId xmlns:p14="http://schemas.microsoft.com/office/powerpoint/2010/main" val="3711432682"/>
       </p:ext>
     </p:extLst>
   </p:cSld>

--- a/Docker_Kubeneste.pptx
+++ b/Docker_Kubeneste.pptx
@@ -250,7 +250,7 @@
           <a:p>
             <a:fld id="{B394031F-8358-46EC-8E26-D2DE3CE8F7AF}" type="datetimeFigureOut">
               <a:rPr lang="en-US" smtClean="0"/>
-              <a:t>4/8/2022</a:t>
+              <a:t>4/11/2022</a:t>
             </a:fld>
             <a:endParaRPr lang="en-US"/>
           </a:p>
@@ -5289,20 +5289,590 @@
           <a:p>
             <a:r>
               <a:rPr lang="en-US" dirty="0"/>
+              <a:t>+ Thong tin </a:t>
+            </a:r>
+            <a:r>
+              <a:rPr lang="en-US" dirty="0" err="1"/>
+              <a:t>cac</a:t>
+            </a:r>
+            <a:r>
+              <a:rPr lang="en-US" dirty="0"/>
+              <a:t> components:</a:t>
+            </a:r>
+          </a:p>
+          <a:p>
+            <a:r>
+              <a:rPr lang="en-US" dirty="0"/>
               <a:t>(1): you &amp; the other control plane components communicates with</a:t>
             </a:r>
           </a:p>
           <a:p>
             <a:r>
               <a:rPr lang="en-US" dirty="0"/>
-              <a:t>(4): performs cluster-level functions. Ex: replicating comp, keep track of worker nodes ….</a:t>
-            </a:r>
-            <a:br>
-              <a:rPr lang="en-US" dirty="0"/>
-            </a:br>
-            <a:r>
-              <a:rPr lang="en-US" dirty="0"/>
-              <a:t>(5): a reliable distributed data store that persistently stores the cluster configuration.</a:t>
+              <a:t>(2): </a:t>
+            </a:r>
+            <a:r>
+              <a:rPr lang="en-US" dirty="0" err="1"/>
+              <a:t>lên</a:t>
+            </a:r>
+            <a:r>
+              <a:rPr lang="en-US" dirty="0"/>
+              <a:t> </a:t>
+            </a:r>
+            <a:r>
+              <a:rPr lang="en-US" dirty="0" err="1"/>
+              <a:t>kế</a:t>
+            </a:r>
+            <a:r>
+              <a:rPr lang="en-US" dirty="0"/>
+              <a:t> </a:t>
+            </a:r>
+            <a:r>
+              <a:rPr lang="en-US" dirty="0" err="1"/>
+              <a:t>hoạch</a:t>
+            </a:r>
+            <a:r>
+              <a:rPr lang="en-US" dirty="0"/>
+              <a:t> </a:t>
+            </a:r>
+            <a:r>
+              <a:rPr lang="en-US" dirty="0" err="1"/>
+              <a:t>cho</a:t>
+            </a:r>
+            <a:r>
+              <a:rPr lang="en-US" dirty="0"/>
+              <a:t> apps (</a:t>
+            </a:r>
+            <a:r>
+              <a:rPr lang="en-US" dirty="0" err="1"/>
+              <a:t>giao</a:t>
+            </a:r>
+            <a:r>
+              <a:rPr lang="en-US" dirty="0"/>
+              <a:t> task </a:t>
+            </a:r>
+            <a:r>
+              <a:rPr lang="en-US" dirty="0" err="1"/>
+              <a:t>cho</a:t>
+            </a:r>
+            <a:r>
+              <a:rPr lang="en-US" dirty="0"/>
+              <a:t> node) &gt;&lt; </a:t>
+            </a:r>
+            <a:r>
+              <a:rPr lang="en-US" dirty="0" err="1"/>
+              <a:t>thời</a:t>
+            </a:r>
+            <a:r>
+              <a:rPr lang="en-US" dirty="0"/>
+              <a:t> </a:t>
+            </a:r>
+            <a:r>
+              <a:rPr lang="en-US" dirty="0" err="1"/>
+              <a:t>gian</a:t>
+            </a:r>
+            <a:endParaRPr lang="en-US" dirty="0"/>
+          </a:p>
+          <a:p>
+            <a:r>
+              <a:rPr lang="en-US" dirty="0"/>
+              <a:t>(4): </a:t>
+            </a:r>
+            <a:r>
+              <a:rPr lang="en-US" dirty="0" err="1"/>
+              <a:t>thực</a:t>
+            </a:r>
+            <a:r>
+              <a:rPr lang="en-US" dirty="0"/>
+              <a:t> </a:t>
+            </a:r>
+            <a:r>
+              <a:rPr lang="en-US" dirty="0" err="1"/>
+              <a:t>hiện</a:t>
+            </a:r>
+            <a:r>
+              <a:rPr lang="en-US" dirty="0"/>
+              <a:t> </a:t>
+            </a:r>
+            <a:r>
+              <a:rPr lang="en-US" dirty="0" err="1"/>
+              <a:t>các</a:t>
+            </a:r>
+            <a:r>
+              <a:rPr lang="en-US" dirty="0"/>
+              <a:t> </a:t>
+            </a:r>
+            <a:r>
+              <a:rPr lang="en-US" dirty="0" err="1"/>
+              <a:t>chức</a:t>
+            </a:r>
+            <a:r>
+              <a:rPr lang="en-US" dirty="0"/>
+              <a:t> </a:t>
+            </a:r>
+            <a:r>
+              <a:rPr lang="en-US" dirty="0" err="1"/>
+              <a:t>năng</a:t>
+            </a:r>
+            <a:r>
+              <a:rPr lang="en-US" dirty="0"/>
+              <a:t> </a:t>
+            </a:r>
+            <a:r>
+              <a:rPr lang="en-US" dirty="0" err="1"/>
+              <a:t>cho</a:t>
+            </a:r>
+            <a:r>
+              <a:rPr lang="en-US" dirty="0"/>
+              <a:t> </a:t>
+            </a:r>
+            <a:r>
+              <a:rPr lang="en-US" dirty="0" err="1"/>
+              <a:t>từng</a:t>
+            </a:r>
+            <a:r>
+              <a:rPr lang="en-US" dirty="0"/>
+              <a:t> </a:t>
+            </a:r>
+            <a:r>
+              <a:rPr lang="en-US" dirty="0" err="1"/>
+              <a:t>cụm</a:t>
+            </a:r>
+            <a:r>
+              <a:rPr lang="en-US" dirty="0"/>
+              <a:t> (</a:t>
+            </a:r>
+            <a:r>
+              <a:rPr lang="en-US" dirty="0" err="1"/>
+              <a:t>sao</a:t>
+            </a:r>
+            <a:r>
+              <a:rPr lang="en-US" dirty="0"/>
+              <a:t> </a:t>
+            </a:r>
+            <a:r>
+              <a:rPr lang="en-US" dirty="0" err="1"/>
+              <a:t>chép</a:t>
+            </a:r>
+            <a:r>
+              <a:rPr lang="en-US" dirty="0"/>
+              <a:t> files, </a:t>
+            </a:r>
+            <a:r>
+              <a:rPr lang="en-US" dirty="0" err="1"/>
+              <a:t>giám</a:t>
+            </a:r>
+            <a:r>
+              <a:rPr lang="en-US" dirty="0"/>
+              <a:t> </a:t>
+            </a:r>
+            <a:r>
+              <a:rPr lang="en-US" dirty="0" err="1"/>
+              <a:t>sát</a:t>
+            </a:r>
+            <a:r>
+              <a:rPr lang="en-US" dirty="0"/>
+              <a:t> </a:t>
+            </a:r>
+            <a:r>
+              <a:rPr lang="en-US" dirty="0" err="1"/>
+              <a:t>trạng</a:t>
+            </a:r>
+            <a:r>
+              <a:rPr lang="en-US" dirty="0"/>
+              <a:t> </a:t>
+            </a:r>
+            <a:r>
+              <a:rPr lang="en-US" dirty="0" err="1"/>
+              <a:t>thái</a:t>
+            </a:r>
+            <a:r>
+              <a:rPr lang="en-US" dirty="0"/>
+              <a:t> </a:t>
+            </a:r>
+            <a:r>
+              <a:rPr lang="en-US" dirty="0" err="1"/>
+              <a:t>của</a:t>
+            </a:r>
+            <a:r>
+              <a:rPr lang="en-US" dirty="0"/>
+              <a:t> </a:t>
+            </a:r>
+            <a:r>
+              <a:rPr lang="en-US" dirty="0" err="1"/>
+              <a:t>các</a:t>
+            </a:r>
+            <a:r>
+              <a:rPr lang="en-US" dirty="0"/>
+              <a:t> node, </a:t>
+            </a:r>
+            <a:r>
+              <a:rPr lang="en-US" dirty="0" err="1"/>
+              <a:t>giải</a:t>
+            </a:r>
+            <a:r>
+              <a:rPr lang="en-US" dirty="0"/>
+              <a:t> </a:t>
+            </a:r>
+            <a:r>
+              <a:rPr lang="en-US" dirty="0" err="1"/>
+              <a:t>quyết</a:t>
+            </a:r>
+            <a:r>
+              <a:rPr lang="en-US" dirty="0"/>
+              <a:t> </a:t>
+            </a:r>
+            <a:r>
+              <a:rPr lang="en-US" dirty="0" err="1"/>
+              <a:t>các</a:t>
+            </a:r>
+            <a:r>
+              <a:rPr lang="en-US" dirty="0"/>
+              <a:t> </a:t>
+            </a:r>
+            <a:r>
+              <a:rPr lang="en-US" dirty="0" err="1"/>
+              <a:t>vấn</a:t>
+            </a:r>
+            <a:r>
+              <a:rPr lang="en-US" dirty="0"/>
+              <a:t> </a:t>
+            </a:r>
+            <a:r>
+              <a:rPr lang="en-US" dirty="0" err="1"/>
+              <a:t>đề</a:t>
+            </a:r>
+            <a:r>
+              <a:rPr lang="en-US" dirty="0"/>
+              <a:t> </a:t>
+            </a:r>
+            <a:r>
+              <a:rPr lang="en-US" dirty="0" err="1"/>
+              <a:t>phát</a:t>
+            </a:r>
+            <a:r>
+              <a:rPr lang="en-US" dirty="0"/>
+              <a:t> </a:t>
+            </a:r>
+            <a:r>
+              <a:rPr lang="en-US" dirty="0" err="1"/>
+              <a:t>sinh</a:t>
+            </a:r>
+            <a:r>
+              <a:rPr lang="en-US" dirty="0"/>
+              <a:t> …)</a:t>
+            </a:r>
+          </a:p>
+          <a:p>
+            <a:r>
+              <a:rPr lang="en-US" dirty="0"/>
+              <a:t>(5): </a:t>
+            </a:r>
+            <a:r>
+              <a:rPr lang="en-US" dirty="0" err="1"/>
+              <a:t>dạng</a:t>
+            </a:r>
+            <a:r>
+              <a:rPr lang="en-US" dirty="0"/>
+              <a:t> </a:t>
+            </a:r>
+            <a:r>
+              <a:rPr lang="en-US" dirty="0" err="1"/>
+              <a:t>thông</a:t>
+            </a:r>
+            <a:r>
+              <a:rPr lang="en-US" dirty="0"/>
+              <a:t> tin ~ key-value </a:t>
+            </a:r>
+            <a:r>
+              <a:rPr lang="en-US" dirty="0" err="1"/>
+              <a:t>cho</a:t>
+            </a:r>
+            <a:r>
+              <a:rPr lang="en-US" dirty="0"/>
+              <a:t> </a:t>
+            </a:r>
+            <a:r>
+              <a:rPr lang="en-US" dirty="0" err="1"/>
+              <a:t>mục</a:t>
+            </a:r>
+            <a:r>
+              <a:rPr lang="en-US" dirty="0"/>
+              <a:t> </a:t>
+            </a:r>
+            <a:r>
+              <a:rPr lang="en-US" dirty="0" err="1"/>
+              <a:t>đích</a:t>
+            </a:r>
+            <a:r>
+              <a:rPr lang="en-US" dirty="0"/>
+              <a:t> </a:t>
+            </a:r>
+            <a:r>
+              <a:rPr lang="en-US" dirty="0" err="1"/>
+              <a:t>lưu</a:t>
+            </a:r>
+            <a:r>
+              <a:rPr lang="en-US" dirty="0"/>
+              <a:t> </a:t>
+            </a:r>
+            <a:r>
+              <a:rPr lang="en-US" dirty="0" err="1"/>
+              <a:t>trữ</a:t>
+            </a:r>
+            <a:r>
+              <a:rPr lang="en-US" dirty="0"/>
+              <a:t> </a:t>
+            </a:r>
+            <a:r>
+              <a:rPr lang="en-US" dirty="0" err="1"/>
+              <a:t>toàn</a:t>
+            </a:r>
+            <a:r>
+              <a:rPr lang="en-US" dirty="0"/>
+              <a:t> </a:t>
+            </a:r>
+            <a:r>
+              <a:rPr lang="en-US" dirty="0" err="1"/>
+              <a:t>bộ</a:t>
+            </a:r>
+            <a:r>
+              <a:rPr lang="en-US" dirty="0"/>
+              <a:t> </a:t>
+            </a:r>
+            <a:r>
+              <a:rPr lang="en-US" dirty="0" err="1"/>
+              <a:t>cấu</a:t>
+            </a:r>
+            <a:r>
+              <a:rPr lang="en-US" dirty="0"/>
+              <a:t> </a:t>
+            </a:r>
+            <a:r>
+              <a:rPr lang="en-US" dirty="0" err="1"/>
+              <a:t>hình</a:t>
+            </a:r>
+            <a:r>
+              <a:rPr lang="en-US" dirty="0"/>
+              <a:t>, </a:t>
+            </a:r>
+            <a:r>
+              <a:rPr lang="en-US" dirty="0" err="1"/>
+              <a:t>trạng</a:t>
+            </a:r>
+            <a:r>
+              <a:rPr lang="en-US" dirty="0"/>
+              <a:t> </a:t>
+            </a:r>
+            <a:r>
+              <a:rPr lang="en-US" dirty="0" err="1"/>
+              <a:t>thái</a:t>
+            </a:r>
+            <a:r>
+              <a:rPr lang="en-US" dirty="0"/>
+              <a:t> &amp; metadata </a:t>
+            </a:r>
+            <a:r>
+              <a:rPr lang="en-US" dirty="0" err="1"/>
+              <a:t>của</a:t>
+            </a:r>
+            <a:r>
+              <a:rPr lang="en-US" dirty="0"/>
+              <a:t> k8s </a:t>
+            </a:r>
+            <a:r>
+              <a:rPr lang="en-US" b="1" dirty="0"/>
+              <a:t>(</a:t>
+            </a:r>
+            <a:r>
+              <a:rPr lang="en-US" b="1" dirty="0" err="1"/>
+              <a:t>hãy</a:t>
+            </a:r>
+            <a:r>
+              <a:rPr lang="en-US" b="1" dirty="0"/>
+              <a:t> </a:t>
+            </a:r>
+            <a:r>
+              <a:rPr lang="en-US" b="1" dirty="0" err="1"/>
+              <a:t>nêu</a:t>
+            </a:r>
+            <a:r>
+              <a:rPr lang="en-US" b="1" dirty="0"/>
+              <a:t> </a:t>
+            </a:r>
+            <a:r>
+              <a:rPr lang="en-US" b="1" dirty="0" err="1"/>
+              <a:t>ví</a:t>
+            </a:r>
+            <a:r>
+              <a:rPr lang="en-US" b="1" dirty="0"/>
+              <a:t> </a:t>
+            </a:r>
+            <a:r>
+              <a:rPr lang="en-US" b="1" dirty="0" err="1"/>
+              <a:t>dụ</a:t>
+            </a:r>
+            <a:r>
+              <a:rPr lang="en-US" b="1" dirty="0"/>
+              <a:t> </a:t>
+            </a:r>
+            <a:r>
+              <a:rPr lang="en-US" b="1" dirty="0" err="1"/>
+              <a:t>về</a:t>
+            </a:r>
+            <a:r>
+              <a:rPr lang="en-US" b="1" dirty="0"/>
+              <a:t> </a:t>
+            </a:r>
+            <a:r>
+              <a:rPr lang="en-US" b="1" dirty="0" err="1"/>
+              <a:t>nó</a:t>
+            </a:r>
+            <a:r>
+              <a:rPr lang="en-US" b="1" dirty="0"/>
+              <a:t>)</a:t>
+            </a:r>
+          </a:p>
+          <a:p>
+            <a:r>
+              <a:rPr lang="en-US" dirty="0"/>
+              <a:t>+ CP co </a:t>
+            </a:r>
+            <a:r>
+              <a:rPr lang="en-US" dirty="0" err="1"/>
+              <a:t>thể</a:t>
+            </a:r>
+            <a:r>
+              <a:rPr lang="en-US" dirty="0"/>
+              <a:t> </a:t>
+            </a:r>
+            <a:r>
+              <a:rPr lang="en-US" dirty="0" err="1"/>
+              <a:t>chạy</a:t>
+            </a:r>
+            <a:r>
+              <a:rPr lang="en-US" dirty="0"/>
+              <a:t> </a:t>
+            </a:r>
+            <a:r>
+              <a:rPr lang="en-US" dirty="0" err="1"/>
+              <a:t>như</a:t>
+            </a:r>
+            <a:r>
+              <a:rPr lang="en-US" dirty="0"/>
+              <a:t> 1 node </a:t>
+            </a:r>
+            <a:r>
+              <a:rPr lang="en-US" dirty="0" err="1"/>
+              <a:t>đơn</a:t>
+            </a:r>
+            <a:r>
+              <a:rPr lang="en-US" dirty="0"/>
+              <a:t> </a:t>
+            </a:r>
+            <a:r>
+              <a:rPr lang="en-US" dirty="0" err="1"/>
+              <a:t>hoặc</a:t>
+            </a:r>
+            <a:r>
+              <a:rPr lang="en-US" dirty="0"/>
+              <a:t> </a:t>
+            </a:r>
+            <a:r>
+              <a:rPr lang="en-US" dirty="0" err="1"/>
+              <a:t>được</a:t>
+            </a:r>
+            <a:r>
+              <a:rPr lang="en-US" dirty="0"/>
+              <a:t> </a:t>
+            </a:r>
+            <a:r>
+              <a:rPr lang="en-US" dirty="0" err="1"/>
+              <a:t>thiết</a:t>
+            </a:r>
+            <a:r>
+              <a:rPr lang="en-US" dirty="0"/>
+              <a:t> </a:t>
+            </a:r>
+            <a:r>
+              <a:rPr lang="en-US" dirty="0" err="1"/>
+              <a:t>lập</a:t>
+            </a:r>
+            <a:r>
+              <a:rPr lang="en-US" dirty="0"/>
+              <a:t> </a:t>
+            </a:r>
+            <a:r>
+              <a:rPr lang="en-US" dirty="0" err="1"/>
+              <a:t>thành</a:t>
+            </a:r>
+            <a:r>
+              <a:rPr lang="en-US" dirty="0"/>
+              <a:t> </a:t>
+            </a:r>
+            <a:r>
+              <a:rPr lang="en-US" dirty="0" err="1"/>
+              <a:t>nhiều</a:t>
+            </a:r>
+            <a:r>
+              <a:rPr lang="en-US" dirty="0"/>
+              <a:t> nodes ~&gt; </a:t>
+            </a:r>
+            <a:r>
+              <a:rPr lang="en-US" dirty="0" err="1"/>
+              <a:t>tăng</a:t>
+            </a:r>
+            <a:r>
+              <a:rPr lang="en-US" dirty="0"/>
+              <a:t> </a:t>
+            </a:r>
+            <a:r>
+              <a:rPr lang="en-US" dirty="0" err="1"/>
+              <a:t>khả</a:t>
+            </a:r>
+            <a:r>
+              <a:rPr lang="en-US" dirty="0"/>
+              <a:t> </a:t>
+            </a:r>
+            <a:r>
+              <a:rPr lang="en-US" dirty="0" err="1"/>
+              <a:t>năng</a:t>
+            </a:r>
+            <a:r>
+              <a:rPr lang="en-US" dirty="0"/>
+              <a:t> </a:t>
+            </a:r>
+            <a:r>
+              <a:rPr lang="en-US" dirty="0" err="1"/>
+              <a:t>quản</a:t>
+            </a:r>
+            <a:r>
+              <a:rPr lang="en-US" dirty="0"/>
+              <a:t> </a:t>
+            </a:r>
+            <a:r>
+              <a:rPr lang="en-US" dirty="0" err="1"/>
+              <a:t>lý</a:t>
+            </a:r>
+            <a:r>
+              <a:rPr lang="en-US" dirty="0"/>
+              <a:t> </a:t>
+            </a:r>
+            <a:r>
+              <a:rPr lang="en-US" dirty="0" err="1"/>
+              <a:t>hệ</a:t>
+            </a:r>
+            <a:r>
+              <a:rPr lang="en-US" dirty="0"/>
+              <a:t> </a:t>
+            </a:r>
+            <a:r>
+              <a:rPr lang="en-US" dirty="0" err="1"/>
+              <a:t>thống</a:t>
+            </a:r>
+            <a:r>
+              <a:rPr lang="en-US" dirty="0"/>
+              <a:t>.</a:t>
             </a:r>
           </a:p>
         </p:txBody>
@@ -6880,6 +7450,240 @@
             </a:r>
           </a:p>
           <a:p>
+            <a:pPr marL="0" indent="0">
+              <a:buFontTx/>
+              <a:buNone/>
+            </a:pPr>
+            <a:r>
+              <a:rPr lang="en-US" b="0" i="0" dirty="0"/>
+              <a:t>+ Problem: </a:t>
+            </a:r>
+            <a:r>
+              <a:rPr lang="en-US" b="0" i="0" dirty="0" err="1"/>
+              <a:t>moi</a:t>
+            </a:r>
+            <a:r>
+              <a:rPr lang="en-US" b="0" i="0" dirty="0"/>
+              <a:t> </a:t>
+            </a:r>
+            <a:r>
+              <a:rPr lang="en-US" b="0" i="0" dirty="0" err="1"/>
+              <a:t>nhóm</a:t>
+            </a:r>
+            <a:r>
+              <a:rPr lang="en-US" b="0" i="0" dirty="0"/>
+              <a:t> </a:t>
+            </a:r>
+            <a:r>
+              <a:rPr lang="en-US" b="0" i="0" dirty="0" err="1"/>
+              <a:t>được</a:t>
+            </a:r>
+            <a:r>
+              <a:rPr lang="en-US" b="0" i="0" dirty="0"/>
+              <a:t> </a:t>
+            </a:r>
+            <a:r>
+              <a:rPr lang="en-US" b="0" i="0" dirty="0" err="1"/>
+              <a:t>gán</a:t>
+            </a:r>
+            <a:r>
+              <a:rPr lang="en-US" b="0" i="0" dirty="0"/>
+              <a:t> </a:t>
+            </a:r>
+            <a:r>
+              <a:rPr lang="en-US" b="0" i="0" dirty="0" err="1"/>
+              <a:t>bằng</a:t>
+            </a:r>
+            <a:r>
+              <a:rPr lang="en-US" b="0" i="0" dirty="0"/>
+              <a:t> 1 </a:t>
+            </a:r>
+            <a:r>
+              <a:rPr lang="en-US" b="0" i="0" dirty="0" err="1"/>
+              <a:t>địa</a:t>
+            </a:r>
+            <a:r>
+              <a:rPr lang="en-US" b="0" i="0" dirty="0"/>
+              <a:t> </a:t>
+            </a:r>
+            <a:r>
+              <a:rPr lang="en-US" b="0" i="0" dirty="0" err="1"/>
+              <a:t>chỉ</a:t>
+            </a:r>
+            <a:r>
+              <a:rPr lang="en-US" b="0" i="0" dirty="0"/>
+              <a:t> IP </a:t>
+            </a:r>
+            <a:r>
+              <a:rPr lang="en-US" b="0" i="0" dirty="0" err="1"/>
+              <a:t>nhưng</a:t>
+            </a:r>
+            <a:r>
+              <a:rPr lang="en-US" b="0" i="0" dirty="0"/>
+              <a:t> Pods </a:t>
+            </a:r>
+            <a:r>
+              <a:rPr lang="en-US" b="0" i="0" dirty="0" err="1"/>
+              <a:t>chỉ</a:t>
+            </a:r>
+            <a:r>
+              <a:rPr lang="en-US" b="0" i="0" dirty="0"/>
+              <a:t> </a:t>
+            </a:r>
+            <a:r>
+              <a:rPr lang="en-US" b="0" i="0" dirty="0" err="1"/>
+              <a:t>có</a:t>
+            </a:r>
+            <a:r>
+              <a:rPr lang="en-US" b="0" i="0" dirty="0"/>
+              <a:t> </a:t>
+            </a:r>
+            <a:r>
+              <a:rPr lang="en-US" b="0" i="0" dirty="0" err="1"/>
+              <a:t>tính</a:t>
+            </a:r>
+            <a:r>
+              <a:rPr lang="en-US" b="0" i="0" dirty="0"/>
+              <a:t> </a:t>
+            </a:r>
+            <a:r>
+              <a:rPr lang="en-US" b="0" i="0" dirty="0" err="1"/>
+              <a:t>tạm</a:t>
+            </a:r>
+            <a:r>
+              <a:rPr lang="en-US" b="0" i="0" dirty="0"/>
+              <a:t> </a:t>
+            </a:r>
+            <a:r>
+              <a:rPr lang="en-US" b="0" i="0" dirty="0" err="1"/>
+              <a:t>thời</a:t>
+            </a:r>
+            <a:r>
+              <a:rPr lang="en-US" b="0" i="0" dirty="0"/>
+              <a:t> ~&gt; </a:t>
+            </a:r>
+            <a:r>
+              <a:rPr lang="en-US" b="0" i="0" dirty="0" err="1"/>
+              <a:t>khi</a:t>
+            </a:r>
+            <a:r>
+              <a:rPr lang="en-US" b="0" i="0" dirty="0"/>
+              <a:t> </a:t>
+            </a:r>
+            <a:r>
+              <a:rPr lang="en-US" b="0" i="0" dirty="0" err="1"/>
+              <a:t>một</a:t>
+            </a:r>
+            <a:r>
+              <a:rPr lang="en-US" b="0" i="0" dirty="0"/>
+              <a:t> Pods </a:t>
+            </a:r>
+            <a:r>
+              <a:rPr lang="en-US" b="0" i="0" dirty="0" err="1"/>
+              <a:t>chết</a:t>
+            </a:r>
+            <a:r>
+              <a:rPr lang="en-US" b="0" i="0" dirty="0"/>
+              <a:t>/</a:t>
+            </a:r>
+            <a:r>
+              <a:rPr lang="en-US" b="0" i="0" dirty="0" err="1"/>
+              <a:t>thay</a:t>
+            </a:r>
+            <a:r>
+              <a:rPr lang="en-US" b="0" i="0" dirty="0"/>
+              <a:t> </a:t>
+            </a:r>
+            <a:r>
+              <a:rPr lang="en-US" b="0" i="0" dirty="0" err="1"/>
+              <a:t>thế</a:t>
+            </a:r>
+            <a:r>
+              <a:rPr lang="en-US" b="0" i="0" dirty="0"/>
+              <a:t> </a:t>
+            </a:r>
+            <a:r>
+              <a:rPr lang="en-US" b="0" i="0" dirty="0" err="1"/>
+              <a:t>làm</a:t>
+            </a:r>
+            <a:r>
+              <a:rPr lang="en-US" b="0" i="0" dirty="0"/>
+              <a:t> </a:t>
+            </a:r>
+            <a:r>
+              <a:rPr lang="en-US" b="0" i="0" dirty="0" err="1"/>
+              <a:t>thế</a:t>
+            </a:r>
+            <a:r>
+              <a:rPr lang="en-US" b="0" i="0" dirty="0"/>
+              <a:t> </a:t>
+            </a:r>
+            <a:r>
+              <a:rPr lang="en-US" b="0" i="0" dirty="0" err="1"/>
+              <a:t>nào</a:t>
+            </a:r>
+            <a:r>
+              <a:rPr lang="en-US" b="0" i="0" dirty="0"/>
+              <a:t> </a:t>
+            </a:r>
+            <a:r>
+              <a:rPr lang="en-US" b="0" i="0" dirty="0" err="1"/>
+              <a:t>để</a:t>
+            </a:r>
+            <a:r>
+              <a:rPr lang="en-US" b="0" i="0" dirty="0"/>
+              <a:t> </a:t>
+            </a:r>
+            <a:r>
+              <a:rPr lang="en-US" b="0" i="0" dirty="0" err="1"/>
+              <a:t>giữ</a:t>
+            </a:r>
+            <a:r>
+              <a:rPr lang="en-US" b="0" i="0" dirty="0"/>
+              <a:t> </a:t>
+            </a:r>
+            <a:r>
+              <a:rPr lang="en-US" b="0" i="0" dirty="0" err="1"/>
+              <a:t>kết</a:t>
+            </a:r>
+            <a:r>
+              <a:rPr lang="en-US" b="0" i="0" dirty="0"/>
+              <a:t> </a:t>
+            </a:r>
+            <a:r>
+              <a:rPr lang="en-US" b="0" i="0" dirty="0" err="1"/>
+              <a:t>nối</a:t>
+            </a:r>
+            <a:r>
+              <a:rPr lang="en-US" b="0" i="0" dirty="0"/>
+              <a:t> </a:t>
+            </a:r>
+            <a:r>
+              <a:rPr lang="en-US" b="0" i="0" dirty="0" err="1"/>
+              <a:t>như</a:t>
+            </a:r>
+            <a:r>
+              <a:rPr lang="en-US" b="0" i="0" dirty="0"/>
+              <a:t> </a:t>
+            </a:r>
+            <a:r>
+              <a:rPr lang="en-US" b="0" i="0" dirty="0" err="1"/>
+              <a:t>lúc</a:t>
+            </a:r>
+            <a:r>
+              <a:rPr lang="en-US" b="0" i="0" dirty="0"/>
+              <a:t> </a:t>
+            </a:r>
+            <a:r>
+              <a:rPr lang="en-US" b="0" i="0" dirty="0" err="1"/>
+              <a:t>đầu</a:t>
+            </a:r>
+            <a:r>
+              <a:rPr lang="en-US" b="0" i="0" dirty="0"/>
+              <a:t> ? </a:t>
+            </a:r>
+          </a:p>
+          <a:p>
             <a:pPr marL="171450" indent="-171450">
               <a:buFontTx/>
               <a:buChar char="-"/>
@@ -7348,14 +8152,100 @@
             </a:r>
           </a:p>
           <a:p>
-            <a:pPr marL="0" indent="0">
+            <a:pPr marL="171450" indent="-171450">
               <a:buFontTx/>
-              <a:buNone/>
+              <a:buChar char="-"/>
             </a:pPr>
             <a:r>
               <a:rPr lang="en-US" dirty="0"/>
-              <a:t>- Pods ~ nonpermanent resources (created &amp; destroyed dynamically)</a:t>
-            </a:r>
+              <a:t>Pods ~ nonpermanent resources (created &amp; destroyed dynamically)</a:t>
+            </a:r>
+          </a:p>
+          <a:p>
+            <a:pPr marL="171450" indent="-171450">
+              <a:buFontTx/>
+              <a:buChar char="-"/>
+            </a:pPr>
+            <a:r>
+              <a:rPr lang="en-US" dirty="0"/>
+              <a:t>Load balancing:  </a:t>
+            </a:r>
+            <a:r>
+              <a:rPr lang="en-US" dirty="0" err="1"/>
+              <a:t>giả</a:t>
+            </a:r>
+            <a:r>
+              <a:rPr lang="en-US" dirty="0"/>
+              <a:t> </a:t>
+            </a:r>
+            <a:r>
+              <a:rPr lang="en-US" dirty="0" err="1"/>
+              <a:t>sử</a:t>
+            </a:r>
+            <a:r>
+              <a:rPr lang="en-US" dirty="0"/>
+              <a:t> </a:t>
+            </a:r>
+            <a:r>
+              <a:rPr lang="en-US" dirty="0" err="1"/>
+              <a:t>khi</a:t>
+            </a:r>
+            <a:r>
+              <a:rPr lang="en-US" dirty="0"/>
+              <a:t> </a:t>
+            </a:r>
+            <a:r>
+              <a:rPr lang="en-US" dirty="0" err="1"/>
+              <a:t>có</a:t>
+            </a:r>
+            <a:r>
+              <a:rPr lang="en-US" dirty="0"/>
+              <a:t> </a:t>
+            </a:r>
+            <a:r>
+              <a:rPr lang="en-US" dirty="0" err="1"/>
+              <a:t>nhiều</a:t>
+            </a:r>
+            <a:r>
+              <a:rPr lang="en-US" dirty="0"/>
+              <a:t> </a:t>
+            </a:r>
+            <a:r>
+              <a:rPr lang="en-US" dirty="0" err="1"/>
+              <a:t>ứng</a:t>
+            </a:r>
+            <a:r>
+              <a:rPr lang="en-US" dirty="0"/>
+              <a:t> </a:t>
+            </a:r>
+            <a:r>
+              <a:rPr lang="en-US" dirty="0" err="1"/>
+              <a:t>dụng</a:t>
+            </a:r>
+            <a:r>
+              <a:rPr lang="en-US" dirty="0"/>
+              <a:t> </a:t>
+            </a:r>
+            <a:r>
+              <a:rPr lang="en-US" dirty="0" err="1"/>
+              <a:t>cùng</a:t>
+            </a:r>
+            <a:r>
+              <a:rPr lang="en-US" dirty="0"/>
+              <a:t> </a:t>
+            </a:r>
+            <a:r>
+              <a:rPr lang="en-US" dirty="0" err="1"/>
+              <a:t>chạy</a:t>
+            </a:r>
+            <a:endParaRPr lang="en-US" dirty="0"/>
+          </a:p>
+          <a:p>
+            <a:pPr marL="171450" indent="-171450">
+              <a:buFontTx/>
+              <a:buChar char="-"/>
+            </a:pPr>
+            <a:endParaRPr lang="en-US" dirty="0"/>
           </a:p>
         </p:txBody>
       </p:sp>
@@ -7443,7 +8333,146 @@
               <a:buFontTx/>
               <a:buNone/>
             </a:pPr>
-            <a:endParaRPr lang="en-US" dirty="0"/>
+            <a:r>
+              <a:rPr lang="en-US" dirty="0"/>
+              <a:t>+ dung </a:t>
+            </a:r>
+            <a:r>
+              <a:rPr lang="en-US" dirty="0" err="1"/>
+              <a:t>điều</a:t>
+            </a:r>
+            <a:r>
+              <a:rPr lang="en-US" dirty="0"/>
+              <a:t> </a:t>
+            </a:r>
+            <a:r>
+              <a:rPr lang="en-US" dirty="0" err="1"/>
+              <a:t>hướng</a:t>
+            </a:r>
+            <a:r>
+              <a:rPr lang="en-US" dirty="0"/>
+              <a:t> </a:t>
+            </a:r>
+            <a:r>
+              <a:rPr lang="en-US" dirty="0" err="1"/>
+              <a:t>các</a:t>
+            </a:r>
+            <a:r>
+              <a:rPr lang="en-US" dirty="0"/>
+              <a:t> </a:t>
+            </a:r>
+            <a:r>
+              <a:rPr lang="en-US" dirty="0" err="1"/>
+              <a:t>yêu</a:t>
+            </a:r>
+            <a:r>
+              <a:rPr lang="en-US" dirty="0"/>
+              <a:t> </a:t>
+            </a:r>
+            <a:r>
+              <a:rPr lang="en-US" dirty="0" err="1"/>
+              <a:t>cầu</a:t>
+            </a:r>
+            <a:r>
+              <a:rPr lang="en-US" dirty="0"/>
+              <a:t> </a:t>
+            </a:r>
+            <a:r>
+              <a:rPr lang="en-US" dirty="0" err="1"/>
+              <a:t>từ</a:t>
+            </a:r>
+            <a:r>
+              <a:rPr lang="en-US" dirty="0"/>
+              <a:t> </a:t>
+            </a:r>
+            <a:r>
+              <a:rPr lang="en-US" dirty="0" err="1"/>
+              <a:t>giao</a:t>
+            </a:r>
+            <a:r>
+              <a:rPr lang="en-US" dirty="0"/>
+              <a:t> </a:t>
+            </a:r>
+            <a:r>
+              <a:rPr lang="en-US" dirty="0" err="1"/>
+              <a:t>thức</a:t>
+            </a:r>
+            <a:r>
+              <a:rPr lang="en-US" dirty="0"/>
+              <a:t> HTTP &amp; HTTPS </a:t>
+            </a:r>
+            <a:r>
+              <a:rPr lang="en-US" dirty="0" err="1"/>
+              <a:t>từ</a:t>
+            </a:r>
+            <a:r>
+              <a:rPr lang="en-US" dirty="0"/>
+              <a:t> </a:t>
+            </a:r>
+            <a:r>
+              <a:rPr lang="en-US" dirty="0" err="1"/>
+              <a:t>bên</a:t>
+            </a:r>
+            <a:r>
+              <a:rPr lang="en-US" dirty="0"/>
+              <a:t> </a:t>
+            </a:r>
+            <a:r>
+              <a:rPr lang="en-US" dirty="0" err="1"/>
+              <a:t>ngoài</a:t>
+            </a:r>
+            <a:r>
+              <a:rPr lang="en-US" dirty="0"/>
+              <a:t> </a:t>
+            </a:r>
+            <a:r>
+              <a:rPr lang="en-US" dirty="0" err="1"/>
+              <a:t>vào</a:t>
+            </a:r>
+            <a:r>
+              <a:rPr lang="en-US" dirty="0"/>
+              <a:t> </a:t>
+            </a:r>
+            <a:r>
+              <a:rPr lang="en-US" dirty="0" err="1"/>
+              <a:t>các</a:t>
+            </a:r>
+            <a:r>
+              <a:rPr lang="en-US" dirty="0"/>
+              <a:t> </a:t>
+            </a:r>
+            <a:r>
+              <a:rPr lang="en-US" dirty="0" err="1"/>
+              <a:t>dịch</a:t>
+            </a:r>
+            <a:r>
+              <a:rPr lang="en-US" dirty="0"/>
+              <a:t> </a:t>
+            </a:r>
+            <a:r>
+              <a:rPr lang="en-US" dirty="0" err="1"/>
+              <a:t>vụ</a:t>
+            </a:r>
+            <a:r>
+              <a:rPr lang="en-US" dirty="0"/>
+              <a:t> </a:t>
+            </a:r>
+            <a:r>
+              <a:rPr lang="en-US" dirty="0" err="1"/>
+              <a:t>bên</a:t>
+            </a:r>
+            <a:r>
+              <a:rPr lang="en-US" dirty="0"/>
+              <a:t> </a:t>
+            </a:r>
+            <a:r>
+              <a:rPr lang="en-US" dirty="0" err="1"/>
+              <a:t>trong</a:t>
+            </a:r>
+            <a:r>
+              <a:rPr lang="en-US" dirty="0"/>
+              <a:t> cluster</a:t>
+            </a:r>
           </a:p>
         </p:txBody>
       </p:sp>
@@ -7620,7 +8649,241 @@
             </a:pPr>
             <a:r>
               <a:rPr lang="en-US" dirty="0"/>
-              <a:t>+ Pods communicate with other each using a service</a:t>
+              <a:t>+ Motivation: </a:t>
+            </a:r>
+            <a:r>
+              <a:rPr lang="en-US" dirty="0" err="1"/>
+              <a:t>hãy</a:t>
+            </a:r>
+            <a:r>
+              <a:rPr lang="en-US" dirty="0"/>
+              <a:t> </a:t>
+            </a:r>
+            <a:r>
+              <a:rPr lang="en-US" dirty="0" err="1"/>
+              <a:t>bắt</a:t>
+            </a:r>
+            <a:r>
+              <a:rPr lang="en-US" dirty="0"/>
+              <a:t> </a:t>
+            </a:r>
+            <a:r>
+              <a:rPr lang="en-US" dirty="0" err="1"/>
+              <a:t>đầu</a:t>
+            </a:r>
+            <a:r>
+              <a:rPr lang="en-US" dirty="0"/>
+              <a:t> </a:t>
+            </a:r>
+            <a:r>
+              <a:rPr lang="en-US" dirty="0" err="1"/>
+              <a:t>bằng</a:t>
+            </a:r>
+            <a:r>
+              <a:rPr lang="en-US" dirty="0"/>
+              <a:t> </a:t>
+            </a:r>
+            <a:r>
+              <a:rPr lang="en-US" dirty="0" err="1"/>
+              <a:t>những</a:t>
+            </a:r>
+            <a:r>
+              <a:rPr lang="en-US" dirty="0"/>
+              <a:t> </a:t>
+            </a:r>
+            <a:r>
+              <a:rPr lang="en-US" dirty="0" err="1"/>
+              <a:t>điều</a:t>
+            </a:r>
+            <a:r>
+              <a:rPr lang="en-US" dirty="0"/>
+              <a:t> </a:t>
+            </a:r>
+            <a:r>
+              <a:rPr lang="en-US" dirty="0" err="1"/>
+              <a:t>giản</a:t>
+            </a:r>
+            <a:r>
+              <a:rPr lang="en-US" dirty="0"/>
+              <a:t> </a:t>
+            </a:r>
+            <a:r>
+              <a:rPr lang="en-US" dirty="0" err="1"/>
+              <a:t>đơn</a:t>
+            </a:r>
+            <a:endParaRPr lang="en-US" dirty="0"/>
+          </a:p>
+          <a:p>
+            <a:pPr marL="171450" indent="-171450">
+              <a:buFontTx/>
+              <a:buChar char="-"/>
+            </a:pPr>
+            <a:r>
+              <a:rPr lang="en-US" dirty="0"/>
+              <a:t>Sau </a:t>
+            </a:r>
+            <a:r>
+              <a:rPr lang="en-US" dirty="0" err="1"/>
+              <a:t>khi</a:t>
+            </a:r>
+            <a:r>
+              <a:rPr lang="en-US" dirty="0"/>
+              <a:t> </a:t>
+            </a:r>
+            <a:r>
+              <a:rPr lang="en-US" dirty="0" err="1"/>
+              <a:t>tạo</a:t>
+            </a:r>
+            <a:r>
+              <a:rPr lang="en-US" dirty="0"/>
+              <a:t> </a:t>
+            </a:r>
+            <a:r>
+              <a:rPr lang="en-US" dirty="0" err="1"/>
+              <a:t>đc</a:t>
+            </a:r>
+            <a:r>
+              <a:rPr lang="en-US" dirty="0"/>
+              <a:t> </a:t>
+            </a:r>
+            <a:r>
+              <a:rPr lang="en-US" dirty="0" err="1"/>
+              <a:t>minikube</a:t>
+            </a:r>
+            <a:r>
+              <a:rPr lang="en-US" dirty="0"/>
+              <a:t>, </a:t>
+            </a:r>
+            <a:r>
+              <a:rPr lang="en-US" dirty="0" err="1"/>
+              <a:t>kubectl</a:t>
+            </a:r>
+            <a:r>
+              <a:rPr lang="en-US" dirty="0"/>
+              <a:t> dung </a:t>
+            </a:r>
+            <a:r>
+              <a:rPr lang="en-US" dirty="0" err="1"/>
+              <a:t>để</a:t>
+            </a:r>
+            <a:r>
+              <a:rPr lang="en-US" dirty="0"/>
+              <a:t> </a:t>
+            </a:r>
+            <a:r>
+              <a:rPr lang="en-US" dirty="0" err="1"/>
+              <a:t>giao</a:t>
+            </a:r>
+            <a:r>
+              <a:rPr lang="en-US" dirty="0"/>
+              <a:t> </a:t>
+            </a:r>
+            <a:r>
+              <a:rPr lang="en-US" dirty="0" err="1"/>
+              <a:t>tiếp</a:t>
+            </a:r>
+            <a:r>
+              <a:rPr lang="en-US" dirty="0"/>
+              <a:t> </a:t>
+            </a:r>
+            <a:r>
+              <a:rPr lang="en-US" dirty="0" err="1"/>
+              <a:t>với</a:t>
+            </a:r>
+            <a:r>
+              <a:rPr lang="en-US" dirty="0"/>
+              <a:t> node cluster </a:t>
+            </a:r>
+            <a:r>
+              <a:rPr lang="en-US" dirty="0" err="1"/>
+              <a:t>đó</a:t>
+            </a:r>
+            <a:endParaRPr lang="en-US" dirty="0"/>
+          </a:p>
+          <a:p>
+            <a:pPr marL="171450" indent="-171450">
+              <a:buFontTx/>
+              <a:buChar char="-"/>
+            </a:pPr>
+            <a:r>
+              <a:rPr lang="en-US" dirty="0" err="1"/>
+              <a:t>Để</a:t>
+            </a:r>
+            <a:r>
+              <a:rPr lang="en-US" dirty="0"/>
+              <a:t> </a:t>
+            </a:r>
+            <a:r>
+              <a:rPr lang="en-US" dirty="0" err="1"/>
+              <a:t>giao</a:t>
+            </a:r>
+            <a:r>
+              <a:rPr lang="en-US" dirty="0"/>
+              <a:t> </a:t>
+            </a:r>
+            <a:r>
+              <a:rPr lang="en-US" dirty="0" err="1"/>
+              <a:t>tiếp</a:t>
+            </a:r>
+            <a:r>
+              <a:rPr lang="en-US" dirty="0"/>
+              <a:t> master processes -&gt; API server </a:t>
+            </a:r>
+            <a:r>
+              <a:rPr lang="en-US" dirty="0" err="1"/>
+              <a:t>có</a:t>
+            </a:r>
+            <a:r>
+              <a:rPr lang="en-US" dirty="0"/>
+              <a:t> 3 </a:t>
+            </a:r>
+            <a:r>
+              <a:rPr lang="en-US" dirty="0" err="1"/>
+              <a:t>cách</a:t>
+            </a:r>
+            <a:r>
+              <a:rPr lang="en-US" dirty="0"/>
+              <a:t>: UI, </a:t>
+            </a:r>
+            <a:r>
+              <a:rPr lang="en-US" dirty="0" err="1"/>
+              <a:t>api</a:t>
+            </a:r>
+            <a:r>
+              <a:rPr lang="en-US" dirty="0"/>
+              <a:t>, </a:t>
+            </a:r>
+            <a:r>
+              <a:rPr lang="en-US" dirty="0" err="1"/>
+              <a:t>kubectl</a:t>
+            </a:r>
+            <a:r>
+              <a:rPr lang="en-US" dirty="0"/>
+              <a:t> (</a:t>
+            </a:r>
+            <a:r>
+              <a:rPr lang="en-US" dirty="0" err="1"/>
+              <a:t>hiệu</a:t>
+            </a:r>
+            <a:r>
+              <a:rPr lang="en-US" dirty="0"/>
+              <a:t> </a:t>
+            </a:r>
+            <a:r>
+              <a:rPr lang="en-US" dirty="0" err="1"/>
+              <a:t>quả</a:t>
+            </a:r>
+            <a:r>
+              <a:rPr lang="en-US" dirty="0"/>
+              <a:t> </a:t>
+            </a:r>
+            <a:r>
+              <a:rPr lang="en-US" dirty="0" err="1"/>
+              <a:t>nhất</a:t>
+            </a:r>
+            <a:r>
+              <a:rPr lang="en-US" dirty="0"/>
+              <a:t>)</a:t>
             </a:r>
           </a:p>
         </p:txBody>
@@ -8412,7 +9675,7 @@
           <a:p>
             <a:fld id="{E9E876F8-185E-46E6-8453-3E7FA5905E5C}" type="datetimeFigureOut">
               <a:rPr lang="en-US" smtClean="0"/>
-              <a:t>4/8/2022</a:t>
+              <a:t>4/11/2022</a:t>
             </a:fld>
             <a:endParaRPr lang="en-US"/>
           </a:p>
@@ -8610,7 +9873,7 @@
           <a:p>
             <a:fld id="{E9E876F8-185E-46E6-8453-3E7FA5905E5C}" type="datetimeFigureOut">
               <a:rPr lang="en-US" smtClean="0"/>
-              <a:t>4/8/2022</a:t>
+              <a:t>4/11/2022</a:t>
             </a:fld>
             <a:endParaRPr lang="en-US"/>
           </a:p>
@@ -8818,7 +10081,7 @@
           <a:p>
             <a:fld id="{E9E876F8-185E-46E6-8453-3E7FA5905E5C}" type="datetimeFigureOut">
               <a:rPr lang="en-US" smtClean="0"/>
-              <a:t>4/8/2022</a:t>
+              <a:t>4/11/2022</a:t>
             </a:fld>
             <a:endParaRPr lang="en-US"/>
           </a:p>
@@ -10820,7 +12083,7 @@
           <a:p>
             <a:fld id="{E9E876F8-185E-46E6-8453-3E7FA5905E5C}" type="datetimeFigureOut">
               <a:rPr lang="en-US" smtClean="0"/>
-              <a:t>4/8/2022</a:t>
+              <a:t>4/11/2022</a:t>
             </a:fld>
             <a:endParaRPr lang="en-US"/>
           </a:p>
@@ -11095,7 +12358,7 @@
           <a:p>
             <a:fld id="{E9E876F8-185E-46E6-8453-3E7FA5905E5C}" type="datetimeFigureOut">
               <a:rPr lang="en-US" smtClean="0"/>
-              <a:t>4/8/2022</a:t>
+              <a:t>4/11/2022</a:t>
             </a:fld>
             <a:endParaRPr lang="en-US"/>
           </a:p>
@@ -11360,7 +12623,7 @@
           <a:p>
             <a:fld id="{E9E876F8-185E-46E6-8453-3E7FA5905E5C}" type="datetimeFigureOut">
               <a:rPr lang="en-US" smtClean="0"/>
-              <a:t>4/8/2022</a:t>
+              <a:t>4/11/2022</a:t>
             </a:fld>
             <a:endParaRPr lang="en-US"/>
           </a:p>
@@ -11772,7 +13035,7 @@
           <a:p>
             <a:fld id="{E9E876F8-185E-46E6-8453-3E7FA5905E5C}" type="datetimeFigureOut">
               <a:rPr lang="en-US" smtClean="0"/>
-              <a:t>4/8/2022</a:t>
+              <a:t>4/11/2022</a:t>
             </a:fld>
             <a:endParaRPr lang="en-US"/>
           </a:p>
@@ -11913,7 +13176,7 @@
           <a:p>
             <a:fld id="{E9E876F8-185E-46E6-8453-3E7FA5905E5C}" type="datetimeFigureOut">
               <a:rPr lang="en-US" smtClean="0"/>
-              <a:t>4/8/2022</a:t>
+              <a:t>4/11/2022</a:t>
             </a:fld>
             <a:endParaRPr lang="en-US"/>
           </a:p>
@@ -12026,7 +13289,7 @@
           <a:p>
             <a:fld id="{E9E876F8-185E-46E6-8453-3E7FA5905E5C}" type="datetimeFigureOut">
               <a:rPr lang="en-US" smtClean="0"/>
-              <a:t>4/8/2022</a:t>
+              <a:t>4/11/2022</a:t>
             </a:fld>
             <a:endParaRPr lang="en-US"/>
           </a:p>
@@ -12337,7 +13600,7 @@
           <a:p>
             <a:fld id="{E9E876F8-185E-46E6-8453-3E7FA5905E5C}" type="datetimeFigureOut">
               <a:rPr lang="en-US" smtClean="0"/>
-              <a:t>4/8/2022</a:t>
+              <a:t>4/11/2022</a:t>
             </a:fld>
             <a:endParaRPr lang="en-US"/>
           </a:p>
@@ -12625,7 +13888,7 @@
           <a:p>
             <a:fld id="{E9E876F8-185E-46E6-8453-3E7FA5905E5C}" type="datetimeFigureOut">
               <a:rPr lang="en-US" smtClean="0"/>
-              <a:t>4/8/2022</a:t>
+              <a:t>4/11/2022</a:t>
             </a:fld>
             <a:endParaRPr lang="en-US"/>
           </a:p>
@@ -12866,7 +14129,7 @@
           <a:p>
             <a:fld id="{E9E876F8-185E-46E6-8453-3E7FA5905E5C}" type="datetimeFigureOut">
               <a:rPr lang="en-US" smtClean="0"/>
-              <a:t>4/8/2022</a:t>
+              <a:t>4/11/2022</a:t>
             </a:fld>
             <a:endParaRPr lang="en-US"/>
           </a:p>
@@ -21321,7 +22584,7 @@
             </a:pPr>
             <a:r>
               <a:rPr lang="en-US" altLang="ja-JP" dirty="0"/>
-              <a:t>Introduction to Kubernetes</a:t>
+              <a:t>Introduction to Kubernetes (K8s)</a:t>
             </a:r>
           </a:p>
         </p:txBody>
@@ -21557,7 +22820,7 @@
             </a:pPr>
             <a:r>
               <a:rPr lang="en-US" dirty="0"/>
-              <a:t>K8s Architecture &amp; Main Components</a:t>
+              <a:t>Main K8s Components</a:t>
             </a:r>
           </a:p>
         </p:txBody>
@@ -23236,7 +24499,19 @@
             </a:pPr>
             <a:r>
               <a:rPr lang="en-US" dirty="0"/>
-              <a:t>Open source container orchestration tool (Google). </a:t>
+              <a:t>Open source container </a:t>
+            </a:r>
+            <a:r>
+              <a:rPr lang="en-US" b="1" i="1" dirty="0"/>
+              <a:t>orchestration </a:t>
+            </a:r>
+            <a:r>
+              <a:rPr lang="en-US" i="1" dirty="0"/>
+              <a:t>(deployment &amp; management)</a:t>
+            </a:r>
+            <a:r>
+              <a:rPr lang="en-US" dirty="0"/>
+              <a:t> tool (Google). </a:t>
             </a:r>
           </a:p>
           <a:p>
@@ -23815,7 +25090,15 @@
             </a:br>
             <a:r>
               <a:rPr lang="en-US" dirty="0"/>
-              <a:t>Kubernetes cluster</a:t>
+              <a:t>Kubernetes cluster (</a:t>
+            </a:r>
+            <a:r>
+              <a:rPr lang="en-US" i="1" dirty="0"/>
+              <a:t>state</a:t>
+            </a:r>
+            <a:r>
+              <a:rPr lang="en-US" dirty="0"/>
+              <a:t>)</a:t>
             </a:r>
           </a:p>
         </p:txBody>
@@ -24486,7 +25769,15 @@
             </a:pPr>
             <a:r>
               <a:rPr lang="en-US" dirty="0"/>
-              <a:t>A node hosts pods which run one or more containers.</a:t>
+              <a:t>A node hosts pods which run one or more containers (</a:t>
+            </a:r>
+            <a:r>
+              <a:rPr lang="en-US" i="1" dirty="0"/>
+              <a:t>run the applications</a:t>
+            </a:r>
+            <a:r>
+              <a:rPr lang="en-US" dirty="0"/>
+              <a:t>)</a:t>
             </a:r>
           </a:p>
         </p:txBody>
@@ -25466,11 +26757,11 @@
           <a:p>
             <a:r>
               <a:rPr lang="en-US" dirty="0"/>
-              <a:t>1. </a:t>
+              <a:t>1. Main K8s Components</a:t>
             </a:r>
             <a:r>
               <a:rPr lang="en-US" altLang="ja-JP" dirty="0"/>
-              <a:t>Kubernetes Components: Pods</a:t>
+              <a:t>: Pods</a:t>
             </a:r>
             <a:endParaRPr lang="en-US" dirty="0"/>
           </a:p>
@@ -25534,7 +26825,7 @@
         <p:spPr>
           <a:xfrm>
             <a:off x="317048" y="952500"/>
-            <a:ext cx="6780439" cy="3139321"/>
+            <a:ext cx="6780439" cy="3693319"/>
           </a:xfrm>
           <a:prstGeom prst="rect">
             <a:avLst/>
@@ -25552,8 +26843,16 @@
               <a:buChar char="q"/>
             </a:pPr>
             <a:r>
-              <a:rPr lang="en-US" dirty="0"/>
-              <a:t>Pod:</a:t>
+              <a:rPr lang="en-US" dirty="0">
+                <a:solidFill>
+                  <a:schemeClr val="accent1"/>
+                </a:solidFill>
+              </a:rPr>
+              <a:t>Definition</a:t>
+            </a:r>
+            <a:r>
+              <a:rPr lang="en-US" dirty="0"/>
+              <a:t>:</a:t>
             </a:r>
           </a:p>
           <a:p>
@@ -25563,7 +26862,7 @@
             </a:pPr>
             <a:r>
               <a:rPr lang="en-US" dirty="0"/>
-              <a:t>Smallest unit of K8s</a:t>
+              <a:t>The smallest deployable units of K8s.</a:t>
             </a:r>
           </a:p>
           <a:p>
@@ -25577,13 +26876,27 @@
             </a:r>
           </a:p>
           <a:p>
+            <a:pPr marL="285750" indent="-285750">
+              <a:buFont typeface="Wingdings" panose="05000000000000000000" pitchFamily="2" charset="2"/>
+              <a:buChar char="q"/>
+            </a:pPr>
+            <a:r>
+              <a:rPr lang="en-US" dirty="0">
+                <a:solidFill>
+                  <a:schemeClr val="accent1"/>
+                </a:solidFill>
+              </a:rPr>
+              <a:t>Properties:</a:t>
+            </a:r>
+          </a:p>
+          <a:p>
             <a:pPr marL="742950" lvl="1" indent="-285750">
               <a:buFont typeface="Wingdings" panose="05000000000000000000" pitchFamily="2" charset="2"/>
               <a:buChar char="§"/>
             </a:pPr>
             <a:r>
               <a:rPr lang="en-US" dirty="0"/>
-              <a:t>Be created using workload resources.</a:t>
+              <a:t>Be created using workload resources. </a:t>
             </a:r>
           </a:p>
           <a:p>
@@ -25612,6 +26925,16 @@
               <a:buChar char="§"/>
             </a:pPr>
             <a:r>
+              <a:rPr lang="en-US" b="1" i="1" dirty="0"/>
+              <a:t>Non-permanent resources (*)</a:t>
+            </a:r>
+          </a:p>
+          <a:p>
+            <a:pPr marL="742950" lvl="1" indent="-285750">
+              <a:buFont typeface="Wingdings" panose="05000000000000000000" pitchFamily="2" charset="2"/>
+              <a:buChar char="§"/>
+            </a:pPr>
+            <a:r>
               <a:rPr lang="en-US" b="1" dirty="0"/>
               <a:t>Main purpose: </a:t>
             </a:r>
@@ -25648,7 +26971,7 @@
             </a:pPr>
             <a:r>
               <a:rPr lang="en-US" dirty="0"/>
-              <a:t>Run multiple containers that word together</a:t>
+              <a:t>Run multiple containers that word together.</a:t>
             </a:r>
           </a:p>
         </p:txBody>
@@ -25896,8 +27219,8 @@
         </p:nvSpPr>
         <p:spPr>
           <a:xfrm>
-            <a:off x="485776" y="952500"/>
-            <a:ext cx="10959990" cy="2308324"/>
+            <a:off x="391647" y="2338834"/>
+            <a:ext cx="6775635" cy="3970318"/>
           </a:xfrm>
           <a:prstGeom prst="rect">
             <a:avLst/>
@@ -25915,8 +27238,12 @@
               <a:buChar char="q"/>
             </a:pPr>
             <a:r>
-              <a:rPr lang="en-US" dirty="0"/>
-              <a:t>Service:</a:t>
+              <a:rPr lang="en-US" dirty="0">
+                <a:solidFill>
+                  <a:schemeClr val="accent1"/>
+                </a:solidFill>
+              </a:rPr>
+              <a:t>Definition:</a:t>
             </a:r>
           </a:p>
           <a:p>
@@ -25975,12 +27302,247 @@
               <a:buChar char="q"/>
             </a:pPr>
             <a:r>
-              <a:rPr lang="en-US" dirty="0"/>
-              <a:t>PRACTIVE</a:t>
-            </a:r>
-          </a:p>
-          <a:p>
+              <a:rPr lang="en-US" dirty="0">
+                <a:solidFill>
+                  <a:schemeClr val="accent1"/>
+                </a:solidFill>
+              </a:rPr>
+              <a:t>Service types:</a:t>
+            </a:r>
+          </a:p>
+          <a:p>
+            <a:pPr marL="742950" lvl="1" indent="-285750">
+              <a:buFont typeface="Wingdings" panose="05000000000000000000" pitchFamily="2" charset="2"/>
+              <a:buChar char="§"/>
+            </a:pPr>
+            <a:r>
+              <a:rPr lang="en-US" dirty="0" err="1"/>
+              <a:t>ClusterIP</a:t>
+            </a:r>
+            <a:r>
+              <a:rPr lang="en-US" dirty="0"/>
+              <a:t> Services</a:t>
+            </a:r>
+          </a:p>
+          <a:p>
+            <a:pPr marL="742950" lvl="1" indent="-285750">
+              <a:buFont typeface="Wingdings" panose="05000000000000000000" pitchFamily="2" charset="2"/>
+              <a:buChar char="§"/>
+            </a:pPr>
+            <a:r>
+              <a:rPr lang="en-US" dirty="0"/>
+              <a:t>Headless Services</a:t>
+            </a:r>
+          </a:p>
+          <a:p>
+            <a:pPr marL="742950" lvl="1" indent="-285750">
+              <a:buFont typeface="Wingdings" panose="05000000000000000000" pitchFamily="2" charset="2"/>
+              <a:buChar char="§"/>
+            </a:pPr>
+            <a:r>
+              <a:rPr lang="en-US" dirty="0" err="1"/>
+              <a:t>NodePort</a:t>
+            </a:r>
+            <a:r>
+              <a:rPr lang="en-US" dirty="0"/>
+              <a:t> Services</a:t>
+            </a:r>
+          </a:p>
+          <a:p>
+            <a:pPr marL="742950" lvl="1" indent="-285750">
+              <a:buFont typeface="Wingdings" panose="05000000000000000000" pitchFamily="2" charset="2"/>
+              <a:buChar char="§"/>
+            </a:pPr>
+            <a:r>
+              <a:rPr lang="en-US" dirty="0" err="1"/>
+              <a:t>LoadBalancer</a:t>
+            </a:r>
+            <a:r>
+              <a:rPr lang="en-US" dirty="0"/>
+              <a:t> Services</a:t>
+            </a:r>
+          </a:p>
+        </p:txBody>
+      </p:sp>
+      <p:sp>
+        <p:nvSpPr>
+          <p:cNvPr id="5" name="TextBox 4">
+            <a:extLst>
+              <a:ext uri="{FF2B5EF4-FFF2-40B4-BE49-F238E27FC236}">
+                <a16:creationId xmlns:a16="http://schemas.microsoft.com/office/drawing/2014/main" id="{1580AAFE-555E-499C-8914-30DFF10530E4}"/>
+              </a:ext>
+            </a:extLst>
+          </p:cNvPr>
+          <p:cNvSpPr txBox="1"/>
+          <p:nvPr/>
+        </p:nvSpPr>
+        <p:spPr>
+          <a:xfrm>
+            <a:off x="391647" y="1013099"/>
+            <a:ext cx="6641165" cy="1200329"/>
+          </a:xfrm>
+          <a:prstGeom prst="rect">
+            <a:avLst/>
+          </a:prstGeom>
+          <a:noFill/>
+        </p:spPr>
+        <p:txBody>
+          <a:bodyPr wrap="square" rtlCol="0">
+            <a:spAutoFit/>
+          </a:bodyPr>
+          <a:lstStyle/>
+          <a:p>
+            <a:pPr marL="285750" indent="-285750">
+              <a:buFont typeface="Wingdings" panose="05000000000000000000" pitchFamily="2" charset="2"/>
+              <a:buChar char="q"/>
+            </a:pPr>
+            <a:r>
+              <a:rPr lang="en-US" dirty="0">
+                <a:solidFill>
+                  <a:schemeClr val="accent1"/>
+                </a:solidFill>
+              </a:rPr>
+              <a:t>Motivation (*):  </a:t>
+            </a:r>
+            <a:r>
+              <a:rPr lang="en-US" dirty="0"/>
+              <a:t>Assume some set of Pods are created &amp; destroyed (ex: metadata). How do other Pods find out &amp; keep track of which IP address to connect ? </a:t>
+            </a:r>
+          </a:p>
+          <a:p>
+            <a:pPr marL="742950" lvl="1" indent="-285750">
+              <a:buFont typeface="Wingdings" panose="05000000000000000000" pitchFamily="2" charset="2"/>
+              <a:buChar char="§"/>
+            </a:pPr>
+            <a:r>
+              <a:rPr lang="en-US" i="1" dirty="0"/>
+              <a:t>Solution</a:t>
+            </a:r>
+            <a:r>
+              <a:rPr lang="en-US" dirty="0"/>
+              <a:t>: Service (stable IP address)</a:t>
+            </a:r>
+          </a:p>
+        </p:txBody>
+      </p:sp>
+      <p:pic>
+        <p:nvPicPr>
+          <p:cNvPr id="8" name="Picture 7">
+            <a:extLst>
+              <a:ext uri="{FF2B5EF4-FFF2-40B4-BE49-F238E27FC236}">
+                <a16:creationId xmlns:a16="http://schemas.microsoft.com/office/drawing/2014/main" id="{27C24CD6-5338-4501-8246-6AA1A2D77AF9}"/>
+              </a:ext>
+            </a:extLst>
+          </p:cNvPr>
+          <p:cNvPicPr>
+            <a:picLocks noChangeAspect="1"/>
+          </p:cNvPicPr>
+          <p:nvPr/>
+        </p:nvPicPr>
+        <p:blipFill>
+          <a:blip r:embed="rId3">
+            <a:extLst>
+              <a:ext uri="{28A0092B-C50C-407E-A947-70E740481C1C}">
+                <a14:useLocalDpi xmlns:a14="http://schemas.microsoft.com/office/drawing/2010/main" val="0"/>
+              </a:ext>
+            </a:extLst>
+          </a:blip>
+          <a:stretch>
+            <a:fillRect/>
+          </a:stretch>
+        </p:blipFill>
+        <p:spPr>
+          <a:xfrm>
+            <a:off x="7261174" y="1459583"/>
+            <a:ext cx="4906344" cy="3260084"/>
+          </a:xfrm>
+          <a:prstGeom prst="rect">
+            <a:avLst/>
+          </a:prstGeom>
+        </p:spPr>
+      </p:pic>
+      <p:sp>
+        <p:nvSpPr>
+          <p:cNvPr id="9" name="TextBox 8">
+            <a:extLst>
+              <a:ext uri="{FF2B5EF4-FFF2-40B4-BE49-F238E27FC236}">
+                <a16:creationId xmlns:a16="http://schemas.microsoft.com/office/drawing/2014/main" id="{A3285734-425B-4DF1-89E8-E3A9AF56301A}"/>
+              </a:ext>
+            </a:extLst>
+          </p:cNvPr>
+          <p:cNvSpPr txBox="1"/>
+          <p:nvPr/>
+        </p:nvSpPr>
+        <p:spPr>
+          <a:xfrm>
+            <a:off x="9533965" y="4831824"/>
+            <a:ext cx="824072" cy="369332"/>
+          </a:xfrm>
+          <a:prstGeom prst="rect">
+            <a:avLst/>
+          </a:prstGeom>
+          <a:noFill/>
+        </p:spPr>
+        <p:txBody>
+          <a:bodyPr wrap="none" rtlCol="0">
+            <a:spAutoFit/>
+          </a:bodyPr>
+          <a:lstStyle/>
+          <a:p>
+            <a:r>
+              <a:rPr lang="en-US" dirty="0">
+                <a:hlinkClick r:id="rId4"/>
+              </a:rPr>
+              <a:t>Source</a:t>
+            </a:r>
             <a:endParaRPr lang="en-US" dirty="0"/>
+          </a:p>
+        </p:txBody>
+      </p:sp>
+      <p:sp>
+        <p:nvSpPr>
+          <p:cNvPr id="11" name="TextBox 10">
+            <a:extLst>
+              <a:ext uri="{FF2B5EF4-FFF2-40B4-BE49-F238E27FC236}">
+                <a16:creationId xmlns:a16="http://schemas.microsoft.com/office/drawing/2014/main" id="{620FB2BE-B203-42B8-9AC6-86D6ACCF534C}"/>
+              </a:ext>
+            </a:extLst>
+          </p:cNvPr>
+          <p:cNvSpPr txBox="1"/>
+          <p:nvPr/>
+        </p:nvSpPr>
+        <p:spPr>
+          <a:xfrm>
+            <a:off x="317048" y="6427045"/>
+            <a:ext cx="8347981" cy="369332"/>
+          </a:xfrm>
+          <a:prstGeom prst="rect">
+            <a:avLst/>
+          </a:prstGeom>
+          <a:noFill/>
+        </p:spPr>
+        <p:txBody>
+          <a:bodyPr wrap="square" rtlCol="0">
+            <a:spAutoFit/>
+          </a:bodyPr>
+          <a:lstStyle/>
+          <a:p>
+            <a:r>
+              <a:rPr lang="en-US" dirty="0">
+                <a:solidFill>
+                  <a:srgbClr val="FF0000"/>
+                </a:solidFill>
+              </a:rPr>
+              <a:t>Ref: </a:t>
+            </a:r>
+            <a:r>
+              <a:rPr lang="en-US" dirty="0">
+                <a:solidFill>
+                  <a:schemeClr val="accent1"/>
+                </a:solidFill>
+              </a:rPr>
+              <a:t>https://kubernetes.io/docs/concepts/services-networking/service/</a:t>
+            </a:r>
           </a:p>
         </p:txBody>
       </p:sp>
@@ -26107,7 +27669,7 @@
         <p:spPr>
           <a:xfrm>
             <a:off x="485776" y="952500"/>
-            <a:ext cx="7018110" cy="923330"/>
+            <a:ext cx="7018110" cy="1200329"/>
           </a:xfrm>
           <a:prstGeom prst="rect">
             <a:avLst/>
@@ -26128,6 +27690,13 @@
               <a:rPr lang="en-US" dirty="0"/>
               <a:t>Ingress exposes HTTP &amp; HTTPS routes from outside the cluster to services within the cluster.</a:t>
             </a:r>
+          </a:p>
+          <a:p>
+            <a:pPr marL="285750" indent="-285750">
+              <a:buFont typeface="Wingdings" panose="05000000000000000000" pitchFamily="2" charset="2"/>
+              <a:buChar char="q"/>
+            </a:pPr>
+            <a:endParaRPr lang="en-US" dirty="0"/>
           </a:p>
           <a:p>
             <a:endParaRPr lang="en-US" dirty="0"/>
@@ -26413,19 +27982,29 @@
           </a:bodyPr>
           <a:lstStyle/>
           <a:p>
-            <a:r>
-              <a:rPr lang="en-US" dirty="0"/>
-              <a:t>1. </a:t>
-            </a:r>
-            <a:r>
-              <a:rPr lang="en-US" altLang="ja-JP" dirty="0"/>
-              <a:t>Kubernetes Components: </a:t>
-            </a:r>
-            <a:r>
-              <a:rPr lang="en-US" altLang="ja-JP" dirty="0" err="1"/>
-              <a:t>Volumns</a:t>
-            </a:r>
-            <a:endParaRPr lang="en-US" dirty="0"/>
+            <a:pPr>
+              <a:buNone/>
+            </a:pPr>
+            <a:r>
+              <a:rPr lang="en-US" dirty="0"/>
+              <a:t>3. </a:t>
+            </a:r>
+            <a:r>
+              <a:rPr lang="en-US" dirty="0" err="1"/>
+              <a:t>Minikube</a:t>
+            </a:r>
+            <a:r>
+              <a:rPr lang="en-US" dirty="0"/>
+              <a:t> &amp; </a:t>
+            </a:r>
+            <a:r>
+              <a:rPr lang="en-US" dirty="0" err="1"/>
+              <a:t>Kubectl</a:t>
+            </a:r>
+            <a:r>
+              <a:rPr lang="en-US" dirty="0"/>
+              <a:t> – Local Setup</a:t>
+            </a:r>
           </a:p>
         </p:txBody>
       </p:sp>
@@ -26487,7 +28066,7 @@
         <p:spPr>
           <a:xfrm>
             <a:off x="485776" y="952499"/>
-            <a:ext cx="10959990" cy="1200329"/>
+            <a:ext cx="6157071" cy="3970318"/>
           </a:xfrm>
           <a:prstGeom prst="rect">
             <a:avLst/>
@@ -26505,8 +28084,22 @@
               <a:buChar char="q"/>
             </a:pPr>
             <a:r>
-              <a:rPr lang="en-US" dirty="0"/>
-              <a:t>Motivation: </a:t>
+              <a:rPr lang="en-US" dirty="0" err="1"/>
+              <a:t>Minikube</a:t>
+            </a:r>
+            <a:r>
+              <a:rPr lang="en-US" dirty="0"/>
+              <a:t>: A single node cluster and the easiest way of deploying Kubernetes.</a:t>
+            </a:r>
+          </a:p>
+          <a:p>
+            <a:pPr marL="742950" lvl="1" indent="-285750">
+              <a:buFont typeface="Wingdings" panose="05000000000000000000" pitchFamily="2" charset="2"/>
+              <a:buChar char="§"/>
+            </a:pPr>
+            <a:r>
+              <a:rPr lang="en-US" dirty="0"/>
+              <a:t>Master &amp; node processes run on one Machine</a:t>
             </a:r>
           </a:p>
           <a:p>
@@ -26515,19 +28108,94 @@
               <a:buChar char="q"/>
             </a:pPr>
             <a:r>
-              <a:rPr lang="en-US" dirty="0"/>
-              <a:t>External configuration of application. It contains configuration data (</a:t>
-            </a:r>
-            <a:r>
-              <a:rPr lang="en-US" dirty="0" err="1"/>
-              <a:t>urls</a:t>
-            </a:r>
-            <a:r>
-              <a:rPr lang="en-US" dirty="0"/>
-              <a:t> of database)</a:t>
-            </a:r>
-          </a:p>
-          <a:p>
+              <a:rPr lang="en-US" dirty="0" err="1"/>
+              <a:t>Kubectl</a:t>
+            </a:r>
+            <a:r>
+              <a:rPr lang="en-US" dirty="0"/>
+              <a:t>:  Command Line Interface to access Kubernetes cluster.</a:t>
+            </a:r>
+          </a:p>
+          <a:p>
+            <a:pPr marL="285750" indent="-285750">
+              <a:buFont typeface="Wingdings" panose="05000000000000000000" pitchFamily="2" charset="2"/>
+              <a:buChar char="q"/>
+            </a:pPr>
+            <a:r>
+              <a:rPr lang="en-US" dirty="0"/>
+              <a:t>Basic </a:t>
+            </a:r>
+            <a:r>
+              <a:rPr lang="en-US" dirty="0" err="1"/>
+              <a:t>kubectl</a:t>
+            </a:r>
+            <a:r>
+              <a:rPr lang="en-US" dirty="0"/>
+              <a:t> commands:</a:t>
+            </a:r>
+          </a:p>
+          <a:p>
+            <a:pPr marL="742950" lvl="1" indent="-285750">
+              <a:buFont typeface="Wingdings" panose="05000000000000000000" pitchFamily="2" charset="2"/>
+              <a:buChar char="§"/>
+            </a:pPr>
+            <a:r>
+              <a:rPr lang="en-US" dirty="0"/>
+              <a:t>CRUD commands:</a:t>
+            </a:r>
+          </a:p>
+          <a:p>
+            <a:pPr marL="1200150" lvl="2" indent="-285750">
+              <a:buFont typeface="Courier New" panose="02070309020205020404" pitchFamily="49" charset="0"/>
+              <a:buChar char="o"/>
+            </a:pPr>
+            <a:r>
+              <a:rPr lang="en-US" dirty="0"/>
+              <a:t>Create/Edit/Delete deployment:</a:t>
+            </a:r>
+          </a:p>
+          <a:p>
+            <a:pPr lvl="2"/>
+            <a:r>
+              <a:rPr lang="en-US" i="1" dirty="0">
+                <a:latin typeface="Consolas" panose="020B0609020204030204" pitchFamily="49" charset="0"/>
+              </a:rPr>
+              <a:t>$ </a:t>
+            </a:r>
+            <a:r>
+              <a:rPr lang="en-US" i="1" dirty="0" err="1">
+                <a:latin typeface="Consolas" panose="020B0609020204030204" pitchFamily="49" charset="0"/>
+              </a:rPr>
+              <a:t>kubectl</a:t>
+            </a:r>
+            <a:r>
+              <a:rPr lang="en-US" i="1" dirty="0">
+                <a:latin typeface="Consolas" panose="020B0609020204030204" pitchFamily="49" charset="0"/>
+              </a:rPr>
+              <a:t> create/edit/delete deployment [name]</a:t>
+            </a:r>
+          </a:p>
+          <a:p>
+            <a:pPr marL="742950" lvl="1" indent="-285750">
+              <a:buFont typeface="Wingdings" panose="05000000000000000000" pitchFamily="2" charset="2"/>
+              <a:buChar char="§"/>
+            </a:pPr>
+            <a:r>
+              <a:rPr lang="en-US" dirty="0"/>
+              <a:t>Status of different K8s components</a:t>
+            </a:r>
+          </a:p>
+          <a:p>
+            <a:pPr lvl="2"/>
+            <a:endParaRPr lang="en-US" i="1" dirty="0">
+              <a:latin typeface="Consolas" panose="020B0609020204030204" pitchFamily="49" charset="0"/>
+            </a:endParaRPr>
+          </a:p>
+          <a:p>
+            <a:pPr marL="742950" lvl="1" indent="-285750">
+              <a:buFont typeface="Wingdings" panose="05000000000000000000" pitchFamily="2" charset="2"/>
+              <a:buChar char="§"/>
+            </a:pPr>
             <a:endParaRPr lang="en-US" dirty="0"/>
           </a:p>
           <a:p>
@@ -26535,6 +28203,42 @@
           </a:p>
         </p:txBody>
       </p:sp>
+      <p:pic>
+        <p:nvPicPr>
+          <p:cNvPr id="5" name="Picture 4">
+            <a:extLst>
+              <a:ext uri="{FF2B5EF4-FFF2-40B4-BE49-F238E27FC236}">
+                <a16:creationId xmlns:a16="http://schemas.microsoft.com/office/drawing/2014/main" id="{1912F1EB-67D9-445A-9964-93DA658890E7}"/>
+              </a:ext>
+            </a:extLst>
+          </p:cNvPr>
+          <p:cNvPicPr>
+            <a:picLocks noChangeAspect="1"/>
+          </p:cNvPicPr>
+          <p:nvPr/>
+        </p:nvPicPr>
+        <p:blipFill>
+          <a:blip r:embed="rId3">
+            <a:extLst>
+              <a:ext uri="{28A0092B-C50C-407E-A947-70E740481C1C}">
+                <a14:useLocalDpi xmlns:a14="http://schemas.microsoft.com/office/drawing/2010/main" val="0"/>
+              </a:ext>
+            </a:extLst>
+          </a:blip>
+          <a:stretch>
+            <a:fillRect/>
+          </a:stretch>
+        </p:blipFill>
+        <p:spPr>
+          <a:xfrm>
+            <a:off x="6778067" y="954000"/>
+            <a:ext cx="5250648" cy="2804324"/>
+          </a:xfrm>
+          <a:prstGeom prst="rect">
+            <a:avLst/>
+          </a:prstGeom>
+        </p:spPr>
+      </p:pic>
     </p:spTree>
     <p:extLst>
       <p:ext uri="{BB962C8B-B14F-4D97-AF65-F5344CB8AC3E}">
